--- a/1_Basics/Julia_intro_Brussels_2024.pptx
+++ b/1_Basics/Julia_intro_Brussels_2024.pptx
@@ -5,7 +5,7 @@
     <p:sldMasterId id="2147483648" r:id="rId1"/>
   </p:sldMasterIdLst>
   <p:notesMasterIdLst>
-    <p:notesMasterId r:id="rId39"/>
+    <p:notesMasterId r:id="rId40"/>
   </p:notesMasterIdLst>
   <p:sldIdLst>
     <p:sldId id="256" r:id="rId2"/>
@@ -26,25 +26,26 @@
     <p:sldId id="472" r:id="rId17"/>
     <p:sldId id="443" r:id="rId18"/>
     <p:sldId id="473" r:id="rId19"/>
-    <p:sldId id="478" r:id="rId20"/>
-    <p:sldId id="477" r:id="rId21"/>
-    <p:sldId id="479" r:id="rId22"/>
-    <p:sldId id="480" r:id="rId23"/>
-    <p:sldId id="481" r:id="rId24"/>
-    <p:sldId id="483" r:id="rId25"/>
-    <p:sldId id="545" r:id="rId26"/>
-    <p:sldId id="484" r:id="rId27"/>
-    <p:sldId id="485" r:id="rId28"/>
-    <p:sldId id="486" r:id="rId29"/>
-    <p:sldId id="487" r:id="rId30"/>
-    <p:sldId id="488" r:id="rId31"/>
-    <p:sldId id="489" r:id="rId32"/>
-    <p:sldId id="490" r:id="rId33"/>
-    <p:sldId id="491" r:id="rId34"/>
-    <p:sldId id="492" r:id="rId35"/>
-    <p:sldId id="493" r:id="rId36"/>
-    <p:sldId id="520" r:id="rId37"/>
-    <p:sldId id="521" r:id="rId38"/>
+    <p:sldId id="1121" r:id="rId20"/>
+    <p:sldId id="478" r:id="rId21"/>
+    <p:sldId id="477" r:id="rId22"/>
+    <p:sldId id="479" r:id="rId23"/>
+    <p:sldId id="480" r:id="rId24"/>
+    <p:sldId id="481" r:id="rId25"/>
+    <p:sldId id="483" r:id="rId26"/>
+    <p:sldId id="545" r:id="rId27"/>
+    <p:sldId id="484" r:id="rId28"/>
+    <p:sldId id="485" r:id="rId29"/>
+    <p:sldId id="486" r:id="rId30"/>
+    <p:sldId id="487" r:id="rId31"/>
+    <p:sldId id="488" r:id="rId32"/>
+    <p:sldId id="489" r:id="rId33"/>
+    <p:sldId id="490" r:id="rId34"/>
+    <p:sldId id="491" r:id="rId35"/>
+    <p:sldId id="492" r:id="rId36"/>
+    <p:sldId id="493" r:id="rId37"/>
+    <p:sldId id="520" r:id="rId38"/>
+    <p:sldId id="521" r:id="rId39"/>
   </p:sldIdLst>
   <p:sldSz cx="12192000" cy="6858000"/>
   <p:notesSz cx="6858000" cy="9144000"/>
@@ -166,6 +167,7 @@
             <p14:sldId id="472"/>
             <p14:sldId id="443"/>
             <p14:sldId id="473"/>
+            <p14:sldId id="1121"/>
             <p14:sldId id="478"/>
             <p14:sldId id="477"/>
             <p14:sldId id="479"/>
@@ -278,7 +280,7 @@
           <a:p>
             <a:fld id="{AFF69BB9-9384-482D-84B0-29C30389D114}" type="datetimeFigureOut">
               <a:rPr lang="en-US" smtClean="0"/>
-              <a:t>2/10/2024</a:t>
+              <a:t>2/18/2024</a:t>
             </a:fld>
             <a:endParaRPr lang="en-US"/>
           </a:p>
@@ -965,7 +967,7 @@
           <a:p>
             <a:fld id="{6F10A292-C937-4941-BFBF-6FE9C327C80F}" type="datetimeFigureOut">
               <a:rPr lang="en-US" smtClean="0"/>
-              <a:t>2/10/2024</a:t>
+              <a:t>2/18/2024</a:t>
             </a:fld>
             <a:endParaRPr lang="en-US"/>
           </a:p>
@@ -1163,7 +1165,7 @@
           <a:p>
             <a:fld id="{6F10A292-C937-4941-BFBF-6FE9C327C80F}" type="datetimeFigureOut">
               <a:rPr lang="en-US" smtClean="0"/>
-              <a:t>2/10/2024</a:t>
+              <a:t>2/18/2024</a:t>
             </a:fld>
             <a:endParaRPr lang="en-US"/>
           </a:p>
@@ -1371,7 +1373,7 @@
           <a:p>
             <a:fld id="{6F10A292-C937-4941-BFBF-6FE9C327C80F}" type="datetimeFigureOut">
               <a:rPr lang="en-US" smtClean="0"/>
-              <a:t>2/10/2024</a:t>
+              <a:t>2/18/2024</a:t>
             </a:fld>
             <a:endParaRPr lang="en-US"/>
           </a:p>
@@ -1928,7 +1930,7 @@
           <a:p>
             <a:fld id="{6F10A292-C937-4941-BFBF-6FE9C327C80F}" type="datetimeFigureOut">
               <a:rPr lang="en-US" smtClean="0"/>
-              <a:t>2/10/2024</a:t>
+              <a:t>2/18/2024</a:t>
             </a:fld>
             <a:endParaRPr lang="en-US"/>
           </a:p>
@@ -2203,7 +2205,7 @@
           <a:p>
             <a:fld id="{6F10A292-C937-4941-BFBF-6FE9C327C80F}" type="datetimeFigureOut">
               <a:rPr lang="en-US" smtClean="0"/>
-              <a:t>2/10/2024</a:t>
+              <a:t>2/18/2024</a:t>
             </a:fld>
             <a:endParaRPr lang="en-US"/>
           </a:p>
@@ -2468,7 +2470,7 @@
           <a:p>
             <a:fld id="{6F10A292-C937-4941-BFBF-6FE9C327C80F}" type="datetimeFigureOut">
               <a:rPr lang="en-US" smtClean="0"/>
-              <a:t>2/10/2024</a:t>
+              <a:t>2/18/2024</a:t>
             </a:fld>
             <a:endParaRPr lang="en-US"/>
           </a:p>
@@ -2880,7 +2882,7 @@
           <a:p>
             <a:fld id="{6F10A292-C937-4941-BFBF-6FE9C327C80F}" type="datetimeFigureOut">
               <a:rPr lang="en-US" smtClean="0"/>
-              <a:t>2/10/2024</a:t>
+              <a:t>2/18/2024</a:t>
             </a:fld>
             <a:endParaRPr lang="en-US"/>
           </a:p>
@@ -3021,7 +3023,7 @@
           <a:p>
             <a:fld id="{6F10A292-C937-4941-BFBF-6FE9C327C80F}" type="datetimeFigureOut">
               <a:rPr lang="en-US" smtClean="0"/>
-              <a:t>2/10/2024</a:t>
+              <a:t>2/18/2024</a:t>
             </a:fld>
             <a:endParaRPr lang="en-US"/>
           </a:p>
@@ -3134,7 +3136,7 @@
           <a:p>
             <a:fld id="{6F10A292-C937-4941-BFBF-6FE9C327C80F}" type="datetimeFigureOut">
               <a:rPr lang="en-US" smtClean="0"/>
-              <a:t>2/10/2024</a:t>
+              <a:t>2/18/2024</a:t>
             </a:fld>
             <a:endParaRPr lang="en-US"/>
           </a:p>
@@ -3445,7 +3447,7 @@
           <a:p>
             <a:fld id="{6F10A292-C937-4941-BFBF-6FE9C327C80F}" type="datetimeFigureOut">
               <a:rPr lang="en-US" smtClean="0"/>
-              <a:t>2/10/2024</a:t>
+              <a:t>2/18/2024</a:t>
             </a:fld>
             <a:endParaRPr lang="en-US"/>
           </a:p>
@@ -3733,7 +3735,7 @@
           <a:p>
             <a:fld id="{6F10A292-C937-4941-BFBF-6FE9C327C80F}" type="datetimeFigureOut">
               <a:rPr lang="en-US" smtClean="0"/>
-              <a:t>2/10/2024</a:t>
+              <a:t>2/18/2024</a:t>
             </a:fld>
             <a:endParaRPr lang="en-US"/>
           </a:p>
@@ -3974,7 +3976,7 @@
           <a:p>
             <a:fld id="{6F10A292-C937-4941-BFBF-6FE9C327C80F}" type="datetimeFigureOut">
               <a:rPr lang="en-US" smtClean="0"/>
-              <a:t>2/10/2024</a:t>
+              <a:t>2/18/2024</a:t>
             </a:fld>
             <a:endParaRPr lang="en-US"/>
           </a:p>
@@ -6920,6 +6922,925 @@
       </p:grpSpPr>
       <p:sp>
         <p:nvSpPr>
+          <p:cNvPr id="2" name="Tytuł 1">
+            <a:extLst>
+              <a:ext uri="{FF2B5EF4-FFF2-40B4-BE49-F238E27FC236}">
+                <a16:creationId xmlns:a16="http://schemas.microsoft.com/office/drawing/2014/main" id="{2F1325D7-1D76-3B69-D325-72D624D88A3B}"/>
+              </a:ext>
+            </a:extLst>
+          </p:cNvPr>
+          <p:cNvSpPr>
+            <a:spLocks noGrp="1"/>
+          </p:cNvSpPr>
+          <p:nvPr>
+            <p:ph type="title"/>
+          </p:nvPr>
+        </p:nvSpPr>
+        <p:spPr>
+          <a:xfrm>
+            <a:off x="791547" y="158258"/>
+            <a:ext cx="11179629" cy="861851"/>
+          </a:xfrm>
+        </p:spPr>
+        <p:txBody>
+          <a:bodyPr>
+            <a:normAutofit/>
+          </a:bodyPr>
+          <a:lstStyle/>
+          <a:p>
+            <a:r>
+              <a:rPr lang="en-US" b="1" dirty="0"/>
+              <a:t>Julia installation and virtual environment</a:t>
+            </a:r>
+            <a:endParaRPr lang="en-GB" b="1" dirty="0"/>
+          </a:p>
+        </p:txBody>
+      </p:sp>
+      <p:sp>
+        <p:nvSpPr>
+          <p:cNvPr id="4" name="pole tekstowe 3">
+            <a:extLst>
+              <a:ext uri="{FF2B5EF4-FFF2-40B4-BE49-F238E27FC236}">
+                <a16:creationId xmlns:a16="http://schemas.microsoft.com/office/drawing/2014/main" id="{2573762F-8FAC-13F8-D3DB-CC673CABF846}"/>
+              </a:ext>
+            </a:extLst>
+          </p:cNvPr>
+          <p:cNvSpPr txBox="1"/>
+          <p:nvPr/>
+        </p:nvSpPr>
+        <p:spPr>
+          <a:xfrm>
+            <a:off x="220824" y="977251"/>
+            <a:ext cx="5750100" cy="1569660"/>
+          </a:xfrm>
+          <a:prstGeom prst="rect">
+            <a:avLst/>
+          </a:prstGeom>
+          <a:solidFill>
+            <a:schemeClr val="accent2">
+              <a:lumMod val="20000"/>
+              <a:lumOff val="80000"/>
+            </a:schemeClr>
+          </a:solidFill>
+        </p:spPr>
+        <p:txBody>
+          <a:bodyPr wrap="none" rtlCol="0">
+            <a:spAutoFit/>
+          </a:bodyPr>
+          <a:lstStyle/>
+          <a:p>
+            <a:r>
+              <a:rPr lang="en-US" sz="2400" b="1" dirty="0">
+                <a:latin typeface="Consolas" panose="020B0609020204030204" pitchFamily="49" charset="0"/>
+              </a:rPr>
+              <a:t>JULIA_HOME </a:t>
+            </a:r>
+            <a:r>
+              <a:rPr lang="en-US" sz="2400" i="1" dirty="0">
+                <a:latin typeface="+mj-lt"/>
+              </a:rPr>
+              <a:t>(system environment variable)</a:t>
+            </a:r>
+            <a:endParaRPr lang="en-US" sz="2400" b="1" dirty="0">
+              <a:latin typeface="Consolas" panose="020B0609020204030204" pitchFamily="49" charset="0"/>
+            </a:endParaRPr>
+          </a:p>
+          <a:p>
+            <a:pPr marL="285750" indent="-285750">
+              <a:buFont typeface="Arial" panose="020B0604020202020204" pitchFamily="34" charset="0"/>
+              <a:buChar char="•"/>
+            </a:pPr>
+            <a:r>
+              <a:rPr lang="en-US" sz="2400" dirty="0"/>
+              <a:t>Julia binaries</a:t>
+            </a:r>
+          </a:p>
+          <a:p>
+            <a:pPr marL="285750" indent="-285750">
+              <a:buFont typeface="Arial" panose="020B0604020202020204" pitchFamily="34" charset="0"/>
+              <a:buChar char="•"/>
+            </a:pPr>
+            <a:r>
+              <a:rPr lang="en-GB" sz="2400" dirty="0"/>
+              <a:t>julia.exe</a:t>
+            </a:r>
+          </a:p>
+          <a:p>
+            <a:pPr marL="285750" indent="-285750">
+              <a:buFont typeface="Arial" panose="020B0604020202020204" pitchFamily="34" charset="0"/>
+              <a:buChar char="•"/>
+            </a:pPr>
+            <a:r>
+              <a:rPr lang="en-GB" sz="2400" dirty="0" err="1"/>
+              <a:t>julia</a:t>
+            </a:r>
+            <a:r>
+              <a:rPr lang="en-GB" sz="2400" dirty="0"/>
+              <a:t> system image</a:t>
+            </a:r>
+          </a:p>
+        </p:txBody>
+      </p:sp>
+      <p:sp>
+        <p:nvSpPr>
+          <p:cNvPr id="6" name="pole tekstowe 5">
+            <a:extLst>
+              <a:ext uri="{FF2B5EF4-FFF2-40B4-BE49-F238E27FC236}">
+                <a16:creationId xmlns:a16="http://schemas.microsoft.com/office/drawing/2014/main" id="{AE303C44-D228-1682-4565-4C4BD3457638}"/>
+              </a:ext>
+            </a:extLst>
+          </p:cNvPr>
+          <p:cNvSpPr txBox="1"/>
+          <p:nvPr/>
+        </p:nvSpPr>
+        <p:spPr>
+          <a:xfrm>
+            <a:off x="6435588" y="977251"/>
+            <a:ext cx="5606372" cy="3785652"/>
+          </a:xfrm>
+          <a:prstGeom prst="rect">
+            <a:avLst/>
+          </a:prstGeom>
+          <a:solidFill>
+            <a:schemeClr val="accent5">
+              <a:lumMod val="20000"/>
+              <a:lumOff val="80000"/>
+            </a:schemeClr>
+          </a:solidFill>
+        </p:spPr>
+        <p:txBody>
+          <a:bodyPr wrap="square" rtlCol="0">
+            <a:spAutoFit/>
+          </a:bodyPr>
+          <a:lstStyle/>
+          <a:p>
+            <a:r>
+              <a:rPr lang="en-US" sz="2400" b="1" dirty="0">
+                <a:latin typeface="Consolas" panose="020B0609020204030204" pitchFamily="49" charset="0"/>
+              </a:rPr>
+              <a:t>JULIA_DEPOT_PATH </a:t>
+            </a:r>
+            <a:r>
+              <a:rPr lang="en-US" sz="2400" i="1" dirty="0">
+                <a:latin typeface="+mj-lt"/>
+              </a:rPr>
+              <a:t>(system env variable)</a:t>
+            </a:r>
+            <a:endParaRPr lang="en-US" sz="2400" b="1" dirty="0">
+              <a:latin typeface="Consolas" panose="020B0609020204030204" pitchFamily="49" charset="0"/>
+            </a:endParaRPr>
+          </a:p>
+          <a:p>
+            <a:r>
+              <a:rPr lang="en-US" sz="2400" dirty="0">
+                <a:latin typeface="Consolas" panose="020B0609020204030204" pitchFamily="49" charset="0"/>
+              </a:rPr>
+              <a:t>     (</a:t>
+            </a:r>
+            <a:r>
+              <a:rPr lang="en-US" sz="2400" dirty="0"/>
+              <a:t>defaults to </a:t>
+            </a:r>
+            <a:r>
+              <a:rPr lang="en-US" sz="2400" dirty="0">
+                <a:latin typeface="Consolas" panose="020B0609020204030204" pitchFamily="49" charset="0"/>
+              </a:rPr>
+              <a:t>~/.</a:t>
+            </a:r>
+            <a:r>
+              <a:rPr lang="en-US" sz="2400" dirty="0" err="1">
+                <a:latin typeface="Consolas" panose="020B0609020204030204" pitchFamily="49" charset="0"/>
+              </a:rPr>
+              <a:t>julia</a:t>
+            </a:r>
+            <a:r>
+              <a:rPr lang="en-US" sz="2400" dirty="0">
+                <a:latin typeface="Consolas" panose="020B0609020204030204" pitchFamily="49" charset="0"/>
+              </a:rPr>
+              <a:t>)</a:t>
+            </a:r>
+          </a:p>
+          <a:p>
+            <a:pPr marL="285750" indent="-285750">
+              <a:buFont typeface="Arial" panose="020B0604020202020204" pitchFamily="34" charset="0"/>
+              <a:buChar char="•"/>
+            </a:pPr>
+            <a:r>
+              <a:rPr lang="en-US" sz="2400" dirty="0"/>
+              <a:t>packages</a:t>
+            </a:r>
+            <a:br>
+              <a:rPr lang="en-US" sz="2400" dirty="0"/>
+            </a:br>
+            <a:r>
+              <a:rPr lang="en-US" sz="2400" dirty="0"/>
+              <a:t>  (multiple versions)</a:t>
+            </a:r>
+          </a:p>
+          <a:p>
+            <a:pPr marL="285750" indent="-285750">
+              <a:buFont typeface="Arial" panose="020B0604020202020204" pitchFamily="34" charset="0"/>
+              <a:buChar char="•"/>
+            </a:pPr>
+            <a:r>
+              <a:rPr lang="en-US" sz="2400" dirty="0"/>
+              <a:t>precompiled files</a:t>
+            </a:r>
+            <a:br>
+              <a:rPr lang="en-US" sz="2400" dirty="0"/>
+            </a:br>
+            <a:r>
+              <a:rPr lang="en-US" sz="2400" dirty="0"/>
+              <a:t>  (multiple versions)</a:t>
+            </a:r>
+          </a:p>
+          <a:p>
+            <a:pPr marL="285750" indent="-285750">
+              <a:buFont typeface="Arial" panose="020B0604020202020204" pitchFamily="34" charset="0"/>
+              <a:buChar char="•"/>
+            </a:pPr>
+            <a:r>
+              <a:rPr lang="en-US" sz="2400" dirty="0"/>
+              <a:t>artifacts</a:t>
+            </a:r>
+            <a:br>
+              <a:rPr lang="en-US" sz="2400" dirty="0"/>
+            </a:br>
+            <a:r>
+              <a:rPr lang="en-US" sz="2400" dirty="0"/>
+              <a:t>  (multiple versions)</a:t>
+            </a:r>
+          </a:p>
+          <a:p>
+            <a:pPr marL="285750" indent="-285750">
+              <a:buFont typeface="Arial" panose="020B0604020202020204" pitchFamily="34" charset="0"/>
+              <a:buChar char="•"/>
+            </a:pPr>
+            <a:r>
+              <a:rPr lang="en-US" sz="2400" dirty="0"/>
+              <a:t>default virtual environment</a:t>
+            </a:r>
+          </a:p>
+          <a:p>
+            <a:endParaRPr lang="en-GB" sz="2400" dirty="0">
+              <a:latin typeface="Consolas" panose="020B0609020204030204" pitchFamily="49" charset="0"/>
+            </a:endParaRPr>
+          </a:p>
+        </p:txBody>
+      </p:sp>
+      <p:sp>
+        <p:nvSpPr>
+          <p:cNvPr id="7" name="pole tekstowe 6">
+            <a:extLst>
+              <a:ext uri="{FF2B5EF4-FFF2-40B4-BE49-F238E27FC236}">
+                <a16:creationId xmlns:a16="http://schemas.microsoft.com/office/drawing/2014/main" id="{8B8B7EDF-024D-D226-96BC-B1B0ADA00A7B}"/>
+              </a:ext>
+            </a:extLst>
+          </p:cNvPr>
+          <p:cNvSpPr txBox="1"/>
+          <p:nvPr/>
+        </p:nvSpPr>
+        <p:spPr>
+          <a:xfrm>
+            <a:off x="150040" y="3123766"/>
+            <a:ext cx="6131807" cy="1569660"/>
+          </a:xfrm>
+          <a:prstGeom prst="rect">
+            <a:avLst/>
+          </a:prstGeom>
+          <a:solidFill>
+            <a:schemeClr val="accent4"/>
+          </a:solidFill>
+        </p:spPr>
+        <p:txBody>
+          <a:bodyPr wrap="none" rtlCol="0">
+            <a:spAutoFit/>
+          </a:bodyPr>
+          <a:lstStyle/>
+          <a:p>
+            <a:r>
+              <a:rPr lang="en-US" sz="2400" b="1" dirty="0"/>
+              <a:t>Virtual environment is just a folder!</a:t>
+            </a:r>
+          </a:p>
+          <a:p>
+            <a:r>
+              <a:rPr lang="en-US" sz="2400" dirty="0" err="1">
+                <a:latin typeface="Consolas" panose="020B0609020204030204" pitchFamily="49" charset="0"/>
+              </a:rPr>
+              <a:t>Pkg.activate</a:t>
+            </a:r>
+            <a:r>
+              <a:rPr lang="en-US" sz="2400" dirty="0">
+                <a:latin typeface="Consolas" panose="020B0609020204030204" pitchFamily="49" charset="0"/>
+              </a:rPr>
+              <a:t>("") # default in-built</a:t>
+            </a:r>
+          </a:p>
+          <a:p>
+            <a:r>
+              <a:rPr lang="en-US" sz="2400" dirty="0" err="1">
+                <a:latin typeface="Consolas" panose="020B0609020204030204" pitchFamily="49" charset="0"/>
+              </a:rPr>
+              <a:t>Pkg.activate</a:t>
+            </a:r>
+            <a:r>
+              <a:rPr lang="en-US" sz="2400" dirty="0">
+                <a:latin typeface="Consolas" panose="020B0609020204030204" pitchFamily="49" charset="0"/>
+              </a:rPr>
+              <a:t>("/some/path/")</a:t>
+            </a:r>
+          </a:p>
+          <a:p>
+            <a:r>
+              <a:rPr lang="en-US" sz="2400" dirty="0" err="1">
+                <a:latin typeface="Consolas" panose="020B0609020204030204" pitchFamily="49" charset="0"/>
+              </a:rPr>
+              <a:t>Pkg.status</a:t>
+            </a:r>
+            <a:r>
+              <a:rPr lang="en-US" sz="2400" dirty="0">
+                <a:latin typeface="Consolas" panose="020B0609020204030204" pitchFamily="49" charset="0"/>
+              </a:rPr>
+              <a:t>()</a:t>
+            </a:r>
+            <a:endParaRPr lang="en-GB" sz="2400" dirty="0">
+              <a:latin typeface="Consolas" panose="020B0609020204030204" pitchFamily="49" charset="0"/>
+            </a:endParaRPr>
+          </a:p>
+        </p:txBody>
+      </p:sp>
+      <p:sp>
+        <p:nvSpPr>
+          <p:cNvPr id="8" name="pole tekstowe 7">
+            <a:extLst>
+              <a:ext uri="{FF2B5EF4-FFF2-40B4-BE49-F238E27FC236}">
+                <a16:creationId xmlns:a16="http://schemas.microsoft.com/office/drawing/2014/main" id="{8F2F7998-9D03-DE53-294D-6CCCFE2DAC9F}"/>
+              </a:ext>
+            </a:extLst>
+          </p:cNvPr>
+          <p:cNvSpPr txBox="1"/>
+          <p:nvPr/>
+        </p:nvSpPr>
+        <p:spPr>
+          <a:xfrm>
+            <a:off x="4383194" y="5212888"/>
+            <a:ext cx="5074787" cy="1569660"/>
+          </a:xfrm>
+          <a:prstGeom prst="rect">
+            <a:avLst/>
+          </a:prstGeom>
+          <a:noFill/>
+        </p:spPr>
+        <p:txBody>
+          <a:bodyPr wrap="none" rtlCol="0">
+            <a:spAutoFit/>
+          </a:bodyPr>
+          <a:lstStyle/>
+          <a:p>
+            <a:r>
+              <a:rPr lang="en-US" sz="2400" b="1" dirty="0" err="1">
+                <a:latin typeface="Consolas" panose="020B0609020204030204" pitchFamily="49" charset="0"/>
+              </a:rPr>
+              <a:t>Manifest.toml</a:t>
+            </a:r>
+            <a:r>
+              <a:rPr lang="en-US" sz="2400" b="1" dirty="0">
+                <a:latin typeface="Consolas" panose="020B0609020204030204" pitchFamily="49" charset="0"/>
+              </a:rPr>
+              <a:t> </a:t>
+            </a:r>
+            <a:r>
+              <a:rPr lang="en-US" sz="2400" i="1" dirty="0">
+                <a:latin typeface="Consolas" panose="020B0609020204030204" pitchFamily="49" charset="0"/>
+              </a:rPr>
+              <a:t> </a:t>
+            </a:r>
+            <a:r>
+              <a:rPr lang="en-US" sz="2400" i="1" dirty="0">
+                <a:latin typeface="+mj-lt"/>
+              </a:rPr>
+              <a:t>(file)</a:t>
+            </a:r>
+            <a:endParaRPr lang="en-US" sz="2400" b="1" dirty="0">
+              <a:latin typeface="+mj-lt"/>
+            </a:endParaRPr>
+          </a:p>
+          <a:p>
+            <a:pPr marL="285750" indent="-285750">
+              <a:buFont typeface="Arial" panose="020B0604020202020204" pitchFamily="34" charset="0"/>
+              <a:buChar char="•"/>
+            </a:pPr>
+            <a:r>
+              <a:rPr lang="en-US" sz="2400" dirty="0"/>
+              <a:t>Links to defined versions of packages</a:t>
+            </a:r>
+          </a:p>
+          <a:p>
+            <a:pPr marL="285750" indent="-285750">
+              <a:buFont typeface="Arial" panose="020B0604020202020204" pitchFamily="34" charset="0"/>
+              <a:buChar char="•"/>
+            </a:pPr>
+            <a:r>
+              <a:rPr lang="en-US" sz="2400" dirty="0"/>
+              <a:t>Resolved dependencies</a:t>
+            </a:r>
+          </a:p>
+          <a:p>
+            <a:pPr marL="285750" indent="-285750">
+              <a:buFont typeface="Arial" panose="020B0604020202020204" pitchFamily="34" charset="0"/>
+              <a:buChar char="•"/>
+            </a:pPr>
+            <a:r>
+              <a:rPr lang="en-US" sz="2400" dirty="0"/>
+              <a:t>Use to exactly replicate </a:t>
+            </a:r>
+            <a:r>
+              <a:rPr lang="en-US" sz="2400" dirty="0" err="1"/>
+              <a:t>venv</a:t>
+            </a:r>
+            <a:r>
+              <a:rPr lang="en-US" sz="2400" dirty="0"/>
+              <a:t> </a:t>
+            </a:r>
+            <a:endParaRPr lang="en-GB" sz="2400" dirty="0"/>
+          </a:p>
+        </p:txBody>
+      </p:sp>
+      <p:sp>
+        <p:nvSpPr>
+          <p:cNvPr id="9" name="pole tekstowe 8">
+            <a:extLst>
+              <a:ext uri="{FF2B5EF4-FFF2-40B4-BE49-F238E27FC236}">
+                <a16:creationId xmlns:a16="http://schemas.microsoft.com/office/drawing/2014/main" id="{3F180368-4544-FA0C-8ECA-704BD5A4CC0E}"/>
+              </a:ext>
+            </a:extLst>
+          </p:cNvPr>
+          <p:cNvSpPr txBox="1"/>
+          <p:nvPr/>
+        </p:nvSpPr>
+        <p:spPr>
+          <a:xfrm>
+            <a:off x="150040" y="5428404"/>
+            <a:ext cx="3872150" cy="1200329"/>
+          </a:xfrm>
+          <a:prstGeom prst="rect">
+            <a:avLst/>
+          </a:prstGeom>
+          <a:noFill/>
+        </p:spPr>
+        <p:txBody>
+          <a:bodyPr wrap="none" rtlCol="0">
+            <a:spAutoFit/>
+          </a:bodyPr>
+          <a:lstStyle/>
+          <a:p>
+            <a:r>
+              <a:rPr lang="en-US" sz="2400" b="1" dirty="0" err="1">
+                <a:latin typeface="Consolas" panose="020B0609020204030204" pitchFamily="49" charset="0"/>
+              </a:rPr>
+              <a:t>Project.toml</a:t>
+            </a:r>
+            <a:r>
+              <a:rPr lang="en-US" sz="2400" i="1" dirty="0">
+                <a:latin typeface="Consolas" panose="020B0609020204030204" pitchFamily="49" charset="0"/>
+              </a:rPr>
+              <a:t> </a:t>
+            </a:r>
+            <a:r>
+              <a:rPr lang="en-US" sz="2400" i="1" dirty="0">
+                <a:latin typeface="+mj-lt"/>
+              </a:rPr>
+              <a:t>(file)</a:t>
+            </a:r>
+            <a:endParaRPr lang="en-US" sz="2400" i="1" dirty="0">
+              <a:latin typeface="Consolas" panose="020B0609020204030204" pitchFamily="49" charset="0"/>
+            </a:endParaRPr>
+          </a:p>
+          <a:p>
+            <a:pPr marL="285750" indent="-285750">
+              <a:buFont typeface="Arial" panose="020B0604020202020204" pitchFamily="34" charset="0"/>
+              <a:buChar char="•"/>
+            </a:pPr>
+            <a:r>
+              <a:rPr lang="en-US" sz="2400" dirty="0"/>
+              <a:t>List of packages</a:t>
+            </a:r>
+          </a:p>
+          <a:p>
+            <a:pPr marL="285750" indent="-285750">
+              <a:buFont typeface="Arial" panose="020B0604020202020204" pitchFamily="34" charset="0"/>
+              <a:buChar char="•"/>
+            </a:pPr>
+            <a:r>
+              <a:rPr lang="en-US" sz="2400" dirty="0"/>
+              <a:t>Ranges of package versions</a:t>
+            </a:r>
+            <a:endParaRPr lang="en-GB" sz="2400" dirty="0"/>
+          </a:p>
+        </p:txBody>
+      </p:sp>
+      <p:sp>
+        <p:nvSpPr>
+          <p:cNvPr id="11" name="pole tekstowe 10">
+            <a:extLst>
+              <a:ext uri="{FF2B5EF4-FFF2-40B4-BE49-F238E27FC236}">
+                <a16:creationId xmlns:a16="http://schemas.microsoft.com/office/drawing/2014/main" id="{A2C40963-1669-8080-290E-7E894FB4F30B}"/>
+              </a:ext>
+            </a:extLst>
+          </p:cNvPr>
+          <p:cNvSpPr txBox="1"/>
+          <p:nvPr/>
+        </p:nvSpPr>
+        <p:spPr>
+          <a:xfrm>
+            <a:off x="10121187" y="2100635"/>
+            <a:ext cx="1762319" cy="923330"/>
+          </a:xfrm>
+          <a:prstGeom prst="rect">
+            <a:avLst/>
+          </a:prstGeom>
+          <a:noFill/>
+        </p:spPr>
+        <p:txBody>
+          <a:bodyPr wrap="square">
+            <a:spAutoFit/>
+          </a:bodyPr>
+          <a:lstStyle/>
+          <a:p>
+            <a:pPr marL="285750" indent="-285750">
+              <a:buFont typeface="Arial" panose="020B0604020202020204" pitchFamily="34" charset="0"/>
+              <a:buChar char="•"/>
+            </a:pPr>
+            <a:r>
+              <a:rPr lang="en-US" dirty="0">
+                <a:solidFill>
+                  <a:schemeClr val="tx1">
+                    <a:lumMod val="65000"/>
+                    <a:lumOff val="35000"/>
+                  </a:schemeClr>
+                </a:solidFill>
+                <a:latin typeface="Consolas" panose="020B0609020204030204" pitchFamily="49" charset="0"/>
+              </a:rPr>
+              <a:t>package1</a:t>
+            </a:r>
+          </a:p>
+          <a:p>
+            <a:pPr marL="742950" lvl="1" indent="-285750">
+              <a:buFont typeface="Arial" panose="020B0604020202020204" pitchFamily="34" charset="0"/>
+              <a:buChar char="•"/>
+            </a:pPr>
+            <a:r>
+              <a:rPr lang="en-US" dirty="0">
+                <a:solidFill>
+                  <a:schemeClr val="tx1">
+                    <a:lumMod val="65000"/>
+                    <a:lumOff val="35000"/>
+                  </a:schemeClr>
+                </a:solidFill>
+                <a:latin typeface="Consolas" panose="020B0609020204030204" pitchFamily="49" charset="0"/>
+              </a:rPr>
+              <a:t>v1.2.0</a:t>
+            </a:r>
+          </a:p>
+          <a:p>
+            <a:pPr marL="742950" lvl="1" indent="-285750">
+              <a:buFont typeface="Arial" panose="020B0604020202020204" pitchFamily="34" charset="0"/>
+              <a:buChar char="•"/>
+            </a:pPr>
+            <a:r>
+              <a:rPr lang="en-US" dirty="0">
+                <a:solidFill>
+                  <a:schemeClr val="tx1">
+                    <a:lumMod val="65000"/>
+                    <a:lumOff val="35000"/>
+                  </a:schemeClr>
+                </a:solidFill>
+                <a:latin typeface="Consolas" panose="020B0609020204030204" pitchFamily="49" charset="0"/>
+              </a:rPr>
+              <a:t>v1.4.0</a:t>
+            </a:r>
+          </a:p>
+        </p:txBody>
+      </p:sp>
+      <p:sp>
+        <p:nvSpPr>
+          <p:cNvPr id="12" name="Strzałka: w prawo 11">
+            <a:extLst>
+              <a:ext uri="{FF2B5EF4-FFF2-40B4-BE49-F238E27FC236}">
+                <a16:creationId xmlns:a16="http://schemas.microsoft.com/office/drawing/2014/main" id="{DDE2D55B-9984-F611-E4F2-2DE60DC4FA4B}"/>
+              </a:ext>
+            </a:extLst>
+          </p:cNvPr>
+          <p:cNvSpPr/>
+          <p:nvPr/>
+        </p:nvSpPr>
+        <p:spPr>
+          <a:xfrm rot="1321672">
+            <a:off x="9166420" y="2049241"/>
+            <a:ext cx="866267" cy="275254"/>
+          </a:xfrm>
+          <a:prstGeom prst="rightArrow">
+            <a:avLst/>
+          </a:prstGeom>
+        </p:spPr>
+        <p:style>
+          <a:lnRef idx="2">
+            <a:schemeClr val="accent1">
+              <a:shade val="15000"/>
+            </a:schemeClr>
+          </a:lnRef>
+          <a:fillRef idx="1">
+            <a:schemeClr val="accent1"/>
+          </a:fillRef>
+          <a:effectRef idx="0">
+            <a:schemeClr val="accent1"/>
+          </a:effectRef>
+          <a:fontRef idx="minor">
+            <a:schemeClr val="lt1"/>
+          </a:fontRef>
+        </p:style>
+        <p:txBody>
+          <a:bodyPr rtlCol="0" anchor="ctr"/>
+          <a:lstStyle/>
+          <a:p>
+            <a:pPr algn="ctr"/>
+            <a:endParaRPr lang="en-GB"/>
+          </a:p>
+        </p:txBody>
+      </p:sp>
+      <p:sp>
+        <p:nvSpPr>
+          <p:cNvPr id="13" name="Strzałka: w prawo 12">
+            <a:extLst>
+              <a:ext uri="{FF2B5EF4-FFF2-40B4-BE49-F238E27FC236}">
+                <a16:creationId xmlns:a16="http://schemas.microsoft.com/office/drawing/2014/main" id="{42C9BD0D-3A5B-8150-30BC-4E304C0AEAC3}"/>
+              </a:ext>
+            </a:extLst>
+          </p:cNvPr>
+          <p:cNvSpPr/>
+          <p:nvPr/>
+        </p:nvSpPr>
+        <p:spPr>
+          <a:xfrm rot="1321672">
+            <a:off x="3939756" y="4818913"/>
+            <a:ext cx="711911" cy="275254"/>
+          </a:xfrm>
+          <a:prstGeom prst="rightArrow">
+            <a:avLst/>
+          </a:prstGeom>
+        </p:spPr>
+        <p:style>
+          <a:lnRef idx="2">
+            <a:schemeClr val="accent1">
+              <a:shade val="15000"/>
+            </a:schemeClr>
+          </a:lnRef>
+          <a:fillRef idx="1">
+            <a:schemeClr val="accent1"/>
+          </a:fillRef>
+          <a:effectRef idx="0">
+            <a:schemeClr val="accent1"/>
+          </a:effectRef>
+          <a:fontRef idx="minor">
+            <a:schemeClr val="lt1"/>
+          </a:fontRef>
+        </p:style>
+        <p:txBody>
+          <a:bodyPr rtlCol="0" anchor="ctr"/>
+          <a:lstStyle/>
+          <a:p>
+            <a:pPr algn="ctr"/>
+            <a:endParaRPr lang="en-GB"/>
+          </a:p>
+        </p:txBody>
+      </p:sp>
+      <p:sp>
+        <p:nvSpPr>
+          <p:cNvPr id="14" name="Strzałka: w prawo 13">
+            <a:extLst>
+              <a:ext uri="{FF2B5EF4-FFF2-40B4-BE49-F238E27FC236}">
+                <a16:creationId xmlns:a16="http://schemas.microsoft.com/office/drawing/2014/main" id="{678C786D-1C24-8812-9448-AF278661F1F1}"/>
+              </a:ext>
+            </a:extLst>
+          </p:cNvPr>
+          <p:cNvSpPr/>
+          <p:nvPr/>
+        </p:nvSpPr>
+        <p:spPr>
+          <a:xfrm rot="8534652">
+            <a:off x="1448338" y="4923288"/>
+            <a:ext cx="624816" cy="275254"/>
+          </a:xfrm>
+          <a:prstGeom prst="rightArrow">
+            <a:avLst/>
+          </a:prstGeom>
+        </p:spPr>
+        <p:style>
+          <a:lnRef idx="2">
+            <a:schemeClr val="accent1">
+              <a:shade val="15000"/>
+            </a:schemeClr>
+          </a:lnRef>
+          <a:fillRef idx="1">
+            <a:schemeClr val="accent1"/>
+          </a:fillRef>
+          <a:effectRef idx="0">
+            <a:schemeClr val="accent1"/>
+          </a:effectRef>
+          <a:fontRef idx="minor">
+            <a:schemeClr val="lt1"/>
+          </a:fontRef>
+        </p:style>
+        <p:txBody>
+          <a:bodyPr rtlCol="0" anchor="ctr"/>
+          <a:lstStyle/>
+          <a:p>
+            <a:pPr algn="ctr"/>
+            <a:endParaRPr lang="en-GB" sz="2000"/>
+          </a:p>
+        </p:txBody>
+      </p:sp>
+    </p:spTree>
+    <p:extLst>
+      <p:ext uri="{BB962C8B-B14F-4D97-AF65-F5344CB8AC3E}">
+        <p14:creationId xmlns:p14="http://schemas.microsoft.com/office/powerpoint/2010/main" val="1782684772"/>
+      </p:ext>
+    </p:extLst>
+  </p:cSld>
+  <p:clrMapOvr>
+    <a:masterClrMapping/>
+  </p:clrMapOvr>
+</p:sld>
+</file>
+
+<file path=ppt/slides/slide2.xml><?xml version="1.0" encoding="utf-8"?>
+<p:sld xmlns:a="http://schemas.openxmlformats.org/drawingml/2006/main" xmlns:r="http://schemas.openxmlformats.org/officeDocument/2006/relationships" xmlns:p="http://schemas.openxmlformats.org/presentationml/2006/main">
+  <p:cSld>
+    <p:spTree>
+      <p:nvGrpSpPr>
+        <p:cNvPr id="1" name=""/>
+        <p:cNvGrpSpPr/>
+        <p:nvPr/>
+      </p:nvGrpSpPr>
+      <p:grpSpPr>
+        <a:xfrm>
+          <a:off x="0" y="0"/>
+          <a:ext cx="0" cy="0"/>
+          <a:chOff x="0" y="0"/>
+          <a:chExt cx="0" cy="0"/>
+        </a:xfrm>
+      </p:grpSpPr>
+      <p:sp>
+        <p:nvSpPr>
+          <p:cNvPr id="2" name="Tytuł 1"/>
+          <p:cNvSpPr>
+            <a:spLocks noGrp="1"/>
+          </p:cNvSpPr>
+          <p:nvPr>
+            <p:ph type="title"/>
+          </p:nvPr>
+        </p:nvSpPr>
+        <p:spPr/>
+        <p:txBody>
+          <a:bodyPr/>
+          <a:lstStyle/>
+          <a:p>
+            <a:r>
+              <a:rPr lang="en-US" dirty="0"/>
+              <a:t>Installing and running Julia	</a:t>
+            </a:r>
+          </a:p>
+        </p:txBody>
+      </p:sp>
+      <p:sp>
+        <p:nvSpPr>
+          <p:cNvPr id="3" name="Symbol zastępczy zawartości 2"/>
+          <p:cNvSpPr>
+            <a:spLocks noGrp="1"/>
+          </p:cNvSpPr>
+          <p:nvPr>
+            <p:ph idx="1"/>
+          </p:nvPr>
+        </p:nvSpPr>
+        <p:spPr/>
+        <p:txBody>
+          <a:bodyPr>
+            <a:normAutofit/>
+          </a:bodyPr>
+          <a:lstStyle/>
+          <a:p>
+            <a:r>
+              <a:rPr lang="en-US" dirty="0"/>
+              <a:t>Download Julia</a:t>
+            </a:r>
+            <a:endParaRPr lang="en-US" b="1" dirty="0">
+              <a:solidFill>
+                <a:srgbClr val="FF0000"/>
+              </a:solidFill>
+            </a:endParaRPr>
+          </a:p>
+          <a:p>
+            <a:pPr lvl="1"/>
+            <a:r>
+              <a:rPr lang="en-US" dirty="0"/>
+              <a:t>Free and Open Source</a:t>
+            </a:r>
+            <a:endParaRPr lang="en-US" b="1" dirty="0"/>
+          </a:p>
+          <a:p>
+            <a:pPr lvl="1"/>
+            <a:r>
+              <a:rPr lang="pl-PL" b="1" dirty="0"/>
+              <a:t>https://julialang.org/downloads/</a:t>
+            </a:r>
+            <a:endParaRPr lang="en-US" dirty="0"/>
+          </a:p>
+          <a:p>
+            <a:pPr lvl="1"/>
+            <a:r>
+              <a:rPr lang="en-US" dirty="0"/>
+              <a:t>v1.10.0 – the latest stable version</a:t>
+            </a:r>
+          </a:p>
+          <a:p>
+            <a:r>
+              <a:rPr lang="en-US" dirty="0"/>
+              <a:t>Programming environment – VS Code</a:t>
+            </a:r>
+          </a:p>
+          <a:p>
+            <a:pPr lvl="1"/>
+            <a:r>
+              <a:rPr lang="en-US" dirty="0"/>
+              <a:t>https://code.visualstudio.com/download/)</a:t>
+            </a:r>
+          </a:p>
+          <a:p>
+            <a:r>
+              <a:rPr lang="en-US" dirty="0"/>
+              <a:t>Jupyter notebook</a:t>
+            </a:r>
+          </a:p>
+          <a:p>
+            <a:pPr lvl="1"/>
+            <a:r>
+              <a:rPr lang="en-US" dirty="0"/>
+              <a:t>Available via </a:t>
+            </a:r>
+            <a:r>
+              <a:rPr lang="en-US" dirty="0" err="1"/>
+              <a:t>IJulia</a:t>
+            </a:r>
+            <a:r>
+              <a:rPr lang="en-US" dirty="0"/>
+              <a:t> package</a:t>
+            </a:r>
+            <a:br>
+              <a:rPr lang="en-US" dirty="0"/>
+            </a:br>
+            <a:endParaRPr lang="pl-PL" dirty="0"/>
+          </a:p>
+          <a:p>
+            <a:pPr marL="0" indent="0">
+              <a:buNone/>
+            </a:pPr>
+            <a:endParaRPr lang="en-US" dirty="0"/>
+          </a:p>
+        </p:txBody>
+      </p:sp>
+    </p:spTree>
+    <p:extLst>
+      <p:ext uri="{BB962C8B-B14F-4D97-AF65-F5344CB8AC3E}">
+        <p14:creationId xmlns:p14="http://schemas.microsoft.com/office/powerpoint/2010/main" val="3489377289"/>
+      </p:ext>
+    </p:extLst>
+  </p:cSld>
+  <p:clrMapOvr>
+    <a:masterClrMapping/>
+  </p:clrMapOvr>
+</p:sld>
+</file>
+
+<file path=ppt/slides/slide20.xml><?xml version="1.0" encoding="utf-8"?>
+<p:sld xmlns:a="http://schemas.openxmlformats.org/drawingml/2006/main" xmlns:r="http://schemas.openxmlformats.org/officeDocument/2006/relationships" xmlns:p="http://schemas.openxmlformats.org/presentationml/2006/main">
+  <p:cSld>
+    <p:spTree>
+      <p:nvGrpSpPr>
+        <p:cNvPr id="1" name=""/>
+        <p:cNvGrpSpPr/>
+        <p:nvPr/>
+      </p:nvGrpSpPr>
+      <p:grpSpPr>
+        <a:xfrm>
+          <a:off x="0" y="0"/>
+          <a:ext cx="0" cy="0"/>
+          <a:chOff x="0" y="0"/>
+          <a:chExt cx="0" cy="0"/>
+        </a:xfrm>
+      </p:grpSpPr>
+      <p:sp>
+        <p:nvSpPr>
           <p:cNvPr id="2" name="Tytuł 1"/>
           <p:cNvSpPr>
             <a:spLocks noGrp="1"/>
@@ -6990,473 +7911,6 @@
 </p:sld>
 </file>
 
-<file path=ppt/slides/slide2.xml><?xml version="1.0" encoding="utf-8"?>
-<p:sld xmlns:a="http://schemas.openxmlformats.org/drawingml/2006/main" xmlns:r="http://schemas.openxmlformats.org/officeDocument/2006/relationships" xmlns:p="http://schemas.openxmlformats.org/presentationml/2006/main">
-  <p:cSld>
-    <p:spTree>
-      <p:nvGrpSpPr>
-        <p:cNvPr id="1" name=""/>
-        <p:cNvGrpSpPr/>
-        <p:nvPr/>
-      </p:nvGrpSpPr>
-      <p:grpSpPr>
-        <a:xfrm>
-          <a:off x="0" y="0"/>
-          <a:ext cx="0" cy="0"/>
-          <a:chOff x="0" y="0"/>
-          <a:chExt cx="0" cy="0"/>
-        </a:xfrm>
-      </p:grpSpPr>
-      <p:sp>
-        <p:nvSpPr>
-          <p:cNvPr id="2" name="Tytuł 1"/>
-          <p:cNvSpPr>
-            <a:spLocks noGrp="1"/>
-          </p:cNvSpPr>
-          <p:nvPr>
-            <p:ph type="title"/>
-          </p:nvPr>
-        </p:nvSpPr>
-        <p:spPr/>
-        <p:txBody>
-          <a:bodyPr/>
-          <a:lstStyle/>
-          <a:p>
-            <a:r>
-              <a:rPr lang="en-US" dirty="0"/>
-              <a:t>Installing and running Julia	</a:t>
-            </a:r>
-          </a:p>
-        </p:txBody>
-      </p:sp>
-      <p:sp>
-        <p:nvSpPr>
-          <p:cNvPr id="3" name="Symbol zastępczy zawartości 2"/>
-          <p:cNvSpPr>
-            <a:spLocks noGrp="1"/>
-          </p:cNvSpPr>
-          <p:nvPr>
-            <p:ph idx="1"/>
-          </p:nvPr>
-        </p:nvSpPr>
-        <p:spPr/>
-        <p:txBody>
-          <a:bodyPr>
-            <a:normAutofit/>
-          </a:bodyPr>
-          <a:lstStyle/>
-          <a:p>
-            <a:r>
-              <a:rPr lang="en-US" dirty="0"/>
-              <a:t>Download Julia</a:t>
-            </a:r>
-            <a:endParaRPr lang="en-US" b="1" dirty="0">
-              <a:solidFill>
-                <a:srgbClr val="FF0000"/>
-              </a:solidFill>
-            </a:endParaRPr>
-          </a:p>
-          <a:p>
-            <a:pPr lvl="1"/>
-            <a:r>
-              <a:rPr lang="en-US" dirty="0"/>
-              <a:t>Free and Open Source</a:t>
-            </a:r>
-            <a:endParaRPr lang="en-US" b="1" dirty="0"/>
-          </a:p>
-          <a:p>
-            <a:pPr lvl="1"/>
-            <a:r>
-              <a:rPr lang="pl-PL" b="1" dirty="0"/>
-              <a:t>https://julialang.org/downloads/</a:t>
-            </a:r>
-            <a:endParaRPr lang="en-US" dirty="0"/>
-          </a:p>
-          <a:p>
-            <a:pPr lvl="1"/>
-            <a:r>
-              <a:rPr lang="en-US" dirty="0"/>
-              <a:t>v1.10.0 – the latest stable version</a:t>
-            </a:r>
-          </a:p>
-          <a:p>
-            <a:r>
-              <a:rPr lang="en-US" dirty="0"/>
-              <a:t>Programming environment – VS Code</a:t>
-            </a:r>
-          </a:p>
-          <a:p>
-            <a:pPr lvl="1"/>
-            <a:r>
-              <a:rPr lang="en-US" dirty="0"/>
-              <a:t>https://code.visualstudio.com/download/)</a:t>
-            </a:r>
-          </a:p>
-          <a:p>
-            <a:r>
-              <a:rPr lang="en-US" dirty="0"/>
-              <a:t>Jupyter notebook</a:t>
-            </a:r>
-          </a:p>
-          <a:p>
-            <a:pPr lvl="1"/>
-            <a:r>
-              <a:rPr lang="en-US" dirty="0"/>
-              <a:t>Available via </a:t>
-            </a:r>
-            <a:r>
-              <a:rPr lang="en-US" dirty="0" err="1"/>
-              <a:t>IJulia</a:t>
-            </a:r>
-            <a:r>
-              <a:rPr lang="en-US" dirty="0"/>
-              <a:t> package</a:t>
-            </a:r>
-            <a:br>
-              <a:rPr lang="en-US" dirty="0"/>
-            </a:br>
-            <a:endParaRPr lang="pl-PL" dirty="0"/>
-          </a:p>
-          <a:p>
-            <a:pPr marL="0" indent="0">
-              <a:buNone/>
-            </a:pPr>
-            <a:endParaRPr lang="en-US" dirty="0"/>
-          </a:p>
-        </p:txBody>
-      </p:sp>
-    </p:spTree>
-    <p:extLst>
-      <p:ext uri="{BB962C8B-B14F-4D97-AF65-F5344CB8AC3E}">
-        <p14:creationId xmlns:p14="http://schemas.microsoft.com/office/powerpoint/2010/main" val="3489377289"/>
-      </p:ext>
-    </p:extLst>
-  </p:cSld>
-  <p:clrMapOvr>
-    <a:masterClrMapping/>
-  </p:clrMapOvr>
-</p:sld>
-</file>
-
-<file path=ppt/slides/slide20.xml><?xml version="1.0" encoding="utf-8"?>
-<p:sld xmlns:a="http://schemas.openxmlformats.org/drawingml/2006/main" xmlns:r="http://schemas.openxmlformats.org/officeDocument/2006/relationships" xmlns:p="http://schemas.openxmlformats.org/presentationml/2006/main">
-  <p:cSld>
-    <p:spTree>
-      <p:nvGrpSpPr>
-        <p:cNvPr id="1" name=""/>
-        <p:cNvGrpSpPr/>
-        <p:nvPr/>
-      </p:nvGrpSpPr>
-      <p:grpSpPr>
-        <a:xfrm>
-          <a:off x="0" y="0"/>
-          <a:ext cx="0" cy="0"/>
-          <a:chOff x="0" y="0"/>
-          <a:chExt cx="0" cy="0"/>
-        </a:xfrm>
-      </p:grpSpPr>
-      <p:sp>
-        <p:nvSpPr>
-          <p:cNvPr id="2" name="Tytuł 1"/>
-          <p:cNvSpPr>
-            <a:spLocks noGrp="1"/>
-          </p:cNvSpPr>
-          <p:nvPr>
-            <p:ph type="title"/>
-          </p:nvPr>
-        </p:nvSpPr>
-        <p:spPr/>
-        <p:txBody>
-          <a:bodyPr/>
-          <a:lstStyle/>
-          <a:p>
-            <a:r>
-              <a:rPr lang="en-US" dirty="0"/>
-              <a:t>Type conversion functions </a:t>
-            </a:r>
-          </a:p>
-        </p:txBody>
-      </p:sp>
-      <p:sp>
-        <p:nvSpPr>
-          <p:cNvPr id="3" name="Symbol zastępczy zawartości 2"/>
-          <p:cNvSpPr>
-            <a:spLocks noGrp="1"/>
-          </p:cNvSpPr>
-          <p:nvPr>
-            <p:ph idx="1"/>
-          </p:nvPr>
-        </p:nvSpPr>
-        <p:spPr/>
-        <p:txBody>
-          <a:bodyPr>
-            <a:normAutofit fontScale="77500" lnSpcReduction="20000"/>
-          </a:bodyPr>
-          <a:lstStyle/>
-          <a:p>
-            <a:r>
-              <a:rPr lang="en-US" dirty="0">
-                <a:latin typeface="Courier New" panose="02070309020205020404" pitchFamily="49" charset="0"/>
-                <a:cs typeface="Courier New" panose="02070309020205020404" pitchFamily="49" charset="0"/>
-              </a:rPr>
-              <a:t>Int64('a') 		</a:t>
-            </a:r>
-            <a:r>
-              <a:rPr lang="en-US" i="1" dirty="0">
-                <a:latin typeface="Courier New" panose="02070309020205020404" pitchFamily="49" charset="0"/>
-                <a:cs typeface="Courier New" panose="02070309020205020404" pitchFamily="49" charset="0"/>
-              </a:rPr>
-              <a:t># character to integer</a:t>
-            </a:r>
-          </a:p>
-          <a:p>
-            <a:r>
-              <a:rPr lang="en-US" dirty="0">
-                <a:latin typeface="Courier New" panose="02070309020205020404" pitchFamily="49" charset="0"/>
-                <a:cs typeface="Courier New" panose="02070309020205020404" pitchFamily="49" charset="0"/>
-              </a:rPr>
-              <a:t>Int64(2.0) 		</a:t>
-            </a:r>
-            <a:r>
-              <a:rPr lang="en-US" i="1" dirty="0">
-                <a:latin typeface="Courier New" panose="02070309020205020404" pitchFamily="49" charset="0"/>
-                <a:cs typeface="Courier New" panose="02070309020205020404" pitchFamily="49" charset="0"/>
-              </a:rPr>
-              <a:t># float to integer</a:t>
-            </a:r>
-          </a:p>
-          <a:p>
-            <a:r>
-              <a:rPr lang="en-US" dirty="0">
-                <a:latin typeface="Courier New" panose="02070309020205020404" pitchFamily="49" charset="0"/>
-                <a:cs typeface="Courier New" panose="02070309020205020404" pitchFamily="49" charset="0"/>
-              </a:rPr>
-              <a:t>Int64(1.3) 		</a:t>
-            </a:r>
-            <a:r>
-              <a:rPr lang="en-US" i="1" dirty="0">
-                <a:latin typeface="Courier New" panose="02070309020205020404" pitchFamily="49" charset="0"/>
-                <a:cs typeface="Courier New" panose="02070309020205020404" pitchFamily="49" charset="0"/>
-              </a:rPr>
-              <a:t># inexact error</a:t>
-            </a:r>
-          </a:p>
-          <a:p>
-            <a:r>
-              <a:rPr lang="es-ES" dirty="0">
-                <a:latin typeface="Courier New" panose="02070309020205020404" pitchFamily="49" charset="0"/>
-                <a:cs typeface="Courier New" panose="02070309020205020404" pitchFamily="49" charset="0"/>
-              </a:rPr>
-              <a:t>Int64("a") 		</a:t>
-            </a:r>
-            <a:r>
-              <a:rPr lang="es-ES" i="1" dirty="0">
-                <a:latin typeface="Courier New" panose="02070309020205020404" pitchFamily="49" charset="0"/>
-                <a:cs typeface="Courier New" panose="02070309020205020404" pitchFamily="49" charset="0"/>
-              </a:rPr>
-              <a:t># error no </a:t>
-            </a:r>
-            <a:r>
-              <a:rPr lang="es-ES" i="1" dirty="0" err="1">
-                <a:latin typeface="Courier New" panose="02070309020205020404" pitchFamily="49" charset="0"/>
-                <a:cs typeface="Courier New" panose="02070309020205020404" pitchFamily="49" charset="0"/>
-              </a:rPr>
-              <a:t>conversion</a:t>
-            </a:r>
-            <a:r>
-              <a:rPr lang="es-ES" i="1" dirty="0">
-                <a:latin typeface="Courier New" panose="02070309020205020404" pitchFamily="49" charset="0"/>
-                <a:cs typeface="Courier New" panose="02070309020205020404" pitchFamily="49" charset="0"/>
-              </a:rPr>
-              <a:t> </a:t>
-            </a:r>
-            <a:r>
-              <a:rPr lang="es-ES" i="1" dirty="0" err="1">
-                <a:latin typeface="Courier New" panose="02070309020205020404" pitchFamily="49" charset="0"/>
-                <a:cs typeface="Courier New" panose="02070309020205020404" pitchFamily="49" charset="0"/>
-              </a:rPr>
-              <a:t>possible</a:t>
-            </a:r>
-            <a:endParaRPr lang="es-ES" i="1" dirty="0">
-              <a:latin typeface="Courier New" panose="02070309020205020404" pitchFamily="49" charset="0"/>
-              <a:cs typeface="Courier New" panose="02070309020205020404" pitchFamily="49" charset="0"/>
-            </a:endParaRPr>
-          </a:p>
-          <a:p>
-            <a:r>
-              <a:rPr lang="en-US" dirty="0">
-                <a:latin typeface="Courier New" panose="02070309020205020404" pitchFamily="49" charset="0"/>
-                <a:cs typeface="Courier New" panose="02070309020205020404" pitchFamily="49" charset="0"/>
-              </a:rPr>
-              <a:t>Float64(1) 		</a:t>
-            </a:r>
-            <a:r>
-              <a:rPr lang="en-US" i="1" dirty="0">
-                <a:latin typeface="Courier New" panose="02070309020205020404" pitchFamily="49" charset="0"/>
-                <a:cs typeface="Courier New" panose="02070309020205020404" pitchFamily="49" charset="0"/>
-              </a:rPr>
-              <a:t># integer to float</a:t>
-            </a:r>
-          </a:p>
-          <a:p>
-            <a:r>
-              <a:rPr lang="en-US" dirty="0">
-                <a:latin typeface="Courier New" panose="02070309020205020404" pitchFamily="49" charset="0"/>
-                <a:cs typeface="Courier New" panose="02070309020205020404" pitchFamily="49" charset="0"/>
-              </a:rPr>
-              <a:t>Bool(1) 			</a:t>
-            </a:r>
-            <a:r>
-              <a:rPr lang="en-US" i="1" dirty="0">
-                <a:latin typeface="Courier New" panose="02070309020205020404" pitchFamily="49" charset="0"/>
-                <a:cs typeface="Courier New" panose="02070309020205020404" pitchFamily="49" charset="0"/>
-              </a:rPr>
-              <a:t># converts to </a:t>
-            </a:r>
-            <a:r>
-              <a:rPr lang="en-US" i="1" dirty="0" err="1">
-                <a:latin typeface="Courier New" panose="02070309020205020404" pitchFamily="49" charset="0"/>
-                <a:cs typeface="Courier New" panose="02070309020205020404" pitchFamily="49" charset="0"/>
-              </a:rPr>
-              <a:t>boolean</a:t>
-            </a:r>
-            <a:r>
-              <a:rPr lang="en-US" i="1" dirty="0">
-                <a:latin typeface="Courier New" panose="02070309020205020404" pitchFamily="49" charset="0"/>
-                <a:cs typeface="Courier New" panose="02070309020205020404" pitchFamily="49" charset="0"/>
-              </a:rPr>
-              <a:t> true</a:t>
-            </a:r>
-          </a:p>
-          <a:p>
-            <a:r>
-              <a:rPr lang="en-US" dirty="0">
-                <a:latin typeface="Courier New" panose="02070309020205020404" pitchFamily="49" charset="0"/>
-                <a:cs typeface="Courier New" panose="02070309020205020404" pitchFamily="49" charset="0"/>
-              </a:rPr>
-              <a:t>Bool(0) 			</a:t>
-            </a:r>
-            <a:r>
-              <a:rPr lang="en-US" i="1" dirty="0">
-                <a:latin typeface="Courier New" panose="02070309020205020404" pitchFamily="49" charset="0"/>
-                <a:cs typeface="Courier New" panose="02070309020205020404" pitchFamily="49" charset="0"/>
-              </a:rPr>
-              <a:t># converts to </a:t>
-            </a:r>
-            <a:r>
-              <a:rPr lang="en-US" i="1" dirty="0" err="1">
-                <a:latin typeface="Courier New" panose="02070309020205020404" pitchFamily="49" charset="0"/>
-                <a:cs typeface="Courier New" panose="02070309020205020404" pitchFamily="49" charset="0"/>
-              </a:rPr>
-              <a:t>boolean</a:t>
-            </a:r>
-            <a:r>
-              <a:rPr lang="en-US" i="1" dirty="0">
-                <a:latin typeface="Courier New" panose="02070309020205020404" pitchFamily="49" charset="0"/>
-                <a:cs typeface="Courier New" panose="02070309020205020404" pitchFamily="49" charset="0"/>
-              </a:rPr>
-              <a:t> false</a:t>
-            </a:r>
-          </a:p>
-          <a:p>
-            <a:r>
-              <a:rPr lang="en-US" dirty="0">
-                <a:latin typeface="Courier New" panose="02070309020205020404" pitchFamily="49" charset="0"/>
-                <a:cs typeface="Courier New" panose="02070309020205020404" pitchFamily="49" charset="0"/>
-              </a:rPr>
-              <a:t>Char(89) 			</a:t>
-            </a:r>
-            <a:r>
-              <a:rPr lang="en-US" i="1" dirty="0">
-                <a:latin typeface="Courier New" panose="02070309020205020404" pitchFamily="49" charset="0"/>
-                <a:cs typeface="Courier New" panose="02070309020205020404" pitchFamily="49" charset="0"/>
-              </a:rPr>
-              <a:t># integer to char</a:t>
-            </a:r>
-          </a:p>
-          <a:p>
-            <a:r>
-              <a:rPr lang="en-US" dirty="0">
-                <a:latin typeface="Courier New" panose="02070309020205020404" pitchFamily="49" charset="0"/>
-                <a:cs typeface="Courier New" panose="02070309020205020404" pitchFamily="49" charset="0"/>
-              </a:rPr>
-              <a:t>zero(10.0) 		</a:t>
-            </a:r>
-            <a:r>
-              <a:rPr lang="en-US" i="1" dirty="0">
-                <a:latin typeface="Courier New" panose="02070309020205020404" pitchFamily="49" charset="0"/>
-                <a:cs typeface="Courier New" panose="02070309020205020404" pitchFamily="49" charset="0"/>
-              </a:rPr>
-              <a:t># zero of type of 10.0</a:t>
-            </a:r>
-          </a:p>
-          <a:p>
-            <a:r>
-              <a:rPr lang="en-US" dirty="0">
-                <a:latin typeface="Courier New" panose="02070309020205020404" pitchFamily="49" charset="0"/>
-                <a:cs typeface="Courier New" panose="02070309020205020404" pitchFamily="49" charset="0"/>
-              </a:rPr>
-              <a:t>one(Int64) 		</a:t>
-            </a:r>
-            <a:r>
-              <a:rPr lang="en-US" i="1" dirty="0">
-                <a:latin typeface="Courier New" panose="02070309020205020404" pitchFamily="49" charset="0"/>
-                <a:cs typeface="Courier New" panose="02070309020205020404" pitchFamily="49" charset="0"/>
-              </a:rPr>
-              <a:t># one of type Int64</a:t>
-            </a:r>
-          </a:p>
-          <a:p>
-            <a:r>
-              <a:rPr lang="en-US" dirty="0">
-                <a:latin typeface="Courier New" panose="02070309020205020404" pitchFamily="49" charset="0"/>
-                <a:cs typeface="Courier New" panose="02070309020205020404" pitchFamily="49" charset="0"/>
-              </a:rPr>
-              <a:t>convert(Int64, 1.0) 		</a:t>
-            </a:r>
-            <a:r>
-              <a:rPr lang="en-US" i="1" dirty="0">
-                <a:latin typeface="Courier New" panose="02070309020205020404" pitchFamily="49" charset="0"/>
-                <a:cs typeface="Courier New" panose="02070309020205020404" pitchFamily="49" charset="0"/>
-              </a:rPr>
-              <a:t># convert float to integer</a:t>
-            </a:r>
-          </a:p>
-          <a:p>
-            <a:r>
-              <a:rPr lang="en-US" dirty="0">
-                <a:latin typeface="Courier New" panose="02070309020205020404" pitchFamily="49" charset="0"/>
-                <a:cs typeface="Courier New" panose="02070309020205020404" pitchFamily="49" charset="0"/>
-              </a:rPr>
-              <a:t>parse(Int64, "1") 		</a:t>
-            </a:r>
-            <a:r>
-              <a:rPr lang="en-US" i="1" dirty="0">
-                <a:latin typeface="Courier New" panose="02070309020205020404" pitchFamily="49" charset="0"/>
-                <a:cs typeface="Courier New" panose="02070309020205020404" pitchFamily="49" charset="0"/>
-              </a:rPr>
-              <a:t># parse "1" string as Int64</a:t>
-            </a:r>
-            <a:endParaRPr lang="en-US" dirty="0">
-              <a:latin typeface="Courier New" panose="02070309020205020404" pitchFamily="49" charset="0"/>
-              <a:cs typeface="Courier New" panose="02070309020205020404" pitchFamily="49" charset="0"/>
-            </a:endParaRPr>
-          </a:p>
-        </p:txBody>
-      </p:sp>
-    </p:spTree>
-    <p:extLst>
-      <p:ext uri="{BB962C8B-B14F-4D97-AF65-F5344CB8AC3E}">
-        <p14:creationId xmlns:p14="http://schemas.microsoft.com/office/powerpoint/2010/main" val="3603738711"/>
-      </p:ext>
-    </p:extLst>
-  </p:cSld>
-  <p:clrMapOvr>
-    <a:masterClrMapping/>
-  </p:clrMapOvr>
-</p:sld>
-</file>
-
 <file path=ppt/slides/slide21.xml><?xml version="1.0" encoding="utf-8"?>
 <p:sld xmlns:a="http://schemas.openxmlformats.org/drawingml/2006/main" xmlns:r="http://schemas.openxmlformats.org/officeDocument/2006/relationships" xmlns:p="http://schemas.openxmlformats.org/presentationml/2006/main">
   <p:cSld>
@@ -7491,7 +7945,7 @@
           <a:p>
             <a:r>
               <a:rPr lang="en-US" dirty="0"/>
-              <a:t>Special types</a:t>
+              <a:t>Type conversion functions </a:t>
             </a:r>
           </a:p>
         </p:txBody>
@@ -7506,14 +7960,11 @@
             <p:ph idx="1"/>
           </p:nvPr>
         </p:nvSpPr>
-        <p:spPr>
-          <a:xfrm>
-            <a:off x="838199" y="1825625"/>
-            <a:ext cx="10885227" cy="4351338"/>
-          </a:xfrm>
-        </p:spPr>
-        <p:txBody>
-          <a:bodyPr/>
+        <p:spPr/>
+        <p:txBody>
+          <a:bodyPr>
+            <a:normAutofit fontScale="77500" lnSpcReduction="20000"/>
+          </a:bodyPr>
           <a:lstStyle/>
           <a:p>
             <a:r>
@@ -7521,18 +7972,85 @@
                 <a:latin typeface="Courier New" panose="02070309020205020404" pitchFamily="49" charset="0"/>
                 <a:cs typeface="Courier New" panose="02070309020205020404" pitchFamily="49" charset="0"/>
               </a:rPr>
-              <a:t>Any </a:t>
+              <a:t>Int64('a') 		</a:t>
             </a:r>
             <a:r>
               <a:rPr lang="en-US" i="1" dirty="0">
                 <a:latin typeface="Courier New" panose="02070309020205020404" pitchFamily="49" charset="0"/>
                 <a:cs typeface="Courier New" panose="02070309020205020404" pitchFamily="49" charset="0"/>
               </a:rPr>
-              <a:t># all objects are of this type</a:t>
-            </a:r>
-          </a:p>
-          <a:p>
-            <a:endParaRPr lang="en-US" i="1" dirty="0">
+              <a:t># character to integer</a:t>
+            </a:r>
+          </a:p>
+          <a:p>
+            <a:r>
+              <a:rPr lang="en-US" dirty="0">
+                <a:latin typeface="Courier New" panose="02070309020205020404" pitchFamily="49" charset="0"/>
+                <a:cs typeface="Courier New" panose="02070309020205020404" pitchFamily="49" charset="0"/>
+              </a:rPr>
+              <a:t>Int64(2.0) 		</a:t>
+            </a:r>
+            <a:r>
+              <a:rPr lang="en-US" i="1" dirty="0">
+                <a:latin typeface="Courier New" panose="02070309020205020404" pitchFamily="49" charset="0"/>
+                <a:cs typeface="Courier New" panose="02070309020205020404" pitchFamily="49" charset="0"/>
+              </a:rPr>
+              <a:t># float to integer</a:t>
+            </a:r>
+          </a:p>
+          <a:p>
+            <a:r>
+              <a:rPr lang="en-US" dirty="0">
+                <a:latin typeface="Courier New" panose="02070309020205020404" pitchFamily="49" charset="0"/>
+                <a:cs typeface="Courier New" panose="02070309020205020404" pitchFamily="49" charset="0"/>
+              </a:rPr>
+              <a:t>Int64(1.3) 		</a:t>
+            </a:r>
+            <a:r>
+              <a:rPr lang="en-US" i="1" dirty="0">
+                <a:latin typeface="Courier New" panose="02070309020205020404" pitchFamily="49" charset="0"/>
+                <a:cs typeface="Courier New" panose="02070309020205020404" pitchFamily="49" charset="0"/>
+              </a:rPr>
+              <a:t># inexact error</a:t>
+            </a:r>
+          </a:p>
+          <a:p>
+            <a:r>
+              <a:rPr lang="es-ES" dirty="0">
+                <a:latin typeface="Courier New" panose="02070309020205020404" pitchFamily="49" charset="0"/>
+                <a:cs typeface="Courier New" panose="02070309020205020404" pitchFamily="49" charset="0"/>
+              </a:rPr>
+              <a:t>Int64("a") 		</a:t>
+            </a:r>
+            <a:r>
+              <a:rPr lang="es-ES" i="1" dirty="0">
+                <a:latin typeface="Courier New" panose="02070309020205020404" pitchFamily="49" charset="0"/>
+                <a:cs typeface="Courier New" panose="02070309020205020404" pitchFamily="49" charset="0"/>
+              </a:rPr>
+              <a:t># error no </a:t>
+            </a:r>
+            <a:r>
+              <a:rPr lang="es-ES" i="1" dirty="0" err="1">
+                <a:latin typeface="Courier New" panose="02070309020205020404" pitchFamily="49" charset="0"/>
+                <a:cs typeface="Courier New" panose="02070309020205020404" pitchFamily="49" charset="0"/>
+              </a:rPr>
+              <a:t>conversion</a:t>
+            </a:r>
+            <a:r>
+              <a:rPr lang="es-ES" i="1" dirty="0">
+                <a:latin typeface="Courier New" panose="02070309020205020404" pitchFamily="49" charset="0"/>
+                <a:cs typeface="Courier New" panose="02070309020205020404" pitchFamily="49" charset="0"/>
+              </a:rPr>
+              <a:t> </a:t>
+            </a:r>
+            <a:r>
+              <a:rPr lang="es-ES" i="1" dirty="0" err="1">
+                <a:latin typeface="Courier New" panose="02070309020205020404" pitchFamily="49" charset="0"/>
+                <a:cs typeface="Courier New" panose="02070309020205020404" pitchFamily="49" charset="0"/>
+              </a:rPr>
+              <a:t>possible</a:t>
+            </a:r>
+            <a:endParaRPr lang="es-ES" i="1" dirty="0">
               <a:latin typeface="Courier New" panose="02070309020205020404" pitchFamily="49" charset="0"/>
               <a:cs typeface="Courier New" panose="02070309020205020404" pitchFamily="49" charset="0"/>
             </a:endParaRPr>
@@ -7543,21 +8061,15 @@
                 <a:latin typeface="Courier New" panose="02070309020205020404" pitchFamily="49" charset="0"/>
                 <a:cs typeface="Courier New" panose="02070309020205020404" pitchFamily="49" charset="0"/>
               </a:rPr>
-              <a:t>Union{} </a:t>
+              <a:t>Float64(1) 		</a:t>
             </a:r>
             <a:r>
               <a:rPr lang="en-US" i="1" dirty="0">
                 <a:latin typeface="Courier New" panose="02070309020205020404" pitchFamily="49" charset="0"/>
                 <a:cs typeface="Courier New" panose="02070309020205020404" pitchFamily="49" charset="0"/>
               </a:rPr>
-              <a:t># subtype of all types, no object can have this type</a:t>
-            </a:r>
-          </a:p>
-          <a:p>
-            <a:endParaRPr lang="en-US" i="1" dirty="0">
-              <a:latin typeface="Courier New" panose="02070309020205020404" pitchFamily="49" charset="0"/>
-              <a:cs typeface="Courier New" panose="02070309020205020404" pitchFamily="49" charset="0"/>
-            </a:endParaRPr>
+              <a:t># integer to float</a:t>
+            </a:r>
           </a:p>
           <a:p>
             <a:r>
@@ -7565,51 +8077,150 @@
                 <a:latin typeface="Courier New" panose="02070309020205020404" pitchFamily="49" charset="0"/>
                 <a:cs typeface="Courier New" panose="02070309020205020404" pitchFamily="49" charset="0"/>
               </a:rPr>
-              <a:t>Nothing </a:t>
+              <a:t>Bool(1) 			</a:t>
             </a:r>
             <a:r>
               <a:rPr lang="en-US" i="1" dirty="0">
                 <a:latin typeface="Courier New" panose="02070309020205020404" pitchFamily="49" charset="0"/>
                 <a:cs typeface="Courier New" panose="02070309020205020404" pitchFamily="49" charset="0"/>
               </a:rPr>
-              <a:t># type indicating nothing, subtype of Any</a:t>
-            </a:r>
-          </a:p>
-          <a:p>
+              <a:t># converts to </a:t>
+            </a:r>
+            <a:r>
+              <a:rPr lang="en-US" i="1" dirty="0" err="1">
+                <a:latin typeface="Courier New" panose="02070309020205020404" pitchFamily="49" charset="0"/>
+                <a:cs typeface="Courier New" panose="02070309020205020404" pitchFamily="49" charset="0"/>
+              </a:rPr>
+              <a:t>boolean</a:t>
+            </a:r>
+            <a:r>
+              <a:rPr lang="en-US" i="1" dirty="0">
+                <a:latin typeface="Courier New" panose="02070309020205020404" pitchFamily="49" charset="0"/>
+                <a:cs typeface="Courier New" panose="02070309020205020404" pitchFamily="49" charset="0"/>
+              </a:rPr>
+              <a:t> true</a:t>
+            </a:r>
+          </a:p>
+          <a:p>
+            <a:r>
+              <a:rPr lang="en-US" dirty="0">
+                <a:latin typeface="Courier New" panose="02070309020205020404" pitchFamily="49" charset="0"/>
+                <a:cs typeface="Courier New" panose="02070309020205020404" pitchFamily="49" charset="0"/>
+              </a:rPr>
+              <a:t>Bool(0) 			</a:t>
+            </a:r>
+            <a:r>
+              <a:rPr lang="en-US" i="1" dirty="0">
+                <a:latin typeface="Courier New" panose="02070309020205020404" pitchFamily="49" charset="0"/>
+                <a:cs typeface="Courier New" panose="02070309020205020404" pitchFamily="49" charset="0"/>
+              </a:rPr>
+              <a:t># converts to </a:t>
+            </a:r>
+            <a:r>
+              <a:rPr lang="en-US" i="1" dirty="0" err="1">
+                <a:latin typeface="Courier New" panose="02070309020205020404" pitchFamily="49" charset="0"/>
+                <a:cs typeface="Courier New" panose="02070309020205020404" pitchFamily="49" charset="0"/>
+              </a:rPr>
+              <a:t>boolean</a:t>
+            </a:r>
+            <a:r>
+              <a:rPr lang="en-US" i="1" dirty="0">
+                <a:latin typeface="Courier New" panose="02070309020205020404" pitchFamily="49" charset="0"/>
+                <a:cs typeface="Courier New" panose="02070309020205020404" pitchFamily="49" charset="0"/>
+              </a:rPr>
+              <a:t> false</a:t>
+            </a:r>
+          </a:p>
+          <a:p>
+            <a:r>
+              <a:rPr lang="en-US" dirty="0">
+                <a:latin typeface="Courier New" panose="02070309020205020404" pitchFamily="49" charset="0"/>
+                <a:cs typeface="Courier New" panose="02070309020205020404" pitchFamily="49" charset="0"/>
+              </a:rPr>
+              <a:t>Char(89) 			</a:t>
+            </a:r>
+            <a:r>
+              <a:rPr lang="en-US" i="1" dirty="0">
+                <a:latin typeface="Courier New" panose="02070309020205020404" pitchFamily="49" charset="0"/>
+                <a:cs typeface="Courier New" panose="02070309020205020404" pitchFamily="49" charset="0"/>
+              </a:rPr>
+              <a:t># integer to char</a:t>
+            </a:r>
+          </a:p>
+          <a:p>
+            <a:r>
+              <a:rPr lang="en-US" dirty="0">
+                <a:latin typeface="Courier New" panose="02070309020205020404" pitchFamily="49" charset="0"/>
+                <a:cs typeface="Courier New" panose="02070309020205020404" pitchFamily="49" charset="0"/>
+              </a:rPr>
+              <a:t>zero(10.0) 		</a:t>
+            </a:r>
+            <a:r>
+              <a:rPr lang="en-US" i="1" dirty="0">
+                <a:latin typeface="Courier New" panose="02070309020205020404" pitchFamily="49" charset="0"/>
+                <a:cs typeface="Courier New" panose="02070309020205020404" pitchFamily="49" charset="0"/>
+              </a:rPr>
+              <a:t># zero of type of 10.0</a:t>
+            </a:r>
+          </a:p>
+          <a:p>
+            <a:r>
+              <a:rPr lang="en-US" dirty="0">
+                <a:latin typeface="Courier New" panose="02070309020205020404" pitchFamily="49" charset="0"/>
+                <a:cs typeface="Courier New" panose="02070309020205020404" pitchFamily="49" charset="0"/>
+              </a:rPr>
+              <a:t>one(Int64) 		</a:t>
+            </a:r>
+            <a:r>
+              <a:rPr lang="en-US" i="1" dirty="0">
+                <a:latin typeface="Courier New" panose="02070309020205020404" pitchFamily="49" charset="0"/>
+                <a:cs typeface="Courier New" panose="02070309020205020404" pitchFamily="49" charset="0"/>
+              </a:rPr>
+              <a:t># one of type Int64</a:t>
+            </a:r>
+          </a:p>
+          <a:p>
+            <a:r>
+              <a:rPr lang="en-US" dirty="0">
+                <a:latin typeface="Courier New" panose="02070309020205020404" pitchFamily="49" charset="0"/>
+                <a:cs typeface="Courier New" panose="02070309020205020404" pitchFamily="49" charset="0"/>
+              </a:rPr>
+              <a:t>convert(Int64, 1.0) 		</a:t>
+            </a:r>
+            <a:r>
+              <a:rPr lang="en-US" i="1" dirty="0">
+                <a:latin typeface="Courier New" panose="02070309020205020404" pitchFamily="49" charset="0"/>
+                <a:cs typeface="Courier New" panose="02070309020205020404" pitchFamily="49" charset="0"/>
+              </a:rPr>
+              <a:t># convert float to integer</a:t>
+            </a:r>
+          </a:p>
+          <a:p>
+            <a:r>
+              <a:rPr lang="en-US" dirty="0">
+                <a:latin typeface="Courier New" panose="02070309020205020404" pitchFamily="49" charset="0"/>
+                <a:cs typeface="Courier New" panose="02070309020205020404" pitchFamily="49" charset="0"/>
+              </a:rPr>
+              <a:t>parse(Int64, "1") 		</a:t>
+            </a:r>
+            <a:r>
+              <a:rPr lang="en-US" i="1" dirty="0">
+                <a:latin typeface="Courier New" panose="02070309020205020404" pitchFamily="49" charset="0"/>
+                <a:cs typeface="Courier New" panose="02070309020205020404" pitchFamily="49" charset="0"/>
+              </a:rPr>
+              <a:t># parse "1" string as Int64</a:t>
+            </a:r>
             <a:endParaRPr lang="en-US" dirty="0">
               <a:latin typeface="Courier New" panose="02070309020205020404" pitchFamily="49" charset="0"/>
               <a:cs typeface="Courier New" panose="02070309020205020404" pitchFamily="49" charset="0"/>
             </a:endParaRPr>
           </a:p>
-          <a:p>
-            <a:r>
-              <a:rPr lang="en-US" dirty="0">
-                <a:latin typeface="Courier New" panose="02070309020205020404" pitchFamily="49" charset="0"/>
-                <a:cs typeface="Courier New" panose="02070309020205020404" pitchFamily="49" charset="0"/>
-              </a:rPr>
-              <a:t>nothing </a:t>
-            </a:r>
-            <a:r>
-              <a:rPr lang="en-US" i="1" dirty="0">
-                <a:latin typeface="Courier New" panose="02070309020205020404" pitchFamily="49" charset="0"/>
-                <a:cs typeface="Courier New" panose="02070309020205020404" pitchFamily="49" charset="0"/>
-              </a:rPr>
-              <a:t># only instance of </a:t>
-            </a:r>
-            <a:r>
-              <a:rPr lang="en-US" dirty="0">
-                <a:latin typeface="Courier New" panose="02070309020205020404" pitchFamily="49" charset="0"/>
-                <a:cs typeface="Courier New" panose="02070309020205020404" pitchFamily="49" charset="0"/>
-              </a:rPr>
-              <a:t>Nothing</a:t>
-            </a:r>
-          </a:p>
         </p:txBody>
       </p:sp>
     </p:spTree>
     <p:extLst>
       <p:ext uri="{BB962C8B-B14F-4D97-AF65-F5344CB8AC3E}">
-        <p14:creationId xmlns:p14="http://schemas.microsoft.com/office/powerpoint/2010/main" val="3723549219"/>
+        <p14:creationId xmlns:p14="http://schemas.microsoft.com/office/powerpoint/2010/main" val="3603738711"/>
       </p:ext>
     </p:extLst>
   </p:cSld>
@@ -7653,9 +8264,8 @@
           <a:p>
             <a:r>
               <a:rPr lang="en-US" dirty="0"/>
-              <a:t>Tuples – just like in Python</a:t>
-            </a:r>
-            <a:endParaRPr lang="en-US" sz="3600" dirty="0"/>
+              <a:t>Special types</a:t>
+            </a:r>
           </a:p>
         </p:txBody>
       </p:sp>
@@ -7669,256 +8279,110 @@
             <p:ph idx="1"/>
           </p:nvPr>
         </p:nvSpPr>
-        <p:spPr/>
-        <p:txBody>
-          <a:bodyPr>
-            <a:normAutofit fontScale="92500" lnSpcReduction="20000"/>
-          </a:bodyPr>
-          <a:lstStyle/>
-          <a:p>
-            <a:r>
-              <a:rPr lang="en-US" dirty="0">
-                <a:latin typeface="Consolas" panose="020B0609020204030204" pitchFamily="49" charset="0"/>
-              </a:rPr>
-              <a:t>() </a:t>
-            </a:r>
-            <a:r>
-              <a:rPr lang="pl-PL" dirty="0">
-                <a:latin typeface="Consolas" panose="020B0609020204030204" pitchFamily="49" charset="0"/>
-              </a:rPr>
-              <a:t>			</a:t>
-            </a:r>
-            <a:r>
-              <a:rPr lang="en-US" i="1" dirty="0">
-                <a:latin typeface="Consolas" panose="020B0609020204030204" pitchFamily="49" charset="0"/>
-              </a:rPr>
-              <a:t># empty tuple</a:t>
-            </a:r>
-          </a:p>
-          <a:p>
-            <a:r>
-              <a:rPr lang="en-US" dirty="0">
-                <a:latin typeface="Consolas" panose="020B0609020204030204" pitchFamily="49" charset="0"/>
-              </a:rPr>
-              <a:t>(1,) </a:t>
-            </a:r>
-            <a:r>
-              <a:rPr lang="pl-PL" dirty="0">
-                <a:latin typeface="Consolas" panose="020B0609020204030204" pitchFamily="49" charset="0"/>
-              </a:rPr>
-              <a:t>		</a:t>
-            </a:r>
-            <a:r>
-              <a:rPr lang="en-US" i="1" dirty="0">
-                <a:latin typeface="Consolas" panose="020B0609020204030204" pitchFamily="49" charset="0"/>
-              </a:rPr>
-              <a:t># one element tuple</a:t>
-            </a:r>
-          </a:p>
-          <a:p>
-            <a:r>
-              <a:rPr lang="en-US" dirty="0">
-                <a:latin typeface="Consolas" panose="020B0609020204030204" pitchFamily="49" charset="0"/>
-              </a:rPr>
-              <a:t>("a", 1) </a:t>
-            </a:r>
-            <a:r>
-              <a:rPr lang="pl-PL" dirty="0">
-                <a:latin typeface="Consolas" panose="020B0609020204030204" pitchFamily="49" charset="0"/>
-              </a:rPr>
-              <a:t>	</a:t>
-            </a:r>
-            <a:r>
-              <a:rPr lang="en-US" i="1" dirty="0">
-                <a:latin typeface="Consolas" panose="020B0609020204030204" pitchFamily="49" charset="0"/>
-              </a:rPr>
-              <a:t># two element tuple</a:t>
-            </a:r>
-          </a:p>
-          <a:p>
-            <a:r>
-              <a:rPr lang="en-US" dirty="0">
-                <a:latin typeface="Consolas" panose="020B0609020204030204" pitchFamily="49" charset="0"/>
-              </a:rPr>
-              <a:t>('a', false)::Tuple{Char, Bool} </a:t>
-            </a:r>
-            <a:r>
-              <a:rPr lang="en-US" i="1" dirty="0">
-                <a:latin typeface="Consolas" panose="020B0609020204030204" pitchFamily="49" charset="0"/>
-              </a:rPr>
-              <a:t># tuple type assertion</a:t>
-            </a:r>
-          </a:p>
-          <a:p>
-            <a:r>
-              <a:rPr lang="en-US" dirty="0">
-                <a:latin typeface="Consolas" panose="020B0609020204030204" pitchFamily="49" charset="0"/>
-              </a:rPr>
-              <a:t>x = (1, 2, 3)</a:t>
-            </a:r>
-          </a:p>
-          <a:p>
-            <a:r>
-              <a:rPr lang="en-US" dirty="0">
-                <a:latin typeface="Consolas" panose="020B0609020204030204" pitchFamily="49" charset="0"/>
-              </a:rPr>
-              <a:t>x[1] </a:t>
-            </a:r>
-            <a:r>
-              <a:rPr lang="pl-PL" dirty="0">
-                <a:latin typeface="Consolas" panose="020B0609020204030204" pitchFamily="49" charset="0"/>
-              </a:rPr>
-              <a:t>		</a:t>
-            </a:r>
-            <a:r>
-              <a:rPr lang="en-US" i="1" dirty="0">
-                <a:latin typeface="Consolas" panose="020B0609020204030204" pitchFamily="49" charset="0"/>
-              </a:rPr>
-              <a:t># first</a:t>
-            </a:r>
-            <a:r>
-              <a:rPr lang="pl-PL" i="1" dirty="0">
-                <a:latin typeface="Consolas" panose="020B0609020204030204" pitchFamily="49" charset="0"/>
-              </a:rPr>
-              <a:t> element</a:t>
-            </a:r>
-            <a:endParaRPr lang="en-US" i="1" dirty="0">
-              <a:latin typeface="Consolas" panose="020B0609020204030204" pitchFamily="49" charset="0"/>
-            </a:endParaRPr>
-          </a:p>
-          <a:p>
-            <a:r>
-              <a:rPr lang="en-US" dirty="0">
-                <a:latin typeface="Consolas" panose="020B0609020204030204" pitchFamily="49" charset="0"/>
-              </a:rPr>
-              <a:t>x[1:2] </a:t>
-            </a:r>
-            <a:r>
-              <a:rPr lang="pl-PL" dirty="0">
-                <a:latin typeface="Consolas" panose="020B0609020204030204" pitchFamily="49" charset="0"/>
-              </a:rPr>
-              <a:t>		</a:t>
-            </a:r>
-            <a:r>
-              <a:rPr lang="en-US" i="1" dirty="0">
-                <a:latin typeface="Consolas" panose="020B0609020204030204" pitchFamily="49" charset="0"/>
-              </a:rPr>
-              <a:t># (1, 2) (tuple)</a:t>
-            </a:r>
-          </a:p>
-          <a:p>
-            <a:r>
-              <a:rPr lang="en-US" dirty="0">
-                <a:latin typeface="Consolas" panose="020B0609020204030204" pitchFamily="49" charset="0"/>
-              </a:rPr>
-              <a:t>x[4] </a:t>
-            </a:r>
-            <a:r>
-              <a:rPr lang="pl-PL" dirty="0">
-                <a:latin typeface="Consolas" panose="020B0609020204030204" pitchFamily="49" charset="0"/>
-              </a:rPr>
-              <a:t>		</a:t>
-            </a:r>
-            <a:r>
-              <a:rPr lang="en-US" i="1" dirty="0">
-                <a:latin typeface="Consolas" panose="020B0609020204030204" pitchFamily="49" charset="0"/>
-              </a:rPr>
-              <a:t># bounds error</a:t>
-            </a:r>
-          </a:p>
-          <a:p>
-            <a:r>
-              <a:rPr lang="en-US" dirty="0">
-                <a:latin typeface="Consolas" panose="020B0609020204030204" pitchFamily="49" charset="0"/>
-              </a:rPr>
-              <a:t>x[1] = 1 </a:t>
-            </a:r>
-            <a:r>
-              <a:rPr lang="pl-PL" dirty="0">
-                <a:latin typeface="Consolas" panose="020B0609020204030204" pitchFamily="49" charset="0"/>
-              </a:rPr>
-              <a:t>	</a:t>
-            </a:r>
-            <a:r>
-              <a:rPr lang="en-US" i="1" dirty="0">
-                <a:latin typeface="Consolas" panose="020B0609020204030204" pitchFamily="49" charset="0"/>
-              </a:rPr>
-              <a:t># error - tuple is not mutable</a:t>
-            </a:r>
-          </a:p>
-          <a:p>
-            <a:r>
-              <a:rPr lang="en-US" dirty="0">
-                <a:latin typeface="Consolas" panose="020B0609020204030204" pitchFamily="49" charset="0"/>
-              </a:rPr>
-              <a:t>a, b = x </a:t>
-            </a:r>
-            <a:r>
-              <a:rPr lang="pl-PL" dirty="0">
-                <a:latin typeface="Consolas" panose="020B0609020204030204" pitchFamily="49" charset="0"/>
-              </a:rPr>
-              <a:t>	</a:t>
-            </a:r>
-            <a:r>
-              <a:rPr lang="en-US" i="1" dirty="0">
-                <a:latin typeface="Consolas" panose="020B0609020204030204" pitchFamily="49" charset="0"/>
-              </a:rPr>
-              <a:t># tuple unpacking a==1, b==2</a:t>
-            </a:r>
-            <a:endParaRPr lang="en-US" dirty="0">
-              <a:latin typeface="Consolas" panose="020B0609020204030204" pitchFamily="49" charset="0"/>
-            </a:endParaRPr>
-          </a:p>
-        </p:txBody>
-      </p:sp>
-      <p:sp>
-        <p:nvSpPr>
-          <p:cNvPr id="4" name="pole tekstowe 3">
-            <a:extLst>
-              <a:ext uri="{FF2B5EF4-FFF2-40B4-BE49-F238E27FC236}">
-                <a16:creationId xmlns:a16="http://schemas.microsoft.com/office/drawing/2014/main" id="{9430EF4C-1EF4-496C-959F-0ACCC56A77D0}"/>
-              </a:ext>
-            </a:extLst>
-          </p:cNvPr>
-          <p:cNvSpPr txBox="1"/>
-          <p:nvPr/>
-        </p:nvSpPr>
         <p:spPr>
           <a:xfrm>
-            <a:off x="2043453" y="6311900"/>
-            <a:ext cx="9270936" cy="461665"/>
+            <a:off x="838199" y="1825625"/>
+            <a:ext cx="10885227" cy="4351338"/>
           </a:xfrm>
-          <a:prstGeom prst="rect">
-            <a:avLst/>
-          </a:prstGeom>
-          <a:noFill/>
         </p:spPr>
         <p:txBody>
-          <a:bodyPr wrap="none" rtlCol="0">
-            <a:spAutoFit/>
-          </a:bodyPr>
-          <a:lstStyle/>
-          <a:p>
-            <a:r>
-              <a:rPr lang="en-US" sz="2400" b="1" dirty="0">
-                <a:solidFill>
-                  <a:srgbClr val="7030A0"/>
-                </a:solidFill>
-              </a:rPr>
-              <a:t>Tuples are immutable, and the Julia compiler makes a good use of that!</a:t>
-            </a:r>
-            <a:endParaRPr lang="pl-PL" sz="2400" b="1" dirty="0">
-              <a:solidFill>
-                <a:srgbClr val="7030A0"/>
-              </a:solidFill>
+          <a:bodyPr/>
+          <a:lstStyle/>
+          <a:p>
+            <a:r>
+              <a:rPr lang="en-US" dirty="0">
+                <a:latin typeface="Courier New" panose="02070309020205020404" pitchFamily="49" charset="0"/>
+                <a:cs typeface="Courier New" panose="02070309020205020404" pitchFamily="49" charset="0"/>
+              </a:rPr>
+              <a:t>Any </a:t>
+            </a:r>
+            <a:r>
+              <a:rPr lang="en-US" i="1" dirty="0">
+                <a:latin typeface="Courier New" panose="02070309020205020404" pitchFamily="49" charset="0"/>
+                <a:cs typeface="Courier New" panose="02070309020205020404" pitchFamily="49" charset="0"/>
+              </a:rPr>
+              <a:t># all objects are of this type</a:t>
+            </a:r>
+          </a:p>
+          <a:p>
+            <a:endParaRPr lang="en-US" i="1" dirty="0">
+              <a:latin typeface="Courier New" panose="02070309020205020404" pitchFamily="49" charset="0"/>
+              <a:cs typeface="Courier New" panose="02070309020205020404" pitchFamily="49" charset="0"/>
             </a:endParaRPr>
+          </a:p>
+          <a:p>
+            <a:r>
+              <a:rPr lang="en-US" dirty="0">
+                <a:latin typeface="Courier New" panose="02070309020205020404" pitchFamily="49" charset="0"/>
+                <a:cs typeface="Courier New" panose="02070309020205020404" pitchFamily="49" charset="0"/>
+              </a:rPr>
+              <a:t>Union{} </a:t>
+            </a:r>
+            <a:r>
+              <a:rPr lang="en-US" i="1" dirty="0">
+                <a:latin typeface="Courier New" panose="02070309020205020404" pitchFamily="49" charset="0"/>
+                <a:cs typeface="Courier New" panose="02070309020205020404" pitchFamily="49" charset="0"/>
+              </a:rPr>
+              <a:t># subtype of all types, no object can have this type</a:t>
+            </a:r>
+          </a:p>
+          <a:p>
+            <a:endParaRPr lang="en-US" i="1" dirty="0">
+              <a:latin typeface="Courier New" panose="02070309020205020404" pitchFamily="49" charset="0"/>
+              <a:cs typeface="Courier New" panose="02070309020205020404" pitchFamily="49" charset="0"/>
+            </a:endParaRPr>
+          </a:p>
+          <a:p>
+            <a:r>
+              <a:rPr lang="en-US" dirty="0">
+                <a:latin typeface="Courier New" panose="02070309020205020404" pitchFamily="49" charset="0"/>
+                <a:cs typeface="Courier New" panose="02070309020205020404" pitchFamily="49" charset="0"/>
+              </a:rPr>
+              <a:t>Nothing </a:t>
+            </a:r>
+            <a:r>
+              <a:rPr lang="en-US" i="1" dirty="0">
+                <a:latin typeface="Courier New" panose="02070309020205020404" pitchFamily="49" charset="0"/>
+                <a:cs typeface="Courier New" panose="02070309020205020404" pitchFamily="49" charset="0"/>
+              </a:rPr>
+              <a:t># type indicating nothing, subtype of Any</a:t>
+            </a:r>
+          </a:p>
+          <a:p>
+            <a:endParaRPr lang="en-US" dirty="0">
+              <a:latin typeface="Courier New" panose="02070309020205020404" pitchFamily="49" charset="0"/>
+              <a:cs typeface="Courier New" panose="02070309020205020404" pitchFamily="49" charset="0"/>
+            </a:endParaRPr>
+          </a:p>
+          <a:p>
+            <a:r>
+              <a:rPr lang="en-US" dirty="0">
+                <a:latin typeface="Courier New" panose="02070309020205020404" pitchFamily="49" charset="0"/>
+                <a:cs typeface="Courier New" panose="02070309020205020404" pitchFamily="49" charset="0"/>
+              </a:rPr>
+              <a:t>nothing </a:t>
+            </a:r>
+            <a:r>
+              <a:rPr lang="en-US" i="1" dirty="0">
+                <a:latin typeface="Courier New" panose="02070309020205020404" pitchFamily="49" charset="0"/>
+                <a:cs typeface="Courier New" panose="02070309020205020404" pitchFamily="49" charset="0"/>
+              </a:rPr>
+              <a:t># only instance of </a:t>
+            </a:r>
+            <a:r>
+              <a:rPr lang="en-US" dirty="0">
+                <a:latin typeface="Courier New" panose="02070309020205020404" pitchFamily="49" charset="0"/>
+                <a:cs typeface="Courier New" panose="02070309020205020404" pitchFamily="49" charset="0"/>
+              </a:rPr>
+              <a:t>Nothing</a:t>
+            </a:r>
           </a:p>
         </p:txBody>
       </p:sp>
     </p:spTree>
     <p:extLst>
       <p:ext uri="{BB962C8B-B14F-4D97-AF65-F5344CB8AC3E}">
-        <p14:creationId xmlns:p14="http://schemas.microsoft.com/office/powerpoint/2010/main" val="3775522418"/>
+        <p14:creationId xmlns:p14="http://schemas.microsoft.com/office/powerpoint/2010/main" val="3723549219"/>
       </p:ext>
     </p:extLst>
   </p:cSld>
@@ -7955,20 +8419,16 @@
             <p:ph type="title"/>
           </p:nvPr>
         </p:nvSpPr>
-        <p:spPr>
-          <a:xfrm>
-            <a:off x="838200" y="103821"/>
-            <a:ext cx="10515600" cy="1325563"/>
-          </a:xfrm>
-        </p:spPr>
+        <p:spPr/>
         <p:txBody>
           <a:bodyPr/>
           <a:lstStyle/>
           <a:p>
             <a:r>
               <a:rPr lang="en-US" dirty="0"/>
-              <a:t>Arrays</a:t>
-            </a:r>
+              <a:t>Tuples – just like in Python</a:t>
+            </a:r>
+            <a:endParaRPr lang="en-US" sz="3600" dirty="0"/>
           </a:p>
         </p:txBody>
       </p:sp>
@@ -7982,276 +8442,248 @@
             <p:ph idx="1"/>
           </p:nvPr>
         </p:nvSpPr>
+        <p:spPr/>
+        <p:txBody>
+          <a:bodyPr>
+            <a:normAutofit fontScale="92500" lnSpcReduction="20000"/>
+          </a:bodyPr>
+          <a:lstStyle/>
+          <a:p>
+            <a:r>
+              <a:rPr lang="en-US" dirty="0">
+                <a:latin typeface="Consolas" panose="020B0609020204030204" pitchFamily="49" charset="0"/>
+              </a:rPr>
+              <a:t>() </a:t>
+            </a:r>
+            <a:r>
+              <a:rPr lang="pl-PL" dirty="0">
+                <a:latin typeface="Consolas" panose="020B0609020204030204" pitchFamily="49" charset="0"/>
+              </a:rPr>
+              <a:t>			</a:t>
+            </a:r>
+            <a:r>
+              <a:rPr lang="en-US" i="1" dirty="0">
+                <a:latin typeface="Consolas" panose="020B0609020204030204" pitchFamily="49" charset="0"/>
+              </a:rPr>
+              <a:t># empty tuple</a:t>
+            </a:r>
+          </a:p>
+          <a:p>
+            <a:r>
+              <a:rPr lang="en-US" dirty="0">
+                <a:latin typeface="Consolas" panose="020B0609020204030204" pitchFamily="49" charset="0"/>
+              </a:rPr>
+              <a:t>(1,) </a:t>
+            </a:r>
+            <a:r>
+              <a:rPr lang="pl-PL" dirty="0">
+                <a:latin typeface="Consolas" panose="020B0609020204030204" pitchFamily="49" charset="0"/>
+              </a:rPr>
+              <a:t>		</a:t>
+            </a:r>
+            <a:r>
+              <a:rPr lang="en-US" i="1" dirty="0">
+                <a:latin typeface="Consolas" panose="020B0609020204030204" pitchFamily="49" charset="0"/>
+              </a:rPr>
+              <a:t># one element tuple</a:t>
+            </a:r>
+          </a:p>
+          <a:p>
+            <a:r>
+              <a:rPr lang="en-US" dirty="0">
+                <a:latin typeface="Consolas" panose="020B0609020204030204" pitchFamily="49" charset="0"/>
+              </a:rPr>
+              <a:t>("a", 1) </a:t>
+            </a:r>
+            <a:r>
+              <a:rPr lang="pl-PL" dirty="0">
+                <a:latin typeface="Consolas" panose="020B0609020204030204" pitchFamily="49" charset="0"/>
+              </a:rPr>
+              <a:t>	</a:t>
+            </a:r>
+            <a:r>
+              <a:rPr lang="en-US" i="1" dirty="0">
+                <a:latin typeface="Consolas" panose="020B0609020204030204" pitchFamily="49" charset="0"/>
+              </a:rPr>
+              <a:t># two element tuple</a:t>
+            </a:r>
+          </a:p>
+          <a:p>
+            <a:r>
+              <a:rPr lang="en-US" dirty="0">
+                <a:latin typeface="Consolas" panose="020B0609020204030204" pitchFamily="49" charset="0"/>
+              </a:rPr>
+              <a:t>('a', false)::Tuple{Char, Bool} </a:t>
+            </a:r>
+            <a:r>
+              <a:rPr lang="en-US" i="1" dirty="0">
+                <a:latin typeface="Consolas" panose="020B0609020204030204" pitchFamily="49" charset="0"/>
+              </a:rPr>
+              <a:t># tuple type assertion</a:t>
+            </a:r>
+          </a:p>
+          <a:p>
+            <a:r>
+              <a:rPr lang="en-US" dirty="0">
+                <a:latin typeface="Consolas" panose="020B0609020204030204" pitchFamily="49" charset="0"/>
+              </a:rPr>
+              <a:t>x = (1, 2, 3)</a:t>
+            </a:r>
+          </a:p>
+          <a:p>
+            <a:r>
+              <a:rPr lang="en-US" dirty="0">
+                <a:latin typeface="Consolas" panose="020B0609020204030204" pitchFamily="49" charset="0"/>
+              </a:rPr>
+              <a:t>x[1] </a:t>
+            </a:r>
+            <a:r>
+              <a:rPr lang="pl-PL" dirty="0">
+                <a:latin typeface="Consolas" panose="020B0609020204030204" pitchFamily="49" charset="0"/>
+              </a:rPr>
+              <a:t>		</a:t>
+            </a:r>
+            <a:r>
+              <a:rPr lang="en-US" i="1" dirty="0">
+                <a:latin typeface="Consolas" panose="020B0609020204030204" pitchFamily="49" charset="0"/>
+              </a:rPr>
+              <a:t># first</a:t>
+            </a:r>
+            <a:r>
+              <a:rPr lang="pl-PL" i="1" dirty="0">
+                <a:latin typeface="Consolas" panose="020B0609020204030204" pitchFamily="49" charset="0"/>
+              </a:rPr>
+              <a:t> element</a:t>
+            </a:r>
+            <a:endParaRPr lang="en-US" i="1" dirty="0">
+              <a:latin typeface="Consolas" panose="020B0609020204030204" pitchFamily="49" charset="0"/>
+            </a:endParaRPr>
+          </a:p>
+          <a:p>
+            <a:r>
+              <a:rPr lang="en-US" dirty="0">
+                <a:latin typeface="Consolas" panose="020B0609020204030204" pitchFamily="49" charset="0"/>
+              </a:rPr>
+              <a:t>x[1:2] </a:t>
+            </a:r>
+            <a:r>
+              <a:rPr lang="pl-PL" dirty="0">
+                <a:latin typeface="Consolas" panose="020B0609020204030204" pitchFamily="49" charset="0"/>
+              </a:rPr>
+              <a:t>		</a:t>
+            </a:r>
+            <a:r>
+              <a:rPr lang="en-US" i="1" dirty="0">
+                <a:latin typeface="Consolas" panose="020B0609020204030204" pitchFamily="49" charset="0"/>
+              </a:rPr>
+              <a:t># (1, 2) (tuple)</a:t>
+            </a:r>
+          </a:p>
+          <a:p>
+            <a:r>
+              <a:rPr lang="en-US" dirty="0">
+                <a:latin typeface="Consolas" panose="020B0609020204030204" pitchFamily="49" charset="0"/>
+              </a:rPr>
+              <a:t>x[4] </a:t>
+            </a:r>
+            <a:r>
+              <a:rPr lang="pl-PL" dirty="0">
+                <a:latin typeface="Consolas" panose="020B0609020204030204" pitchFamily="49" charset="0"/>
+              </a:rPr>
+              <a:t>		</a:t>
+            </a:r>
+            <a:r>
+              <a:rPr lang="en-US" i="1" dirty="0">
+                <a:latin typeface="Consolas" panose="020B0609020204030204" pitchFamily="49" charset="0"/>
+              </a:rPr>
+              <a:t># bounds error</a:t>
+            </a:r>
+          </a:p>
+          <a:p>
+            <a:r>
+              <a:rPr lang="en-US" dirty="0">
+                <a:latin typeface="Consolas" panose="020B0609020204030204" pitchFamily="49" charset="0"/>
+              </a:rPr>
+              <a:t>x[1] = 1 </a:t>
+            </a:r>
+            <a:r>
+              <a:rPr lang="pl-PL" dirty="0">
+                <a:latin typeface="Consolas" panose="020B0609020204030204" pitchFamily="49" charset="0"/>
+              </a:rPr>
+              <a:t>	</a:t>
+            </a:r>
+            <a:r>
+              <a:rPr lang="en-US" i="1" dirty="0">
+                <a:latin typeface="Consolas" panose="020B0609020204030204" pitchFamily="49" charset="0"/>
+              </a:rPr>
+              <a:t># error - tuple is not mutable</a:t>
+            </a:r>
+          </a:p>
+          <a:p>
+            <a:r>
+              <a:rPr lang="en-US" dirty="0">
+                <a:latin typeface="Consolas" panose="020B0609020204030204" pitchFamily="49" charset="0"/>
+              </a:rPr>
+              <a:t>a, b = x </a:t>
+            </a:r>
+            <a:r>
+              <a:rPr lang="pl-PL" dirty="0">
+                <a:latin typeface="Consolas" panose="020B0609020204030204" pitchFamily="49" charset="0"/>
+              </a:rPr>
+              <a:t>	</a:t>
+            </a:r>
+            <a:r>
+              <a:rPr lang="en-US" i="1" dirty="0">
+                <a:latin typeface="Consolas" panose="020B0609020204030204" pitchFamily="49" charset="0"/>
+              </a:rPr>
+              <a:t># tuple unpacking a==1, b==2</a:t>
+            </a:r>
+            <a:endParaRPr lang="en-US" dirty="0">
+              <a:latin typeface="Consolas" panose="020B0609020204030204" pitchFamily="49" charset="0"/>
+            </a:endParaRPr>
+          </a:p>
+        </p:txBody>
+      </p:sp>
+      <p:sp>
+        <p:nvSpPr>
+          <p:cNvPr id="4" name="pole tekstowe 3">
+            <a:extLst>
+              <a:ext uri="{FF2B5EF4-FFF2-40B4-BE49-F238E27FC236}">
+                <a16:creationId xmlns:a16="http://schemas.microsoft.com/office/drawing/2014/main" id="{9430EF4C-1EF4-496C-959F-0ACCC56A77D0}"/>
+              </a:ext>
+            </a:extLst>
+          </p:cNvPr>
+          <p:cNvSpPr txBox="1"/>
+          <p:nvPr/>
+        </p:nvSpPr>
         <p:spPr>
           <a:xfrm>
-            <a:off x="411480" y="1429384"/>
-            <a:ext cx="11551920" cy="5428615"/>
+            <a:off x="2043453" y="6311900"/>
+            <a:ext cx="9270936" cy="461665"/>
           </a:xfrm>
+          <a:prstGeom prst="rect">
+            <a:avLst/>
+          </a:prstGeom>
+          <a:noFill/>
         </p:spPr>
         <p:txBody>
-          <a:bodyPr>
-            <a:normAutofit/>
+          <a:bodyPr wrap="none" rtlCol="0">
+            <a:spAutoFit/>
           </a:bodyPr>
           <a:lstStyle/>
           <a:p>
-            <a:pPr marL="0" indent="0">
-              <a:buNone/>
-            </a:pPr>
-            <a:r>
-              <a:rPr lang="en-US" sz="2400" dirty="0">
-                <a:latin typeface="Consolas" panose="020B0609020204030204" pitchFamily="49" charset="0"/>
-              </a:rPr>
-              <a:t>Array{Char}(</a:t>
-            </a:r>
-            <a:r>
-              <a:rPr lang="en-US" sz="2400" dirty="0" err="1">
-                <a:latin typeface="Consolas" panose="020B0609020204030204" pitchFamily="49" charset="0"/>
-              </a:rPr>
-              <a:t>undef</a:t>
-            </a:r>
-            <a:r>
-              <a:rPr lang="en-US" sz="2400" dirty="0">
-                <a:latin typeface="Consolas" panose="020B0609020204030204" pitchFamily="49" charset="0"/>
-              </a:rPr>
-              <a:t>, 2, 3, 4) 	</a:t>
-            </a:r>
-            <a:r>
-              <a:rPr lang="en-US" sz="2400" i="1" dirty="0">
-                <a:latin typeface="Consolas" panose="020B0609020204030204" pitchFamily="49" charset="0"/>
-              </a:rPr>
-              <a:t># 2x3x4 array of Chars</a:t>
-            </a:r>
-          </a:p>
-          <a:p>
-            <a:pPr marL="0" indent="0">
-              <a:buNone/>
-            </a:pPr>
-            <a:r>
-              <a:rPr lang="en-US" sz="2400" dirty="0">
-                <a:latin typeface="Consolas" panose="020B0609020204030204" pitchFamily="49" charset="0"/>
-              </a:rPr>
-              <a:t>Array{Any}(</a:t>
-            </a:r>
-            <a:r>
-              <a:rPr lang="en-US" sz="2400" dirty="0" err="1">
-                <a:latin typeface="Consolas" panose="020B0609020204030204" pitchFamily="49" charset="0"/>
-              </a:rPr>
-              <a:t>undef</a:t>
-            </a:r>
-            <a:r>
-              <a:rPr lang="en-US" sz="2400" dirty="0">
-                <a:latin typeface="Consolas" panose="020B0609020204030204" pitchFamily="49" charset="0"/>
-              </a:rPr>
-              <a:t>, 2, 3) 		</a:t>
-            </a:r>
-            <a:r>
-              <a:rPr lang="en-US" sz="2400" i="1" dirty="0">
-                <a:latin typeface="Consolas" panose="020B0609020204030204" pitchFamily="49" charset="0"/>
-              </a:rPr>
-              <a:t># 2x3 array of Any</a:t>
-            </a:r>
-          </a:p>
-          <a:p>
-            <a:pPr marL="0" indent="0">
-              <a:buNone/>
-            </a:pPr>
-            <a:r>
-              <a:rPr lang="pt-BR" sz="2400" dirty="0">
-                <a:latin typeface="Consolas" panose="020B0609020204030204" pitchFamily="49" charset="0"/>
-              </a:rPr>
-              <a:t>zeros(5) 				</a:t>
-            </a:r>
-            <a:r>
-              <a:rPr lang="pt-BR" sz="2400" i="1" dirty="0">
-                <a:latin typeface="Consolas" panose="020B0609020204030204" pitchFamily="49" charset="0"/>
-              </a:rPr>
-              <a:t># vector of Float64 zeros</a:t>
-            </a:r>
-          </a:p>
-          <a:p>
-            <a:pPr marL="0" indent="0">
-              <a:buNone/>
-            </a:pPr>
-            <a:r>
-              <a:rPr lang="en-US" sz="2400" dirty="0">
-                <a:latin typeface="Consolas" panose="020B0609020204030204" pitchFamily="49" charset="0"/>
-              </a:rPr>
-              <a:t>ones(Int64, 2, 1) 		</a:t>
-            </a:r>
-            <a:r>
-              <a:rPr lang="en-US" sz="2400" i="1" dirty="0">
-                <a:latin typeface="Consolas" panose="020B0609020204030204" pitchFamily="49" charset="0"/>
-              </a:rPr>
-              <a:t># 2x1 array of Int64 ones</a:t>
-            </a:r>
-          </a:p>
-          <a:p>
-            <a:pPr marL="0" indent="0">
-              <a:buNone/>
-            </a:pPr>
-            <a:r>
-              <a:rPr lang="en-US" sz="2400" dirty="0">
-                <a:latin typeface="Consolas" panose="020B0609020204030204" pitchFamily="49" charset="0"/>
-              </a:rPr>
-              <a:t>trues(3), </a:t>
-            </a:r>
-            <a:r>
-              <a:rPr lang="en-US" sz="2400" dirty="0" err="1">
-                <a:latin typeface="Consolas" panose="020B0609020204030204" pitchFamily="49" charset="0"/>
-              </a:rPr>
-              <a:t>falses</a:t>
-            </a:r>
-            <a:r>
-              <a:rPr lang="en-US" sz="2400" dirty="0">
-                <a:latin typeface="Consolas" panose="020B0609020204030204" pitchFamily="49" charset="0"/>
-              </a:rPr>
-              <a:t>(3) 		</a:t>
-            </a:r>
-            <a:r>
-              <a:rPr lang="en-US" sz="2400" i="1" dirty="0">
-                <a:latin typeface="Consolas" panose="020B0609020204030204" pitchFamily="49" charset="0"/>
-              </a:rPr>
-              <a:t># tuple of vector of trues and of </a:t>
-            </a:r>
-            <a:r>
-              <a:rPr lang="en-US" sz="2400" i="1" dirty="0" err="1">
-                <a:latin typeface="Consolas" panose="020B0609020204030204" pitchFamily="49" charset="0"/>
-              </a:rPr>
-              <a:t>falses</a:t>
-            </a:r>
-            <a:endParaRPr lang="en-US" sz="2400" i="1" dirty="0">
-              <a:latin typeface="Consolas" panose="020B0609020204030204" pitchFamily="49" charset="0"/>
-            </a:endParaRPr>
-          </a:p>
-          <a:p>
-            <a:pPr marL="0" indent="0">
-              <a:buNone/>
-            </a:pPr>
-            <a:endParaRPr lang="en-US" sz="2400" dirty="0">
-              <a:latin typeface="Consolas" panose="020B0609020204030204" pitchFamily="49" charset="0"/>
-            </a:endParaRPr>
-          </a:p>
-          <a:p>
-            <a:pPr marL="0" indent="0">
-              <a:buNone/>
-            </a:pPr>
-            <a:r>
-              <a:rPr lang="en-US" sz="2400" dirty="0">
-                <a:latin typeface="Consolas" panose="020B0609020204030204" pitchFamily="49" charset="0"/>
-              </a:rPr>
-              <a:t>x = range(1, stop=2, length=5)</a:t>
-            </a:r>
-            <a:br>
-              <a:rPr lang="en-US" sz="2400" dirty="0">
-                <a:latin typeface="Consolas" panose="020B0609020204030204" pitchFamily="49" charset="0"/>
-              </a:rPr>
-            </a:br>
-            <a:r>
-              <a:rPr lang="en-US" sz="2400" dirty="0">
-                <a:latin typeface="Consolas" panose="020B0609020204030204" pitchFamily="49" charset="0"/>
-              </a:rPr>
-              <a:t>  </a:t>
-            </a:r>
-            <a:r>
-              <a:rPr lang="en-US" sz="2400" i="1" dirty="0">
-                <a:latin typeface="Consolas" panose="020B0609020204030204" pitchFamily="49" charset="0"/>
-              </a:rPr>
-              <a:t># iterator having 5 equally spaced elements (1.0:0.25:2.0)</a:t>
-            </a:r>
-          </a:p>
-          <a:p>
-            <a:pPr marL="0" indent="0">
-              <a:buNone/>
-            </a:pPr>
-            <a:r>
-              <a:rPr lang="en-US" sz="2400" dirty="0">
-                <a:latin typeface="Consolas" panose="020B0609020204030204" pitchFamily="49" charset="0"/>
-              </a:rPr>
-              <a:t>collect(x) 			</a:t>
-            </a:r>
-            <a:r>
-              <a:rPr lang="en-US" sz="2400" i="1" dirty="0">
-                <a:latin typeface="Consolas" panose="020B0609020204030204" pitchFamily="49" charset="0"/>
-              </a:rPr>
-              <a:t># converts iterator to vector</a:t>
-            </a:r>
-          </a:p>
-          <a:p>
-            <a:pPr marL="0" indent="0">
-              <a:buNone/>
-            </a:pPr>
-            <a:r>
-              <a:rPr lang="en-US" sz="2400" dirty="0">
-                <a:latin typeface="Consolas" panose="020B0609020204030204" pitchFamily="49" charset="0"/>
-              </a:rPr>
-              <a:t>1:10 					</a:t>
-            </a:r>
-            <a:r>
-              <a:rPr lang="en-US" sz="2400" i="1" dirty="0">
-                <a:latin typeface="Consolas" panose="020B0609020204030204" pitchFamily="49" charset="0"/>
-              </a:rPr>
-              <a:t># </a:t>
-            </a:r>
-            <a:r>
-              <a:rPr lang="en-US" sz="2400" i="1" dirty="0" err="1">
-                <a:latin typeface="Consolas" panose="020B0609020204030204" pitchFamily="49" charset="0"/>
-              </a:rPr>
-              <a:t>iterable</a:t>
-            </a:r>
-            <a:r>
-              <a:rPr lang="en-US" sz="2400" i="1" dirty="0">
-                <a:latin typeface="Consolas" panose="020B0609020204030204" pitchFamily="49" charset="0"/>
-              </a:rPr>
-              <a:t> from 1 to 10</a:t>
-            </a:r>
-          </a:p>
-          <a:p>
-            <a:pPr marL="0" indent="0">
-              <a:buNone/>
-            </a:pPr>
-            <a:r>
-              <a:rPr lang="en-US" sz="2400" dirty="0">
-                <a:latin typeface="Consolas" panose="020B0609020204030204" pitchFamily="49" charset="0"/>
-              </a:rPr>
-              <a:t>1:2:10 				</a:t>
-            </a:r>
-            <a:r>
-              <a:rPr lang="en-US" sz="2400" i="1" dirty="0">
-                <a:latin typeface="Consolas" panose="020B0609020204030204" pitchFamily="49" charset="0"/>
-              </a:rPr>
-              <a:t># </a:t>
-            </a:r>
-            <a:r>
-              <a:rPr lang="en-US" sz="2400" i="1" dirty="0" err="1">
-                <a:latin typeface="Consolas" panose="020B0609020204030204" pitchFamily="49" charset="0"/>
-              </a:rPr>
-              <a:t>iterable</a:t>
-            </a:r>
-            <a:r>
-              <a:rPr lang="en-US" sz="2400" i="1" dirty="0">
-                <a:latin typeface="Consolas" panose="020B0609020204030204" pitchFamily="49" charset="0"/>
-              </a:rPr>
-              <a:t> from 1 to 9 with 2 skip</a:t>
-            </a:r>
-          </a:p>
-          <a:p>
-            <a:pPr marL="0" indent="0">
-              <a:buNone/>
-            </a:pPr>
-            <a:r>
-              <a:rPr lang="en-US" sz="2400" dirty="0">
-                <a:latin typeface="Consolas" panose="020B0609020204030204" pitchFamily="49" charset="0"/>
-              </a:rPr>
-              <a:t>reshape(1:12, 3, 4) 		</a:t>
-            </a:r>
-            <a:r>
-              <a:rPr lang="en-US" sz="2400" i="1" dirty="0">
-                <a:latin typeface="Consolas" panose="020B0609020204030204" pitchFamily="49" charset="0"/>
-              </a:rPr>
-              <a:t># 3x4 array filled with 1:12 values</a:t>
-            </a:r>
-            <a:endParaRPr lang="en-US" sz="2400" dirty="0">
-              <a:latin typeface="Consolas" panose="020B0609020204030204" pitchFamily="49" charset="0"/>
+            <a:r>
+              <a:rPr lang="en-US" sz="2400" b="1" dirty="0">
+                <a:solidFill>
+                  <a:srgbClr val="7030A0"/>
+                </a:solidFill>
+              </a:rPr>
+              <a:t>Tuples are immutable, and the Julia compiler makes a good use of that!</a:t>
+            </a:r>
+            <a:endParaRPr lang="pl-PL" sz="2400" b="1" dirty="0">
+              <a:solidFill>
+                <a:srgbClr val="7030A0"/>
+              </a:solidFill>
             </a:endParaRPr>
           </a:p>
         </p:txBody>
@@ -8259,7 +8691,7 @@
     </p:spTree>
     <p:extLst>
       <p:ext uri="{BB962C8B-B14F-4D97-AF65-F5344CB8AC3E}">
-        <p14:creationId xmlns:p14="http://schemas.microsoft.com/office/powerpoint/2010/main" val="1364043305"/>
+        <p14:creationId xmlns:p14="http://schemas.microsoft.com/office/powerpoint/2010/main" val="3775522418"/>
       </p:ext>
     </p:extLst>
   </p:cSld>
@@ -8296,14 +8728,19 @@
             <p:ph type="title"/>
           </p:nvPr>
         </p:nvSpPr>
-        <p:spPr/>
+        <p:spPr>
+          <a:xfrm>
+            <a:off x="838200" y="103821"/>
+            <a:ext cx="10515600" cy="1325563"/>
+          </a:xfrm>
+        </p:spPr>
         <p:txBody>
           <a:bodyPr/>
           <a:lstStyle/>
           <a:p>
             <a:r>
               <a:rPr lang="en-US" dirty="0"/>
-              <a:t>Data structures</a:t>
+              <a:t>Arrays</a:t>
             </a:r>
           </a:p>
         </p:txBody>
@@ -8320,13 +8757,13 @@
         </p:nvSpPr>
         <p:spPr>
           <a:xfrm>
-            <a:off x="838200" y="1690688"/>
-            <a:ext cx="10515600" cy="4211760"/>
+            <a:off x="411480" y="1429384"/>
+            <a:ext cx="11551920" cy="5428615"/>
           </a:xfrm>
         </p:spPr>
         <p:txBody>
           <a:bodyPr>
-            <a:normAutofit fontScale="92500" lnSpcReduction="20000"/>
+            <a:normAutofit/>
           </a:bodyPr>
           <a:lstStyle/>
           <a:p>
@@ -8334,28 +8771,28 @@
               <a:buNone/>
             </a:pPr>
             <a:r>
-              <a:rPr lang="en-US" b="1" dirty="0">
-                <a:latin typeface="Consolas" panose="020B0609020204030204" pitchFamily="49" charset="0"/>
-              </a:rPr>
-              <a:t>mutable</a:t>
-            </a:r>
-            <a:r>
-              <a:rPr lang="en-US" dirty="0">
-                <a:latin typeface="Consolas" panose="020B0609020204030204" pitchFamily="49" charset="0"/>
-              </a:rPr>
-              <a:t> </a:t>
-            </a:r>
-            <a:r>
-              <a:rPr lang="en-US" b="1" dirty="0">
-                <a:latin typeface="Consolas" panose="020B0609020204030204" pitchFamily="49" charset="0"/>
-              </a:rPr>
-              <a:t>struct</a:t>
-            </a:r>
-            <a:r>
-              <a:rPr lang="en-US" dirty="0">
-                <a:latin typeface="Consolas" panose="020B0609020204030204" pitchFamily="49" charset="0"/>
-              </a:rPr>
-              <a:t> Point</a:t>
+              <a:rPr lang="en-US" sz="2400" dirty="0">
+                <a:latin typeface="Consolas" panose="020B0609020204030204" pitchFamily="49" charset="0"/>
+              </a:rPr>
+              <a:t>Array{Char}(</a:t>
+            </a:r>
+            <a:r>
+              <a:rPr lang="en-US" sz="2400" dirty="0" err="1">
+                <a:latin typeface="Consolas" panose="020B0609020204030204" pitchFamily="49" charset="0"/>
+              </a:rPr>
+              <a:t>undef</a:t>
+            </a:r>
+            <a:r>
+              <a:rPr lang="en-US" sz="2400" dirty="0">
+                <a:latin typeface="Consolas" panose="020B0609020204030204" pitchFamily="49" charset="0"/>
+              </a:rPr>
+              <a:t>, 2, 3, 4) 	</a:t>
+            </a:r>
+            <a:r>
+              <a:rPr lang="en-US" sz="2400" i="1" dirty="0">
+                <a:latin typeface="Consolas" panose="020B0609020204030204" pitchFamily="49" charset="0"/>
+              </a:rPr>
+              <a:t># 2x3x4 array of Chars</a:t>
             </a:r>
           </a:p>
           <a:p>
@@ -8363,10 +8800,28 @@
               <a:buNone/>
             </a:pPr>
             <a:r>
-              <a:rPr lang="en-US" dirty="0">
-                <a:latin typeface="Consolas" panose="020B0609020204030204" pitchFamily="49" charset="0"/>
-              </a:rPr>
-              <a:t>	x::Int64</a:t>
+              <a:rPr lang="en-US" sz="2400" dirty="0">
+                <a:latin typeface="Consolas" panose="020B0609020204030204" pitchFamily="49" charset="0"/>
+              </a:rPr>
+              <a:t>Array{Any}(</a:t>
+            </a:r>
+            <a:r>
+              <a:rPr lang="en-US" sz="2400" dirty="0" err="1">
+                <a:latin typeface="Consolas" panose="020B0609020204030204" pitchFamily="49" charset="0"/>
+              </a:rPr>
+              <a:t>undef</a:t>
+            </a:r>
+            <a:r>
+              <a:rPr lang="en-US" sz="2400" dirty="0">
+                <a:latin typeface="Consolas" panose="020B0609020204030204" pitchFamily="49" charset="0"/>
+              </a:rPr>
+              <a:t>, 2, 3) 		</a:t>
+            </a:r>
+            <a:r>
+              <a:rPr lang="en-US" sz="2400" i="1" dirty="0">
+                <a:latin typeface="Consolas" panose="020B0609020204030204" pitchFamily="49" charset="0"/>
+              </a:rPr>
+              <a:t># 2x3 array of Any</a:t>
             </a:r>
           </a:p>
           <a:p>
@@ -8374,10 +8829,16 @@
               <a:buNone/>
             </a:pPr>
             <a:r>
-              <a:rPr lang="en-US" dirty="0">
-                <a:latin typeface="Consolas" panose="020B0609020204030204" pitchFamily="49" charset="0"/>
-              </a:rPr>
-              <a:t>	y::Float64</a:t>
+              <a:rPr lang="pt-BR" sz="2400" dirty="0">
+                <a:latin typeface="Consolas" panose="020B0609020204030204" pitchFamily="49" charset="0"/>
+              </a:rPr>
+              <a:t>zeros(5) 				</a:t>
+            </a:r>
+            <a:r>
+              <a:rPr lang="pt-BR" sz="2400" i="1" dirty="0">
+                <a:latin typeface="Consolas" panose="020B0609020204030204" pitchFamily="49" charset="0"/>
+              </a:rPr>
+              <a:t># vector of Float64 zeros</a:t>
             </a:r>
           </a:p>
           <a:p>
@@ -8385,10 +8846,16 @@
               <a:buNone/>
             </a:pPr>
             <a:r>
-              <a:rPr lang="en-US" dirty="0">
-                <a:latin typeface="Consolas" panose="020B0609020204030204" pitchFamily="49" charset="0"/>
-              </a:rPr>
-              <a:t>	meta</a:t>
+              <a:rPr lang="en-US" sz="2400" dirty="0">
+                <a:latin typeface="Consolas" panose="020B0609020204030204" pitchFamily="49" charset="0"/>
+              </a:rPr>
+              <a:t>ones(Int64, 2, 1) 		</a:t>
+            </a:r>
+            <a:r>
+              <a:rPr lang="en-US" sz="2400" i="1" dirty="0">
+                <a:latin typeface="Consolas" panose="020B0609020204030204" pitchFamily="49" charset="0"/>
+              </a:rPr>
+              <a:t># 2x1 array of Int64 ones</a:t>
             </a:r>
           </a:p>
           <a:p>
@@ -8396,172 +8863,168 @@
               <a:buNone/>
             </a:pPr>
             <a:r>
-              <a:rPr lang="en-US" b="1" dirty="0">
-                <a:latin typeface="Consolas" panose="020B0609020204030204" pitchFamily="49" charset="0"/>
-              </a:rPr>
-              <a:t>end</a:t>
-            </a:r>
-          </a:p>
-          <a:p>
-            <a:pPr marL="0" indent="0">
-              <a:buNone/>
-            </a:pPr>
-            <a:r>
-              <a:rPr lang="en-US" dirty="0">
-                <a:latin typeface="Consolas" panose="020B0609020204030204" pitchFamily="49" charset="0"/>
-              </a:rPr>
-              <a:t>p = Point(0, 0.0, "Origin")</a:t>
-            </a:r>
-          </a:p>
-          <a:p>
-            <a:pPr marL="0" indent="0">
-              <a:buNone/>
-            </a:pPr>
-            <a:r>
-              <a:rPr lang="en-US" dirty="0" err="1">
-                <a:latin typeface="Consolas" panose="020B0609020204030204" pitchFamily="49" charset="0"/>
-              </a:rPr>
-              <a:t>println</a:t>
-            </a:r>
-            <a:r>
-              <a:rPr lang="en-US" dirty="0">
-                <a:latin typeface="Consolas" panose="020B0609020204030204" pitchFamily="49" charset="0"/>
-              </a:rPr>
-              <a:t>(</a:t>
-            </a:r>
-            <a:r>
-              <a:rPr lang="en-US" dirty="0" err="1">
-                <a:latin typeface="Consolas" panose="020B0609020204030204" pitchFamily="49" charset="0"/>
-              </a:rPr>
-              <a:t>p.x</a:t>
-            </a:r>
-            <a:r>
-              <a:rPr lang="en-US" dirty="0">
-                <a:latin typeface="Consolas" panose="020B0609020204030204" pitchFamily="49" charset="0"/>
-              </a:rPr>
-              <a:t>) 			 	</a:t>
-            </a:r>
-            <a:r>
-              <a:rPr lang="en-US" i="1" dirty="0">
-                <a:latin typeface="Consolas" panose="020B0609020204030204" pitchFamily="49" charset="0"/>
-              </a:rPr>
-              <a:t># access field</a:t>
-            </a:r>
-          </a:p>
-          <a:p>
-            <a:pPr marL="0" indent="0">
-              <a:buNone/>
-            </a:pPr>
-            <a:r>
-              <a:rPr lang="en-US" dirty="0" err="1">
-                <a:latin typeface="Consolas" panose="020B0609020204030204" pitchFamily="49" charset="0"/>
-              </a:rPr>
-              <a:t>p.meta</a:t>
-            </a:r>
-            <a:r>
-              <a:rPr lang="en-US" dirty="0">
-                <a:latin typeface="Consolas" panose="020B0609020204030204" pitchFamily="49" charset="0"/>
-              </a:rPr>
-              <a:t> = 2		 	     </a:t>
-            </a:r>
-            <a:r>
-              <a:rPr lang="en-US" i="1" dirty="0">
-                <a:latin typeface="Consolas" panose="020B0609020204030204" pitchFamily="49" charset="0"/>
-              </a:rPr>
-              <a:t># change field value</a:t>
-            </a:r>
-          </a:p>
-          <a:p>
-            <a:pPr marL="0" indent="0">
-              <a:buNone/>
-            </a:pPr>
-            <a:r>
-              <a:rPr lang="en-US" dirty="0">
-                <a:latin typeface="Consolas" panose="020B0609020204030204" pitchFamily="49" charset="0"/>
-              </a:rPr>
-              <a:t>fieldnames(</a:t>
-            </a:r>
-            <a:r>
-              <a:rPr lang="en-US" dirty="0" err="1">
-                <a:latin typeface="Consolas" panose="020B0609020204030204" pitchFamily="49" charset="0"/>
-              </a:rPr>
-              <a:t>typeof</a:t>
-            </a:r>
-            <a:r>
-              <a:rPr lang="en-US" dirty="0">
-                <a:latin typeface="Consolas" panose="020B0609020204030204" pitchFamily="49" charset="0"/>
-              </a:rPr>
-              <a:t>(p)) 	</a:t>
-            </a:r>
-            <a:r>
-              <a:rPr lang="en-US" i="1" dirty="0">
-                <a:latin typeface="Consolas" panose="020B0609020204030204" pitchFamily="49" charset="0"/>
-              </a:rPr>
-              <a:t># get names of instance fields</a:t>
-            </a:r>
-          </a:p>
-          <a:p>
-            <a:pPr marL="0" indent="0">
-              <a:buNone/>
-            </a:pPr>
-            <a:r>
-              <a:rPr lang="en-US" dirty="0">
-                <a:latin typeface="Consolas" panose="020B0609020204030204" pitchFamily="49" charset="0"/>
-              </a:rPr>
-              <a:t>fieldnames(Point) 	     </a:t>
-            </a:r>
-            <a:r>
-              <a:rPr lang="en-US" i="1" dirty="0">
-                <a:latin typeface="Consolas" panose="020B0609020204030204" pitchFamily="49" charset="0"/>
-              </a:rPr>
-              <a:t># get names of type fields</a:t>
-            </a:r>
-            <a:endParaRPr lang="en-US" dirty="0">
+              <a:rPr lang="en-US" sz="2400" dirty="0">
+                <a:latin typeface="Consolas" panose="020B0609020204030204" pitchFamily="49" charset="0"/>
+              </a:rPr>
+              <a:t>trues(3), </a:t>
+            </a:r>
+            <a:r>
+              <a:rPr lang="en-US" sz="2400" dirty="0" err="1">
+                <a:latin typeface="Consolas" panose="020B0609020204030204" pitchFamily="49" charset="0"/>
+              </a:rPr>
+              <a:t>falses</a:t>
+            </a:r>
+            <a:r>
+              <a:rPr lang="en-US" sz="2400" dirty="0">
+                <a:latin typeface="Consolas" panose="020B0609020204030204" pitchFamily="49" charset="0"/>
+              </a:rPr>
+              <a:t>(3) 		</a:t>
+            </a:r>
+            <a:r>
+              <a:rPr lang="en-US" sz="2400" i="1" dirty="0">
+                <a:latin typeface="Consolas" panose="020B0609020204030204" pitchFamily="49" charset="0"/>
+              </a:rPr>
+              <a:t># tuple of vector of trues and of </a:t>
+            </a:r>
+            <a:r>
+              <a:rPr lang="en-US" sz="2400" i="1" dirty="0" err="1">
+                <a:latin typeface="Consolas" panose="020B0609020204030204" pitchFamily="49" charset="0"/>
+              </a:rPr>
+              <a:t>falses</a:t>
+            </a:r>
+            <a:endParaRPr lang="en-US" sz="2400" i="1" dirty="0">
               <a:latin typeface="Consolas" panose="020B0609020204030204" pitchFamily="49" charset="0"/>
             </a:endParaRPr>
           </a:p>
-        </p:txBody>
-      </p:sp>
-      <p:sp>
-        <p:nvSpPr>
-          <p:cNvPr id="5" name="pole tekstowe 3">
-            <a:extLst>
-              <a:ext uri="{FF2B5EF4-FFF2-40B4-BE49-F238E27FC236}">
-                <a16:creationId xmlns:a16="http://schemas.microsoft.com/office/drawing/2014/main" id="{5B55C1EE-B3B9-DEC7-DC8B-22A33912BABC}"/>
-              </a:ext>
-            </a:extLst>
-          </p:cNvPr>
-          <p:cNvSpPr txBox="1"/>
-          <p:nvPr/>
-        </p:nvSpPr>
-        <p:spPr>
-          <a:xfrm>
-            <a:off x="2043453" y="6311900"/>
-            <a:ext cx="9238298" cy="461665"/>
-          </a:xfrm>
-          <a:prstGeom prst="rect">
-            <a:avLst/>
-          </a:prstGeom>
-          <a:noFill/>
-        </p:spPr>
-        <p:txBody>
-          <a:bodyPr wrap="none" rtlCol="0">
-            <a:spAutoFit/>
-          </a:bodyPr>
-          <a:lstStyle/>
-          <a:p>
-            <a:r>
-              <a:rPr lang="en-US" sz="2400" b="1" dirty="0">
-                <a:solidFill>
-                  <a:srgbClr val="7030A0"/>
-                </a:solidFill>
-              </a:rPr>
-              <a:t>Julia is not object oriented language – multiple dispatch is used instead</a:t>
-            </a:r>
-            <a:endParaRPr lang="pl-PL" sz="2400" b="1" dirty="0">
-              <a:solidFill>
-                <a:srgbClr val="7030A0"/>
-              </a:solidFill>
+          <a:p>
+            <a:pPr marL="0" indent="0">
+              <a:buNone/>
+            </a:pPr>
+            <a:endParaRPr lang="en-US" sz="2400" dirty="0">
+              <a:latin typeface="Consolas" panose="020B0609020204030204" pitchFamily="49" charset="0"/>
+            </a:endParaRPr>
+          </a:p>
+          <a:p>
+            <a:pPr marL="0" indent="0">
+              <a:buNone/>
+            </a:pPr>
+            <a:r>
+              <a:rPr lang="en-US" sz="2400" dirty="0">
+                <a:latin typeface="Consolas" panose="020B0609020204030204" pitchFamily="49" charset="0"/>
+              </a:rPr>
+              <a:t>x = range(1, stop=2, length=5)</a:t>
+            </a:r>
+            <a:br>
+              <a:rPr lang="en-US" sz="2400" dirty="0">
+                <a:latin typeface="Consolas" panose="020B0609020204030204" pitchFamily="49" charset="0"/>
+              </a:rPr>
+            </a:br>
+            <a:r>
+              <a:rPr lang="en-US" sz="2400" dirty="0">
+                <a:latin typeface="Consolas" panose="020B0609020204030204" pitchFamily="49" charset="0"/>
+              </a:rPr>
+              <a:t>  </a:t>
+            </a:r>
+            <a:r>
+              <a:rPr lang="en-US" sz="2400" i="1" dirty="0">
+                <a:latin typeface="Consolas" panose="020B0609020204030204" pitchFamily="49" charset="0"/>
+              </a:rPr>
+              <a:t># iterator having 5 equally spaced elements (1.0:0.25:2.0)</a:t>
+            </a:r>
+          </a:p>
+          <a:p>
+            <a:pPr marL="0" indent="0">
+              <a:buNone/>
+            </a:pPr>
+            <a:r>
+              <a:rPr lang="en-US" sz="2400" dirty="0">
+                <a:latin typeface="Consolas" panose="020B0609020204030204" pitchFamily="49" charset="0"/>
+              </a:rPr>
+              <a:t>collect(x) 			</a:t>
+            </a:r>
+            <a:r>
+              <a:rPr lang="en-US" sz="2400" i="1" dirty="0">
+                <a:latin typeface="Consolas" panose="020B0609020204030204" pitchFamily="49" charset="0"/>
+              </a:rPr>
+              <a:t># converts iterator to vector</a:t>
+            </a:r>
+          </a:p>
+          <a:p>
+            <a:pPr marL="0" indent="0">
+              <a:buNone/>
+            </a:pPr>
+            <a:r>
+              <a:rPr lang="en-US" sz="2400" dirty="0">
+                <a:latin typeface="Consolas" panose="020B0609020204030204" pitchFamily="49" charset="0"/>
+              </a:rPr>
+              <a:t>1:10 					</a:t>
+            </a:r>
+            <a:r>
+              <a:rPr lang="en-US" sz="2400" i="1" dirty="0">
+                <a:latin typeface="Consolas" panose="020B0609020204030204" pitchFamily="49" charset="0"/>
+              </a:rPr>
+              <a:t># </a:t>
+            </a:r>
+            <a:r>
+              <a:rPr lang="en-US" sz="2400" i="1" dirty="0" err="1">
+                <a:latin typeface="Consolas" panose="020B0609020204030204" pitchFamily="49" charset="0"/>
+              </a:rPr>
+              <a:t>iterable</a:t>
+            </a:r>
+            <a:r>
+              <a:rPr lang="en-US" sz="2400" i="1" dirty="0">
+                <a:latin typeface="Consolas" panose="020B0609020204030204" pitchFamily="49" charset="0"/>
+              </a:rPr>
+              <a:t> from 1 to 10</a:t>
+            </a:r>
+          </a:p>
+          <a:p>
+            <a:pPr marL="0" indent="0">
+              <a:buNone/>
+            </a:pPr>
+            <a:r>
+              <a:rPr lang="en-US" sz="2400" dirty="0">
+                <a:latin typeface="Consolas" panose="020B0609020204030204" pitchFamily="49" charset="0"/>
+              </a:rPr>
+              <a:t>1:2:10 				</a:t>
+            </a:r>
+            <a:r>
+              <a:rPr lang="en-US" sz="2400" i="1" dirty="0">
+                <a:latin typeface="Consolas" panose="020B0609020204030204" pitchFamily="49" charset="0"/>
+              </a:rPr>
+              <a:t># </a:t>
+            </a:r>
+            <a:r>
+              <a:rPr lang="en-US" sz="2400" i="1" dirty="0" err="1">
+                <a:latin typeface="Consolas" panose="020B0609020204030204" pitchFamily="49" charset="0"/>
+              </a:rPr>
+              <a:t>iterable</a:t>
+            </a:r>
+            <a:r>
+              <a:rPr lang="en-US" sz="2400" i="1" dirty="0">
+                <a:latin typeface="Consolas" panose="020B0609020204030204" pitchFamily="49" charset="0"/>
+              </a:rPr>
+              <a:t> from 1 to 9 with 2 skip</a:t>
+            </a:r>
+          </a:p>
+          <a:p>
+            <a:pPr marL="0" indent="0">
+              <a:buNone/>
+            </a:pPr>
+            <a:r>
+              <a:rPr lang="en-US" sz="2400" dirty="0">
+                <a:latin typeface="Consolas" panose="020B0609020204030204" pitchFamily="49" charset="0"/>
+              </a:rPr>
+              <a:t>reshape(1:12, 3, 4) 		</a:t>
+            </a:r>
+            <a:r>
+              <a:rPr lang="en-US" sz="2400" i="1" dirty="0">
+                <a:latin typeface="Consolas" panose="020B0609020204030204" pitchFamily="49" charset="0"/>
+              </a:rPr>
+              <a:t># 3x4 array filled with 1:12 values</a:t>
+            </a:r>
+            <a:endParaRPr lang="en-US" sz="2400" dirty="0">
+              <a:latin typeface="Consolas" panose="020B0609020204030204" pitchFamily="49" charset="0"/>
             </a:endParaRPr>
           </a:p>
         </p:txBody>
@@ -8569,7 +9032,7 @@
     </p:spTree>
     <p:extLst>
       <p:ext uri="{BB962C8B-B14F-4D97-AF65-F5344CB8AC3E}">
-        <p14:creationId xmlns:p14="http://schemas.microsoft.com/office/powerpoint/2010/main" val="3088582545"/>
+        <p14:creationId xmlns:p14="http://schemas.microsoft.com/office/powerpoint/2010/main" val="1364043305"/>
       </p:ext>
     </p:extLst>
   </p:cSld>
@@ -8598,13 +9061,7 @@
       </p:grpSpPr>
       <p:sp>
         <p:nvSpPr>
-          <p:cNvPr id="2" name="Tytuł 1">
-            <a:extLst>
-              <a:ext uri="{FF2B5EF4-FFF2-40B4-BE49-F238E27FC236}">
-                <a16:creationId xmlns:a16="http://schemas.microsoft.com/office/drawing/2014/main" id="{4B78AACE-8520-4F30-BD95-96AC1ED5C6BA}"/>
-              </a:ext>
-            </a:extLst>
-          </p:cNvPr>
+          <p:cNvPr id="2" name="Tytuł 1"/>
           <p:cNvSpPr>
             <a:spLocks noGrp="1"/>
           </p:cNvSpPr>
@@ -8619,21 +9076,14 @@
           <a:p>
             <a:r>
               <a:rPr lang="en-US" dirty="0"/>
-              <a:t>Default values require a macro</a:t>
-            </a:r>
-            <a:endParaRPr lang="pl-PL" dirty="0"/>
-          </a:p>
-        </p:txBody>
-      </p:sp>
-      <p:sp>
-        <p:nvSpPr>
-          <p:cNvPr id="3" name="Symbol zastępczy zawartości 2">
-            <a:extLst>
-              <a:ext uri="{FF2B5EF4-FFF2-40B4-BE49-F238E27FC236}">
-                <a16:creationId xmlns:a16="http://schemas.microsoft.com/office/drawing/2014/main" id="{4E42F2D1-D7EC-4F17-B7D4-389D385CC646}"/>
-              </a:ext>
-            </a:extLst>
-          </p:cNvPr>
+              <a:t>Data structures</a:t>
+            </a:r>
+          </a:p>
+        </p:txBody>
+      </p:sp>
+      <p:sp>
+        <p:nvSpPr>
+          <p:cNvPr id="3" name="Symbol zastępczy zawartości 2"/>
           <p:cNvSpPr>
             <a:spLocks noGrp="1"/>
           </p:cNvSpPr>
@@ -8641,10 +9091,15 @@
             <p:ph idx="1"/>
           </p:nvPr>
         </p:nvSpPr>
-        <p:spPr/>
+        <p:spPr>
+          <a:xfrm>
+            <a:off x="838200" y="1690688"/>
+            <a:ext cx="10515600" cy="4211760"/>
+          </a:xfrm>
+        </p:spPr>
         <p:txBody>
           <a:bodyPr>
-            <a:normAutofit/>
+            <a:normAutofit fontScale="92500" lnSpcReduction="20000"/>
           </a:bodyPr>
           <a:lstStyle/>
           <a:p>
@@ -8652,22 +9107,118 @@
               <a:buNone/>
             </a:pPr>
             <a:r>
+              <a:rPr lang="en-US" b="1" dirty="0">
+                <a:latin typeface="Consolas" panose="020B0609020204030204" pitchFamily="49" charset="0"/>
+              </a:rPr>
+              <a:t>mutable</a:t>
+            </a:r>
+            <a:r>
               <a:rPr lang="en-US" dirty="0">
                 <a:latin typeface="Consolas" panose="020B0609020204030204" pitchFamily="49" charset="0"/>
               </a:rPr>
-              <a:t>Base.@</a:t>
-            </a:r>
+              <a:t> </a:t>
+            </a:r>
+            <a:r>
+              <a:rPr lang="en-US" b="1" dirty="0">
+                <a:latin typeface="Consolas" panose="020B0609020204030204" pitchFamily="49" charset="0"/>
+              </a:rPr>
+              <a:t>struct</a:t>
+            </a:r>
+            <a:r>
+              <a:rPr lang="en-US" dirty="0">
+                <a:latin typeface="Consolas" panose="020B0609020204030204" pitchFamily="49" charset="0"/>
+              </a:rPr>
+              <a:t> Point</a:t>
+            </a:r>
+          </a:p>
+          <a:p>
+            <a:pPr marL="0" indent="0">
+              <a:buNone/>
+            </a:pPr>
+            <a:r>
+              <a:rPr lang="en-US" dirty="0">
+                <a:latin typeface="Consolas" panose="020B0609020204030204" pitchFamily="49" charset="0"/>
+              </a:rPr>
+              <a:t>	x::Int64</a:t>
+            </a:r>
+          </a:p>
+          <a:p>
+            <a:pPr marL="0" indent="0">
+              <a:buNone/>
+            </a:pPr>
+            <a:r>
+              <a:rPr lang="en-US" dirty="0">
+                <a:latin typeface="Consolas" panose="020B0609020204030204" pitchFamily="49" charset="0"/>
+              </a:rPr>
+              <a:t>	y::Float64</a:t>
+            </a:r>
+          </a:p>
+          <a:p>
+            <a:pPr marL="0" indent="0">
+              <a:buNone/>
+            </a:pPr>
+            <a:r>
+              <a:rPr lang="en-US" dirty="0">
+                <a:latin typeface="Consolas" panose="020B0609020204030204" pitchFamily="49" charset="0"/>
+              </a:rPr>
+              <a:t>	meta</a:t>
+            </a:r>
+          </a:p>
+          <a:p>
+            <a:pPr marL="0" indent="0">
+              <a:buNone/>
+            </a:pPr>
+            <a:r>
+              <a:rPr lang="en-US" b="1" dirty="0">
+                <a:latin typeface="Consolas" panose="020B0609020204030204" pitchFamily="49" charset="0"/>
+              </a:rPr>
+              <a:t>end</a:t>
+            </a:r>
+          </a:p>
+          <a:p>
+            <a:pPr marL="0" indent="0">
+              <a:buNone/>
+            </a:pPr>
+            <a:r>
+              <a:rPr lang="en-US" dirty="0">
+                <a:latin typeface="Consolas" panose="020B0609020204030204" pitchFamily="49" charset="0"/>
+              </a:rPr>
+              <a:t>p = Point(0, 0.0, "Origin")</a:t>
+            </a:r>
+          </a:p>
+          <a:p>
+            <a:pPr marL="0" indent="0">
+              <a:buNone/>
+            </a:pPr>
             <a:r>
               <a:rPr lang="en-US" dirty="0" err="1">
                 <a:latin typeface="Consolas" panose="020B0609020204030204" pitchFamily="49" charset="0"/>
               </a:rPr>
-              <a:t>kwdef</a:t>
+              <a:t>println</a:t>
             </a:r>
             <a:r>
               <a:rPr lang="en-US" dirty="0">
                 <a:latin typeface="Consolas" panose="020B0609020204030204" pitchFamily="49" charset="0"/>
               </a:rPr>
-              <a:t> struct A</a:t>
+              <a:t>(</a:t>
+            </a:r>
+            <a:r>
+              <a:rPr lang="en-US" dirty="0" err="1">
+                <a:latin typeface="Consolas" panose="020B0609020204030204" pitchFamily="49" charset="0"/>
+              </a:rPr>
+              <a:t>p.x</a:t>
+            </a:r>
+            <a:r>
+              <a:rPr lang="en-US" dirty="0">
+                <a:latin typeface="Consolas" panose="020B0609020204030204" pitchFamily="49" charset="0"/>
+              </a:rPr>
+              <a:t>) 			 	</a:t>
+            </a:r>
+            <a:r>
+              <a:rPr lang="en-US" i="1" dirty="0">
+                <a:latin typeface="Consolas" panose="020B0609020204030204" pitchFamily="49" charset="0"/>
+              </a:rPr>
+              <a:t># access field</a:t>
             </a:r>
           </a:p>
           <a:p>
@@ -8675,10 +9226,22 @@
               <a:buNone/>
             </a:pPr>
             <a:r>
+              <a:rPr lang="en-US" dirty="0" err="1">
+                <a:latin typeface="Consolas" panose="020B0609020204030204" pitchFamily="49" charset="0"/>
+              </a:rPr>
+              <a:t>p.meta</a:t>
+            </a:r>
+            <a:r>
               <a:rPr lang="en-US" dirty="0">
                 <a:latin typeface="Consolas" panose="020B0609020204030204" pitchFamily="49" charset="0"/>
               </a:rPr>
-              <a:t>    a::Int = 6</a:t>
+              <a:t> = 2		 	     </a:t>
+            </a:r>
+            <a:r>
+              <a:rPr lang="en-US" i="1" dirty="0">
+                <a:latin typeface="Consolas" panose="020B0609020204030204" pitchFamily="49" charset="0"/>
+              </a:rPr>
+              <a:t># change field value</a:t>
             </a:r>
           </a:p>
           <a:p>
@@ -8689,7 +9252,25 @@
               <a:rPr lang="en-US" dirty="0">
                 <a:latin typeface="Consolas" panose="020B0609020204030204" pitchFamily="49" charset="0"/>
               </a:rPr>
-              <a:t>    b::Float64 = -1.1</a:t>
+              <a:t>fieldnames(</a:t>
+            </a:r>
+            <a:r>
+              <a:rPr lang="en-US" dirty="0" err="1">
+                <a:latin typeface="Consolas" panose="020B0609020204030204" pitchFamily="49" charset="0"/>
+              </a:rPr>
+              <a:t>typeof</a:t>
+            </a:r>
+            <a:r>
+              <a:rPr lang="en-US" dirty="0">
+                <a:latin typeface="Consolas" panose="020B0609020204030204" pitchFamily="49" charset="0"/>
+              </a:rPr>
+              <a:t>(p)) 	</a:t>
+            </a:r>
+            <a:r>
+              <a:rPr lang="en-US" i="1" dirty="0">
+                <a:latin typeface="Consolas" panose="020B0609020204030204" pitchFamily="49" charset="0"/>
+              </a:rPr>
+              <a:t># get names of instance fields</a:t>
             </a:r>
           </a:p>
           <a:p>
@@ -8700,43 +9281,60 @@
               <a:rPr lang="en-US" dirty="0">
                 <a:latin typeface="Consolas" panose="020B0609020204030204" pitchFamily="49" charset="0"/>
               </a:rPr>
-              <a:t>    c::UInt8 = 1</a:t>
-            </a:r>
-          </a:p>
-          <a:p>
-            <a:pPr marL="0" indent="0">
-              <a:buNone/>
-            </a:pPr>
-            <a:r>
-              <a:rPr lang="en-US" dirty="0">
-                <a:latin typeface="Consolas" panose="020B0609020204030204" pitchFamily="49" charset="0"/>
-              </a:rPr>
-              <a:t>end</a:t>
-            </a:r>
-          </a:p>
-          <a:p>
-            <a:pPr marL="0" indent="0">
-              <a:buNone/>
-            </a:pPr>
-            <a:r>
-              <a:rPr lang="en-US" dirty="0">
-                <a:latin typeface="Consolas" panose="020B0609020204030204" pitchFamily="49" charset="0"/>
-              </a:rPr>
-              <a:t>A()</a:t>
-            </a:r>
-          </a:p>
-          <a:p>
-            <a:pPr marL="0" indent="0">
-              <a:buNone/>
-            </a:pPr>
-            <a:r>
-              <a:rPr lang="en-US" dirty="0">
-                <a:latin typeface="Consolas" panose="020B0609020204030204" pitchFamily="49" charset="0"/>
-              </a:rPr>
-              <a:t>A(a=2, c=4)</a:t>
-            </a:r>
-            <a:endParaRPr lang="pl-PL" dirty="0">
+              <a:t>fieldnames(Point) 	     </a:t>
+            </a:r>
+            <a:r>
+              <a:rPr lang="en-US" i="1" dirty="0">
+                <a:latin typeface="Consolas" panose="020B0609020204030204" pitchFamily="49" charset="0"/>
+              </a:rPr>
+              <a:t># get names of type fields</a:t>
+            </a:r>
+            <a:endParaRPr lang="en-US" dirty="0">
               <a:latin typeface="Consolas" panose="020B0609020204030204" pitchFamily="49" charset="0"/>
+            </a:endParaRPr>
+          </a:p>
+        </p:txBody>
+      </p:sp>
+      <p:sp>
+        <p:nvSpPr>
+          <p:cNvPr id="5" name="pole tekstowe 3">
+            <a:extLst>
+              <a:ext uri="{FF2B5EF4-FFF2-40B4-BE49-F238E27FC236}">
+                <a16:creationId xmlns:a16="http://schemas.microsoft.com/office/drawing/2014/main" id="{5B55C1EE-B3B9-DEC7-DC8B-22A33912BABC}"/>
+              </a:ext>
+            </a:extLst>
+          </p:cNvPr>
+          <p:cNvSpPr txBox="1"/>
+          <p:nvPr/>
+        </p:nvSpPr>
+        <p:spPr>
+          <a:xfrm>
+            <a:off x="2043453" y="6311900"/>
+            <a:ext cx="9238298" cy="461665"/>
+          </a:xfrm>
+          <a:prstGeom prst="rect">
+            <a:avLst/>
+          </a:prstGeom>
+          <a:noFill/>
+        </p:spPr>
+        <p:txBody>
+          <a:bodyPr wrap="none" rtlCol="0">
+            <a:spAutoFit/>
+          </a:bodyPr>
+          <a:lstStyle/>
+          <a:p>
+            <a:r>
+              <a:rPr lang="en-US" sz="2400" b="1" dirty="0">
+                <a:solidFill>
+                  <a:srgbClr val="7030A0"/>
+                </a:solidFill>
+              </a:rPr>
+              <a:t>Julia is not object oriented language – multiple dispatch is used instead</a:t>
+            </a:r>
+            <a:endParaRPr lang="pl-PL" sz="2400" b="1" dirty="0">
+              <a:solidFill>
+                <a:srgbClr val="7030A0"/>
+              </a:solidFill>
             </a:endParaRPr>
           </a:p>
         </p:txBody>
@@ -8744,7 +9342,7 @@
     </p:spTree>
     <p:extLst>
       <p:ext uri="{BB962C8B-B14F-4D97-AF65-F5344CB8AC3E}">
-        <p14:creationId xmlns:p14="http://schemas.microsoft.com/office/powerpoint/2010/main" val="3492557483"/>
+        <p14:creationId xmlns:p14="http://schemas.microsoft.com/office/powerpoint/2010/main" val="3088582545"/>
       </p:ext>
     </p:extLst>
   </p:cSld>
@@ -8773,7 +9371,13 @@
       </p:grpSpPr>
       <p:sp>
         <p:nvSpPr>
-          <p:cNvPr id="2" name="Tytuł 1"/>
+          <p:cNvPr id="2" name="Tytuł 1">
+            <a:extLst>
+              <a:ext uri="{FF2B5EF4-FFF2-40B4-BE49-F238E27FC236}">
+                <a16:creationId xmlns:a16="http://schemas.microsoft.com/office/drawing/2014/main" id="{4B78AACE-8520-4F30-BD95-96AC1ED5C6BA}"/>
+              </a:ext>
+            </a:extLst>
+          </p:cNvPr>
           <p:cNvSpPr>
             <a:spLocks noGrp="1"/>
           </p:cNvSpPr>
@@ -8788,14 +9392,21 @@
           <a:p>
             <a:r>
               <a:rPr lang="en-US" dirty="0"/>
-              <a:t>Dictionaries</a:t>
-            </a:r>
-          </a:p>
-        </p:txBody>
-      </p:sp>
-      <p:sp>
-        <p:nvSpPr>
-          <p:cNvPr id="3" name="Symbol zastępczy zawartości 2"/>
+              <a:t>Default values require a macro</a:t>
+            </a:r>
+            <a:endParaRPr lang="pl-PL" dirty="0"/>
+          </a:p>
+        </p:txBody>
+      </p:sp>
+      <p:sp>
+        <p:nvSpPr>
+          <p:cNvPr id="3" name="Symbol zastępczy zawartości 2">
+            <a:extLst>
+              <a:ext uri="{FF2B5EF4-FFF2-40B4-BE49-F238E27FC236}">
+                <a16:creationId xmlns:a16="http://schemas.microsoft.com/office/drawing/2014/main" id="{4E42F2D1-D7EC-4F17-B7D4-389D385CC646}"/>
+              </a:ext>
+            </a:extLst>
+          </p:cNvPr>
           <p:cNvSpPr>
             <a:spLocks noGrp="1"/>
           </p:cNvSpPr>
@@ -8803,12 +9414,7 @@
             <p:ph idx="1"/>
           </p:nvPr>
         </p:nvSpPr>
-        <p:spPr>
-          <a:xfrm>
-            <a:off x="274320" y="1856105"/>
-            <a:ext cx="11811000" cy="4351338"/>
-          </a:xfrm>
-        </p:spPr>
+        <p:spPr/>
         <p:txBody>
           <a:bodyPr>
             <a:normAutofit/>
@@ -8819,34 +9425,22 @@
               <a:buNone/>
             </a:pPr>
             <a:r>
-              <a:rPr lang="en-US" sz="2400" dirty="0">
-                <a:latin typeface="Consolas" panose="020B0609020204030204" pitchFamily="49" charset="0"/>
-              </a:rPr>
-              <a:t>x = </a:t>
-            </a:r>
-            <a:r>
-              <a:rPr lang="en-US" sz="2400" dirty="0" err="1">
-                <a:latin typeface="Consolas" panose="020B0609020204030204" pitchFamily="49" charset="0"/>
-              </a:rPr>
-              <a:t>Dict</a:t>
-            </a:r>
-            <a:r>
-              <a:rPr lang="en-US" sz="2400" dirty="0">
-                <a:latin typeface="Consolas" panose="020B0609020204030204" pitchFamily="49" charset="0"/>
-              </a:rPr>
-              <a:t>{Int</a:t>
-            </a:r>
-            <a:r>
-              <a:rPr lang="pl-PL" sz="2400" dirty="0">
-                <a:latin typeface="Consolas" panose="020B0609020204030204" pitchFamily="49" charset="0"/>
-              </a:rPr>
-              <a:t>, Float64</a:t>
-            </a:r>
-            <a:r>
-              <a:rPr lang="en-US" sz="2400" dirty="0">
-                <a:latin typeface="Consolas" panose="020B0609020204030204" pitchFamily="49" charset="0"/>
-              </a:rPr>
-              <a:t>}() </a:t>
+              <a:rPr lang="en-US" dirty="0">
+                <a:latin typeface="Consolas" panose="020B0609020204030204" pitchFamily="49" charset="0"/>
+              </a:rPr>
+              <a:t>Base.@</a:t>
+            </a:r>
+            <a:r>
+              <a:rPr lang="en-US" dirty="0" err="1">
+                <a:latin typeface="Consolas" panose="020B0609020204030204" pitchFamily="49" charset="0"/>
+              </a:rPr>
+              <a:t>kwdef</a:t>
+            </a:r>
+            <a:r>
+              <a:rPr lang="en-US" dirty="0">
+                <a:latin typeface="Consolas" panose="020B0609020204030204" pitchFamily="49" charset="0"/>
+              </a:rPr>
+              <a:t> struct A</a:t>
             </a:r>
           </a:p>
           <a:p>
@@ -8854,10 +9448,10 @@
               <a:buNone/>
             </a:pPr>
             <a:r>
-              <a:rPr lang="en-US" sz="2400" i="1" dirty="0">
-                <a:latin typeface="Consolas" panose="020B0609020204030204" pitchFamily="49" charset="0"/>
-              </a:rPr>
-              <a:t>	# empty dictionary (types for keys and values are defined)</a:t>
+              <a:rPr lang="en-US" dirty="0">
+                <a:latin typeface="Consolas" panose="020B0609020204030204" pitchFamily="49" charset="0"/>
+              </a:rPr>
+              <a:t>    a::Int = 6</a:t>
             </a:r>
           </a:p>
           <a:p>
@@ -8865,76 +9459,10 @@
               <a:buNone/>
             </a:pPr>
             <a:r>
-              <a:rPr lang="en-US" sz="2400" dirty="0">
-                <a:latin typeface="Consolas" panose="020B0609020204030204" pitchFamily="49" charset="0"/>
-              </a:rPr>
-              <a:t>y = </a:t>
-            </a:r>
-            <a:r>
-              <a:rPr lang="en-US" sz="2400" dirty="0" err="1">
-                <a:latin typeface="Consolas" panose="020B0609020204030204" pitchFamily="49" charset="0"/>
-              </a:rPr>
-              <a:t>Dict</a:t>
-            </a:r>
-            <a:r>
-              <a:rPr lang="en-US" sz="2400" dirty="0">
-                <a:latin typeface="Consolas" panose="020B0609020204030204" pitchFamily="49" charset="0"/>
-              </a:rPr>
-              <a:t>(</a:t>
-            </a:r>
-            <a:r>
-              <a:rPr lang="pl-PL" sz="2400" dirty="0">
-                <a:latin typeface="Consolas" panose="020B0609020204030204" pitchFamily="49" charset="0"/>
-              </a:rPr>
-              <a:t>1</a:t>
-            </a:r>
-            <a:r>
-              <a:rPr lang="en-US" sz="2400" dirty="0">
-                <a:latin typeface="Consolas" panose="020B0609020204030204" pitchFamily="49" charset="0"/>
-              </a:rPr>
-              <a:t>=&gt;</a:t>
-            </a:r>
-            <a:r>
-              <a:rPr lang="pl-PL" sz="2400" dirty="0">
-                <a:latin typeface="Consolas" panose="020B0609020204030204" pitchFamily="49" charset="0"/>
-              </a:rPr>
-              <a:t>5.5</a:t>
-            </a:r>
-            <a:r>
-              <a:rPr lang="en-US" sz="2400" dirty="0">
-                <a:latin typeface="Consolas" panose="020B0609020204030204" pitchFamily="49" charset="0"/>
-              </a:rPr>
-              <a:t>, </a:t>
-            </a:r>
-            <a:r>
-              <a:rPr lang="pl-PL" sz="2400" dirty="0">
-                <a:latin typeface="Consolas" panose="020B0609020204030204" pitchFamily="49" charset="0"/>
-              </a:rPr>
-              <a:t>2</a:t>
-            </a:r>
-            <a:r>
-              <a:rPr lang="en-US" sz="2400" dirty="0">
-                <a:latin typeface="Consolas" panose="020B0609020204030204" pitchFamily="49" charset="0"/>
-              </a:rPr>
-              <a:t>=&gt;</a:t>
-            </a:r>
-            <a:r>
-              <a:rPr lang="pl-PL" sz="2400" dirty="0">
-                <a:latin typeface="Consolas" panose="020B0609020204030204" pitchFamily="49" charset="0"/>
-              </a:rPr>
-              <a:t>4.5</a:t>
-            </a:r>
-            <a:r>
-              <a:rPr lang="en-US" sz="2400" dirty="0">
-                <a:latin typeface="Consolas" panose="020B0609020204030204" pitchFamily="49" charset="0"/>
-              </a:rPr>
-              <a:t>) 		</a:t>
-            </a:r>
-            <a:r>
-              <a:rPr lang="en-US" sz="2400" i="1" dirty="0">
-                <a:latin typeface="Consolas" panose="020B0609020204030204" pitchFamily="49" charset="0"/>
-              </a:rPr>
-              <a:t># dictionary</a:t>
+              <a:rPr lang="en-US" dirty="0">
+                <a:latin typeface="Consolas" panose="020B0609020204030204" pitchFamily="49" charset="0"/>
+              </a:rPr>
+              <a:t>    b::Float64 = -1.1</a:t>
             </a:r>
           </a:p>
           <a:p>
@@ -8942,40 +9470,10 @@
               <a:buNone/>
             </a:pPr>
             <a:r>
-              <a:rPr lang="en-US" sz="2400" dirty="0">
-                <a:latin typeface="Consolas" panose="020B0609020204030204" pitchFamily="49" charset="0"/>
-              </a:rPr>
-              <a:t>y[</a:t>
-            </a:r>
-            <a:r>
-              <a:rPr lang="pl-PL" sz="2400" dirty="0">
-                <a:latin typeface="Consolas" panose="020B0609020204030204" pitchFamily="49" charset="0"/>
-              </a:rPr>
-              <a:t>2</a:t>
-            </a:r>
-            <a:r>
-              <a:rPr lang="en-US" sz="2400" dirty="0">
-                <a:latin typeface="Consolas" panose="020B0609020204030204" pitchFamily="49" charset="0"/>
-              </a:rPr>
-              <a:t>] 		</a:t>
-            </a:r>
-            <a:r>
-              <a:rPr lang="pl-PL" sz="2400" dirty="0">
-                <a:latin typeface="Consolas" panose="020B0609020204030204" pitchFamily="49" charset="0"/>
-              </a:rPr>
-              <a:t>	</a:t>
-            </a:r>
-            <a:r>
-              <a:rPr lang="en-US" sz="2400" dirty="0">
-                <a:latin typeface="Consolas" panose="020B0609020204030204" pitchFamily="49" charset="0"/>
-              </a:rPr>
-              <a:t>			</a:t>
-            </a:r>
-            <a:r>
-              <a:rPr lang="en-US" sz="2400" i="1" dirty="0">
-                <a:latin typeface="Consolas" panose="020B0609020204030204" pitchFamily="49" charset="0"/>
-              </a:rPr>
-              <a:t># return element</a:t>
+              <a:rPr lang="en-US" dirty="0">
+                <a:latin typeface="Consolas" panose="020B0609020204030204" pitchFamily="49" charset="0"/>
+              </a:rPr>
+              <a:t>    c::UInt8 = 1</a:t>
             </a:r>
           </a:p>
           <a:p>
@@ -8983,102 +9481,43 @@
               <a:buNone/>
             </a:pPr>
             <a:r>
-              <a:rPr lang="en-US" sz="2400" dirty="0">
-                <a:latin typeface="Consolas" panose="020B0609020204030204" pitchFamily="49" charset="0"/>
-              </a:rPr>
-              <a:t>y[</a:t>
-            </a:r>
-            <a:r>
-              <a:rPr lang="pl-PL" sz="2400" dirty="0">
-                <a:latin typeface="Consolas" panose="020B0609020204030204" pitchFamily="49" charset="0"/>
-              </a:rPr>
-              <a:t>3</a:t>
-            </a:r>
-            <a:r>
-              <a:rPr lang="en-US" sz="2400" dirty="0">
-                <a:latin typeface="Consolas" panose="020B0609020204030204" pitchFamily="49" charset="0"/>
-              </a:rPr>
-              <a:t>] = 3</a:t>
-            </a:r>
-            <a:r>
-              <a:rPr lang="pl-PL" sz="2400" dirty="0">
-                <a:latin typeface="Consolas" panose="020B0609020204030204" pitchFamily="49" charset="0"/>
-              </a:rPr>
-              <a:t>0.0</a:t>
-            </a:r>
-            <a:r>
-              <a:rPr lang="en-US" sz="2400" dirty="0">
-                <a:latin typeface="Consolas" panose="020B0609020204030204" pitchFamily="49" charset="0"/>
-              </a:rPr>
-              <a:t> 				</a:t>
-            </a:r>
-            <a:r>
-              <a:rPr lang="en-US" sz="2400" i="1" dirty="0">
-                <a:latin typeface="Consolas" panose="020B0609020204030204" pitchFamily="49" charset="0"/>
-              </a:rPr>
-              <a:t># add element</a:t>
+              <a:rPr lang="en-US" dirty="0">
+                <a:latin typeface="Consolas" panose="020B0609020204030204" pitchFamily="49" charset="0"/>
+              </a:rPr>
+              <a:t>end</a:t>
             </a:r>
           </a:p>
           <a:p>
             <a:pPr marL="0" indent="0">
               <a:buNone/>
             </a:pPr>
-            <a:endParaRPr lang="en-US" sz="2400" dirty="0">
+            <a:r>
+              <a:rPr lang="en-US" dirty="0">
+                <a:latin typeface="Consolas" panose="020B0609020204030204" pitchFamily="49" charset="0"/>
+              </a:rPr>
+              <a:t>A()</a:t>
+            </a:r>
+          </a:p>
+          <a:p>
+            <a:pPr marL="0" indent="0">
+              <a:buNone/>
+            </a:pPr>
+            <a:r>
+              <a:rPr lang="en-US" dirty="0">
+                <a:latin typeface="Consolas" panose="020B0609020204030204" pitchFamily="49" charset="0"/>
+              </a:rPr>
+              <a:t>A(a=2, c=4)</a:t>
+            </a:r>
+            <a:endParaRPr lang="pl-PL" dirty="0">
               <a:latin typeface="Consolas" panose="020B0609020204030204" pitchFamily="49" charset="0"/>
             </a:endParaRPr>
-          </a:p>
-          <a:p>
-            <a:pPr marL="0" indent="0">
-              <a:buNone/>
-            </a:pPr>
-            <a:r>
-              <a:rPr lang="en-US" sz="2400" dirty="0">
-                <a:latin typeface="Consolas" panose="020B0609020204030204" pitchFamily="49" charset="0"/>
-              </a:rPr>
-              <a:t>keys(y), values(y) </a:t>
-            </a:r>
-            <a:r>
-              <a:rPr lang="en-US" sz="2400" i="1" dirty="0">
-                <a:latin typeface="Consolas" panose="020B0609020204030204" pitchFamily="49" charset="0"/>
-              </a:rPr>
-              <a:t>			# </a:t>
-            </a:r>
-            <a:r>
-              <a:rPr lang="pl-PL" sz="2400" i="1" dirty="0" err="1">
-                <a:latin typeface="Consolas" panose="020B0609020204030204" pitchFamily="49" charset="0"/>
-              </a:rPr>
-              <a:t>iterator</a:t>
-            </a:r>
-            <a:r>
-              <a:rPr lang="en-US" sz="2400" i="1" dirty="0">
-                <a:latin typeface="Consolas" panose="020B0609020204030204" pitchFamily="49" charset="0"/>
-              </a:rPr>
-              <a:t>s</a:t>
-            </a:r>
-          </a:p>
-          <a:p>
-            <a:pPr marL="0" indent="0">
-              <a:buNone/>
-            </a:pPr>
-            <a:r>
-              <a:rPr lang="en-US" sz="2400" dirty="0" err="1">
-                <a:latin typeface="Consolas" panose="020B0609020204030204" pitchFamily="49" charset="0"/>
-              </a:rPr>
-              <a:t>haskey</a:t>
-            </a:r>
-            <a:r>
-              <a:rPr lang="en-US" sz="2400" dirty="0">
-                <a:latin typeface="Consolas" panose="020B0609020204030204" pitchFamily="49" charset="0"/>
-              </a:rPr>
-              <a:t>(y)</a:t>
-            </a:r>
           </a:p>
         </p:txBody>
       </p:sp>
     </p:spTree>
     <p:extLst>
       <p:ext uri="{BB962C8B-B14F-4D97-AF65-F5344CB8AC3E}">
-        <p14:creationId xmlns:p14="http://schemas.microsoft.com/office/powerpoint/2010/main" val="793120154"/>
+        <p14:creationId xmlns:p14="http://schemas.microsoft.com/office/powerpoint/2010/main" val="3492557483"/>
       </p:ext>
     </p:extLst>
   </p:cSld>
@@ -9122,7 +9561,7 @@
           <a:p>
             <a:r>
               <a:rPr lang="en-US" dirty="0"/>
-              <a:t>Texts and interpolations</a:t>
+              <a:t>Dictionaries</a:t>
             </a:r>
           </a:p>
         </p:txBody>
@@ -9139,8 +9578,8 @@
         </p:nvSpPr>
         <p:spPr>
           <a:xfrm>
-            <a:off x="1183103" y="1825624"/>
-            <a:ext cx="11353800" cy="4819015"/>
+            <a:off x="274320" y="1856105"/>
+            <a:ext cx="11811000" cy="4351338"/>
           </a:xfrm>
         </p:spPr>
         <p:txBody>
@@ -9153,16 +9592,34 @@
               <a:buNone/>
             </a:pPr>
             <a:r>
-              <a:rPr lang="en-US" sz="2000" dirty="0">
-                <a:latin typeface="Consolas" panose="020B0609020204030204" pitchFamily="49" charset="0"/>
-              </a:rPr>
-              <a:t>"Hi " * "there!" 		</a:t>
-            </a:r>
-            <a:r>
-              <a:rPr lang="en-US" sz="2000" i="1" dirty="0">
-                <a:latin typeface="Consolas" panose="020B0609020204030204" pitchFamily="49" charset="0"/>
-              </a:rPr>
-              <a:t># concatenation</a:t>
+              <a:rPr lang="en-US" sz="2400" dirty="0">
+                <a:latin typeface="Consolas" panose="020B0609020204030204" pitchFamily="49" charset="0"/>
+              </a:rPr>
+              <a:t>x = </a:t>
+            </a:r>
+            <a:r>
+              <a:rPr lang="en-US" sz="2400" dirty="0" err="1">
+                <a:latin typeface="Consolas" panose="020B0609020204030204" pitchFamily="49" charset="0"/>
+              </a:rPr>
+              <a:t>Dict</a:t>
+            </a:r>
+            <a:r>
+              <a:rPr lang="en-US" sz="2400" dirty="0">
+                <a:latin typeface="Consolas" panose="020B0609020204030204" pitchFamily="49" charset="0"/>
+              </a:rPr>
+              <a:t>{Int</a:t>
+            </a:r>
+            <a:r>
+              <a:rPr lang="pl-PL" sz="2400" dirty="0">
+                <a:latin typeface="Consolas" panose="020B0609020204030204" pitchFamily="49" charset="0"/>
+              </a:rPr>
+              <a:t>, Float64</a:t>
+            </a:r>
+            <a:r>
+              <a:rPr lang="en-US" sz="2400" dirty="0">
+                <a:latin typeface="Consolas" panose="020B0609020204030204" pitchFamily="49" charset="0"/>
+              </a:rPr>
+              <a:t>}() </a:t>
             </a:r>
           </a:p>
           <a:p>
@@ -9170,23 +9627,176 @@
               <a:buNone/>
             </a:pPr>
             <a:r>
-              <a:rPr lang="en-US" sz="2000" dirty="0">
-                <a:latin typeface="Consolas" panose="020B0609020204030204" pitchFamily="49" charset="0"/>
-              </a:rPr>
-              <a:t>string("a= ", 123.3) 	</a:t>
-            </a:r>
-            <a:r>
-              <a:rPr lang="en-US" sz="2000" i="1" dirty="0">
-                <a:latin typeface="Consolas" panose="020B0609020204030204" pitchFamily="49" charset="0"/>
-              </a:rPr>
-              <a:t># concatenation</a:t>
+              <a:rPr lang="en-US" sz="2400" i="1" dirty="0">
+                <a:latin typeface="Consolas" panose="020B0609020204030204" pitchFamily="49" charset="0"/>
+              </a:rPr>
+              <a:t>	# empty dictionary (types for keys and values are defined)</a:t>
             </a:r>
           </a:p>
           <a:p>
             <a:pPr marL="0" indent="0">
               <a:buNone/>
             </a:pPr>
-            <a:endParaRPr lang="en-US" sz="2000" dirty="0">
+            <a:r>
+              <a:rPr lang="en-US" sz="2400" dirty="0">
+                <a:latin typeface="Consolas" panose="020B0609020204030204" pitchFamily="49" charset="0"/>
+              </a:rPr>
+              <a:t>y = </a:t>
+            </a:r>
+            <a:r>
+              <a:rPr lang="en-US" sz="2400" dirty="0" err="1">
+                <a:latin typeface="Consolas" panose="020B0609020204030204" pitchFamily="49" charset="0"/>
+              </a:rPr>
+              <a:t>Dict</a:t>
+            </a:r>
+            <a:r>
+              <a:rPr lang="en-US" sz="2400" dirty="0">
+                <a:latin typeface="Consolas" panose="020B0609020204030204" pitchFamily="49" charset="0"/>
+              </a:rPr>
+              <a:t>(</a:t>
+            </a:r>
+            <a:r>
+              <a:rPr lang="pl-PL" sz="2400" dirty="0">
+                <a:latin typeface="Consolas" panose="020B0609020204030204" pitchFamily="49" charset="0"/>
+              </a:rPr>
+              <a:t>1</a:t>
+            </a:r>
+            <a:r>
+              <a:rPr lang="en-US" sz="2400" dirty="0">
+                <a:latin typeface="Consolas" panose="020B0609020204030204" pitchFamily="49" charset="0"/>
+              </a:rPr>
+              <a:t>=&gt;</a:t>
+            </a:r>
+            <a:r>
+              <a:rPr lang="pl-PL" sz="2400" dirty="0">
+                <a:latin typeface="Consolas" panose="020B0609020204030204" pitchFamily="49" charset="0"/>
+              </a:rPr>
+              <a:t>5.5</a:t>
+            </a:r>
+            <a:r>
+              <a:rPr lang="en-US" sz="2400" dirty="0">
+                <a:latin typeface="Consolas" panose="020B0609020204030204" pitchFamily="49" charset="0"/>
+              </a:rPr>
+              <a:t>, </a:t>
+            </a:r>
+            <a:r>
+              <a:rPr lang="pl-PL" sz="2400" dirty="0">
+                <a:latin typeface="Consolas" panose="020B0609020204030204" pitchFamily="49" charset="0"/>
+              </a:rPr>
+              <a:t>2</a:t>
+            </a:r>
+            <a:r>
+              <a:rPr lang="en-US" sz="2400" dirty="0">
+                <a:latin typeface="Consolas" panose="020B0609020204030204" pitchFamily="49" charset="0"/>
+              </a:rPr>
+              <a:t>=&gt;</a:t>
+            </a:r>
+            <a:r>
+              <a:rPr lang="pl-PL" sz="2400" dirty="0">
+                <a:latin typeface="Consolas" panose="020B0609020204030204" pitchFamily="49" charset="0"/>
+              </a:rPr>
+              <a:t>4.5</a:t>
+            </a:r>
+            <a:r>
+              <a:rPr lang="en-US" sz="2400" dirty="0">
+                <a:latin typeface="Consolas" panose="020B0609020204030204" pitchFamily="49" charset="0"/>
+              </a:rPr>
+              <a:t>) 		</a:t>
+            </a:r>
+            <a:r>
+              <a:rPr lang="en-US" sz="2400" i="1" dirty="0">
+                <a:latin typeface="Consolas" panose="020B0609020204030204" pitchFamily="49" charset="0"/>
+              </a:rPr>
+              <a:t># dictionary</a:t>
+            </a:r>
+          </a:p>
+          <a:p>
+            <a:pPr marL="0" indent="0">
+              <a:buNone/>
+            </a:pPr>
+            <a:r>
+              <a:rPr lang="en-US" sz="2400" dirty="0">
+                <a:latin typeface="Consolas" panose="020B0609020204030204" pitchFamily="49" charset="0"/>
+              </a:rPr>
+              <a:t>y[</a:t>
+            </a:r>
+            <a:r>
+              <a:rPr lang="pl-PL" sz="2400" dirty="0">
+                <a:latin typeface="Consolas" panose="020B0609020204030204" pitchFamily="49" charset="0"/>
+              </a:rPr>
+              <a:t>2</a:t>
+            </a:r>
+            <a:r>
+              <a:rPr lang="en-US" sz="2400" dirty="0">
+                <a:latin typeface="Consolas" panose="020B0609020204030204" pitchFamily="49" charset="0"/>
+              </a:rPr>
+              <a:t>] 		</a:t>
+            </a:r>
+            <a:r>
+              <a:rPr lang="pl-PL" sz="2400" dirty="0">
+                <a:latin typeface="Consolas" panose="020B0609020204030204" pitchFamily="49" charset="0"/>
+              </a:rPr>
+              <a:t>	</a:t>
+            </a:r>
+            <a:r>
+              <a:rPr lang="en-US" sz="2400" dirty="0">
+                <a:latin typeface="Consolas" panose="020B0609020204030204" pitchFamily="49" charset="0"/>
+              </a:rPr>
+              <a:t>			</a:t>
+            </a:r>
+            <a:r>
+              <a:rPr lang="en-US" sz="2400" i="1" dirty="0">
+                <a:latin typeface="Consolas" panose="020B0609020204030204" pitchFamily="49" charset="0"/>
+              </a:rPr>
+              <a:t># return element</a:t>
+            </a:r>
+          </a:p>
+          <a:p>
+            <a:pPr marL="0" indent="0">
+              <a:buNone/>
+            </a:pPr>
+            <a:r>
+              <a:rPr lang="en-US" sz="2400" dirty="0">
+                <a:latin typeface="Consolas" panose="020B0609020204030204" pitchFamily="49" charset="0"/>
+              </a:rPr>
+              <a:t>y[</a:t>
+            </a:r>
+            <a:r>
+              <a:rPr lang="pl-PL" sz="2400" dirty="0">
+                <a:latin typeface="Consolas" panose="020B0609020204030204" pitchFamily="49" charset="0"/>
+              </a:rPr>
+              <a:t>3</a:t>
+            </a:r>
+            <a:r>
+              <a:rPr lang="en-US" sz="2400" dirty="0">
+                <a:latin typeface="Consolas" panose="020B0609020204030204" pitchFamily="49" charset="0"/>
+              </a:rPr>
+              <a:t>] = 3</a:t>
+            </a:r>
+            <a:r>
+              <a:rPr lang="pl-PL" sz="2400" dirty="0">
+                <a:latin typeface="Consolas" panose="020B0609020204030204" pitchFamily="49" charset="0"/>
+              </a:rPr>
+              <a:t>0.0</a:t>
+            </a:r>
+            <a:r>
+              <a:rPr lang="en-US" sz="2400" dirty="0">
+                <a:latin typeface="Consolas" panose="020B0609020204030204" pitchFamily="49" charset="0"/>
+              </a:rPr>
+              <a:t> 				</a:t>
+            </a:r>
+            <a:r>
+              <a:rPr lang="en-US" sz="2400" i="1" dirty="0">
+                <a:latin typeface="Consolas" panose="020B0609020204030204" pitchFamily="49" charset="0"/>
+              </a:rPr>
+              <a:t># add element</a:t>
+            </a:r>
+          </a:p>
+          <a:p>
+            <a:pPr marL="0" indent="0">
+              <a:buNone/>
+            </a:pPr>
+            <a:endParaRPr lang="en-US" sz="2400" dirty="0">
               <a:latin typeface="Consolas" panose="020B0609020204030204" pitchFamily="49" charset="0"/>
             </a:endParaRPr>
           </a:p>
@@ -9195,10 +9805,28 @@
               <a:buNone/>
             </a:pPr>
             <a:r>
-              <a:rPr lang="en-US" sz="2000" dirty="0">
-                <a:latin typeface="Consolas" panose="020B0609020204030204" pitchFamily="49" charset="0"/>
-              </a:rPr>
-              <a:t>x = 123</a:t>
+              <a:rPr lang="en-US" sz="2400" dirty="0">
+                <a:latin typeface="Consolas" panose="020B0609020204030204" pitchFamily="49" charset="0"/>
+              </a:rPr>
+              <a:t>keys(y), values(y) </a:t>
+            </a:r>
+            <a:r>
+              <a:rPr lang="en-US" sz="2400" i="1" dirty="0">
+                <a:latin typeface="Consolas" panose="020B0609020204030204" pitchFamily="49" charset="0"/>
+              </a:rPr>
+              <a:t>			# </a:t>
+            </a:r>
+            <a:r>
+              <a:rPr lang="pl-PL" sz="2400" i="1" dirty="0" err="1">
+                <a:latin typeface="Consolas" panose="020B0609020204030204" pitchFamily="49" charset="0"/>
+              </a:rPr>
+              <a:t>iterator</a:t>
+            </a:r>
+            <a:r>
+              <a:rPr lang="en-US" sz="2400" i="1" dirty="0">
+                <a:latin typeface="Consolas" panose="020B0609020204030204" pitchFamily="49" charset="0"/>
+              </a:rPr>
+              <a:t>s</a:t>
             </a:r>
           </a:p>
           <a:p>
@@ -9206,110 +9834,24 @@
               <a:buNone/>
             </a:pPr>
             <a:r>
-              <a:rPr lang="en-US" sz="2000" dirty="0">
-                <a:latin typeface="Consolas" panose="020B0609020204030204" pitchFamily="49" charset="0"/>
-              </a:rPr>
-              <a:t>"$x + 3 = $(x+3)"		</a:t>
-            </a:r>
-            <a:r>
-              <a:rPr lang="en-US" sz="2000" i="1" dirty="0">
-                <a:latin typeface="Consolas" panose="020B0609020204030204" pitchFamily="49" charset="0"/>
-              </a:rPr>
-              <a:t># $ is used for interpolation</a:t>
-            </a:r>
-          </a:p>
-          <a:p>
-            <a:pPr marL="0" indent="0">
-              <a:buNone/>
-            </a:pPr>
-            <a:r>
-              <a:rPr lang="en-US" sz="2000" dirty="0">
-                <a:latin typeface="Consolas" panose="020B0609020204030204" pitchFamily="49" charset="0"/>
-              </a:rPr>
-              <a:t>"\$199" 			</a:t>
-            </a:r>
-            <a:r>
-              <a:rPr lang="en-US" sz="2000" i="1" dirty="0">
-                <a:latin typeface="Consolas" panose="020B0609020204030204" pitchFamily="49" charset="0"/>
-              </a:rPr>
-              <a:t># and needs to be escaped with a `\`</a:t>
-            </a:r>
-          </a:p>
-          <a:p>
-            <a:pPr marL="0" indent="0">
-              <a:buNone/>
-            </a:pPr>
-            <a:endParaRPr lang="en-US" sz="2000" dirty="0">
-              <a:latin typeface="Consolas" panose="020B0609020204030204" pitchFamily="49" charset="0"/>
-            </a:endParaRPr>
-          </a:p>
-          <a:p>
-            <a:pPr marL="0" indent="0">
-              <a:buNone/>
-            </a:pPr>
-            <a:r>
-              <a:rPr lang="en-US" sz="2000" dirty="0" err="1">
-                <a:latin typeface="Consolas" panose="020B0609020204030204" pitchFamily="49" charset="0"/>
-              </a:rPr>
-              <a:t>occursin</a:t>
-            </a:r>
-            <a:r>
-              <a:rPr lang="en-US" sz="2000" dirty="0">
-                <a:latin typeface="Consolas" panose="020B0609020204030204" pitchFamily="49" charset="0"/>
-              </a:rPr>
-              <a:t>("CD", "ABCD") 	</a:t>
-            </a:r>
-            <a:r>
-              <a:rPr lang="en-US" sz="2000" i="1" dirty="0">
-                <a:latin typeface="Consolas" panose="020B0609020204030204" pitchFamily="49" charset="0"/>
-              </a:rPr>
-              <a:t># occurrence</a:t>
-            </a:r>
-          </a:p>
-          <a:p>
-            <a:pPr marL="0" indent="0">
-              <a:buNone/>
-            </a:pPr>
-            <a:r>
-              <a:rPr lang="en-US" sz="2000" dirty="0" err="1">
-                <a:latin typeface="Consolas" panose="020B0609020204030204" pitchFamily="49" charset="0"/>
-              </a:rPr>
-              <a:t>occursin</a:t>
-            </a:r>
-            <a:r>
-              <a:rPr lang="en-US" sz="2000" dirty="0">
-                <a:latin typeface="Consolas" panose="020B0609020204030204" pitchFamily="49" charset="0"/>
-              </a:rPr>
-              <a:t>(</a:t>
-            </a:r>
-            <a:r>
-              <a:rPr lang="en-US" sz="2000" dirty="0" err="1">
-                <a:latin typeface="Consolas" panose="020B0609020204030204" pitchFamily="49" charset="0"/>
-              </a:rPr>
-              <a:t>r"A|B</a:t>
-            </a:r>
-            <a:r>
-              <a:rPr lang="en-US" sz="2000" dirty="0">
-                <a:latin typeface="Consolas" panose="020B0609020204030204" pitchFamily="49" charset="0"/>
-              </a:rPr>
-              <a:t>", "ABCD")  # occurrence with </a:t>
-            </a:r>
-            <a:r>
-              <a:rPr lang="en-US" sz="2000" dirty="0" err="1">
-                <a:latin typeface="Consolas" panose="020B0609020204030204" pitchFamily="49" charset="0"/>
-              </a:rPr>
-              <a:t>RegExp</a:t>
-            </a:r>
-            <a:endParaRPr lang="en-US" sz="2000" dirty="0">
-              <a:latin typeface="Consolas" panose="020B0609020204030204" pitchFamily="49" charset="0"/>
-            </a:endParaRPr>
+              <a:rPr lang="en-US" sz="2400" dirty="0" err="1">
+                <a:latin typeface="Consolas" panose="020B0609020204030204" pitchFamily="49" charset="0"/>
+              </a:rPr>
+              <a:t>haskey</a:t>
+            </a:r>
+            <a:r>
+              <a:rPr lang="en-US" sz="2400" dirty="0">
+                <a:latin typeface="Consolas" panose="020B0609020204030204" pitchFamily="49" charset="0"/>
+              </a:rPr>
+              <a:t>(y)</a:t>
+            </a:r>
           </a:p>
         </p:txBody>
       </p:sp>
     </p:spTree>
     <p:extLst>
       <p:ext uri="{BB962C8B-B14F-4D97-AF65-F5344CB8AC3E}">
-        <p14:creationId xmlns:p14="http://schemas.microsoft.com/office/powerpoint/2010/main" val="1110345037"/>
+        <p14:creationId xmlns:p14="http://schemas.microsoft.com/office/powerpoint/2010/main" val="793120154"/>
       </p:ext>
     </p:extLst>
   </p:cSld>
@@ -9353,7 +9895,7 @@
           <a:p>
             <a:r>
               <a:rPr lang="en-US" dirty="0"/>
-              <a:t>Functions</a:t>
+              <a:t>Texts and interpolations</a:t>
             </a:r>
           </a:p>
         </p:txBody>
@@ -9370,13 +9912,13 @@
         </p:nvSpPr>
         <p:spPr>
           <a:xfrm>
-            <a:off x="411480" y="1690688"/>
-            <a:ext cx="11597640" cy="4694872"/>
+            <a:off x="1183103" y="1825624"/>
+            <a:ext cx="11353800" cy="4819015"/>
           </a:xfrm>
         </p:spPr>
         <p:txBody>
           <a:bodyPr>
-            <a:normAutofit fontScale="92500" lnSpcReduction="20000"/>
+            <a:normAutofit/>
           </a:bodyPr>
           <a:lstStyle/>
           <a:p>
@@ -9384,10 +9926,16 @@
               <a:buNone/>
             </a:pPr>
             <a:r>
-              <a:rPr lang="en-US" dirty="0">
-                <a:latin typeface="Consolas" panose="020B0609020204030204" pitchFamily="49" charset="0"/>
-              </a:rPr>
-              <a:t>f(x, y = 10) = x + y </a:t>
+              <a:rPr lang="en-US" sz="2000" dirty="0">
+                <a:latin typeface="Consolas" panose="020B0609020204030204" pitchFamily="49" charset="0"/>
+              </a:rPr>
+              <a:t>"Hi " * "there!" 		</a:t>
+            </a:r>
+            <a:r>
+              <a:rPr lang="en-US" sz="2000" i="1" dirty="0">
+                <a:latin typeface="Consolas" panose="020B0609020204030204" pitchFamily="49" charset="0"/>
+              </a:rPr>
+              <a:t># concatenation</a:t>
             </a:r>
           </a:p>
           <a:p>
@@ -9395,17 +9943,23 @@
               <a:buNone/>
             </a:pPr>
             <a:r>
-              <a:rPr lang="en-US" i="1" dirty="0">
-                <a:latin typeface="Consolas" panose="020B0609020204030204" pitchFamily="49" charset="0"/>
-              </a:rPr>
-              <a:t>			# default value for y is 10</a:t>
+              <a:rPr lang="en-US" sz="2000" dirty="0">
+                <a:latin typeface="Consolas" panose="020B0609020204030204" pitchFamily="49" charset="0"/>
+              </a:rPr>
+              <a:t>string("a= ", 123.3) 	</a:t>
+            </a:r>
+            <a:r>
+              <a:rPr lang="en-US" sz="2000" i="1" dirty="0">
+                <a:latin typeface="Consolas" panose="020B0609020204030204" pitchFamily="49" charset="0"/>
+              </a:rPr>
+              <a:t># concatenation</a:t>
             </a:r>
           </a:p>
           <a:p>
             <a:pPr marL="0" indent="0">
               <a:buNone/>
             </a:pPr>
-            <a:endParaRPr lang="en-US" i="1" dirty="0">
+            <a:endParaRPr lang="en-US" sz="2000" dirty="0">
               <a:latin typeface="Consolas" panose="020B0609020204030204" pitchFamily="49" charset="0"/>
             </a:endParaRPr>
           </a:p>
@@ -9413,7 +9967,52 @@
             <a:pPr marL="0" indent="0">
               <a:buNone/>
             </a:pPr>
-            <a:endParaRPr lang="en-US" i="1" dirty="0">
+            <a:r>
+              <a:rPr lang="en-US" sz="2000" dirty="0">
+                <a:latin typeface="Consolas" panose="020B0609020204030204" pitchFamily="49" charset="0"/>
+              </a:rPr>
+              <a:t>x = 123</a:t>
+            </a:r>
+          </a:p>
+          <a:p>
+            <a:pPr marL="0" indent="0">
+              <a:buNone/>
+            </a:pPr>
+            <a:r>
+              <a:rPr lang="en-US" sz="2000" dirty="0">
+                <a:latin typeface="Consolas" panose="020B0609020204030204" pitchFamily="49" charset="0"/>
+              </a:rPr>
+              <a:t>"$x + 3 = $(x+3)"		</a:t>
+            </a:r>
+            <a:r>
+              <a:rPr lang="en-US" sz="2000" i="1" dirty="0">
+                <a:latin typeface="Consolas" panose="020B0609020204030204" pitchFamily="49" charset="0"/>
+              </a:rPr>
+              <a:t># $ is used for interpolation</a:t>
+            </a:r>
+          </a:p>
+          <a:p>
+            <a:pPr marL="0" indent="0">
+              <a:buNone/>
+            </a:pPr>
+            <a:r>
+              <a:rPr lang="en-US" sz="2000" dirty="0">
+                <a:latin typeface="Consolas" panose="020B0609020204030204" pitchFamily="49" charset="0"/>
+              </a:rPr>
+              <a:t>"\$199" 			</a:t>
+            </a:r>
+            <a:r>
+              <a:rPr lang="en-US" sz="2000" i="1" dirty="0">
+                <a:latin typeface="Consolas" panose="020B0609020204030204" pitchFamily="49" charset="0"/>
+              </a:rPr>
+              <a:t># and needs to be escaped with a `\`</a:t>
+            </a:r>
+          </a:p>
+          <a:p>
+            <a:pPr marL="0" indent="0">
+              <a:buNone/>
+            </a:pPr>
+            <a:endParaRPr lang="en-US" sz="2000" dirty="0">
               <a:latin typeface="Consolas" panose="020B0609020204030204" pitchFamily="49" charset="0"/>
             </a:endParaRPr>
           </a:p>
@@ -9422,156 +10021,59 @@
               <a:buNone/>
             </a:pPr>
             <a:r>
-              <a:rPr lang="en-US" dirty="0">
-                <a:latin typeface="Consolas" panose="020B0609020204030204" pitchFamily="49" charset="0"/>
-              </a:rPr>
-              <a:t>function g(x::Int, y::Int) 	</a:t>
-            </a:r>
-            <a:r>
-              <a:rPr lang="en-US" i="1" dirty="0">
-                <a:latin typeface="Consolas" panose="020B0609020204030204" pitchFamily="49" charset="0"/>
-              </a:rPr>
-              <a:t># </a:t>
-            </a:r>
-            <a:r>
-              <a:rPr lang="pl-PL" i="1" dirty="0">
-                <a:latin typeface="Consolas" panose="020B0609020204030204" pitchFamily="49" charset="0"/>
-              </a:rPr>
-              <a:t>ograniczenie typu</a:t>
-            </a:r>
-            <a:endParaRPr lang="en-US" i="1" dirty="0">
-              <a:latin typeface="Consolas" panose="020B0609020204030204" pitchFamily="49" charset="0"/>
-            </a:endParaRPr>
+              <a:rPr lang="en-US" sz="2000" dirty="0" err="1">
+                <a:latin typeface="Consolas" panose="020B0609020204030204" pitchFamily="49" charset="0"/>
+              </a:rPr>
+              <a:t>occursin</a:t>
+            </a:r>
+            <a:r>
+              <a:rPr lang="en-US" sz="2000" dirty="0">
+                <a:latin typeface="Consolas" panose="020B0609020204030204" pitchFamily="49" charset="0"/>
+              </a:rPr>
+              <a:t>("CD", "ABCD") 	</a:t>
+            </a:r>
+            <a:r>
+              <a:rPr lang="en-US" sz="2000" i="1" dirty="0">
+                <a:latin typeface="Consolas" panose="020B0609020204030204" pitchFamily="49" charset="0"/>
+              </a:rPr>
+              <a:t># occurrence</a:t>
+            </a:r>
           </a:p>
           <a:p>
             <a:pPr marL="0" indent="0">
               <a:buNone/>
             </a:pPr>
             <a:r>
-              <a:rPr lang="en-US" dirty="0">
-                <a:latin typeface="Consolas" panose="020B0609020204030204" pitchFamily="49" charset="0"/>
-              </a:rPr>
-              <a:t>	return y, x </a:t>
-            </a:r>
-            <a:r>
-              <a:rPr lang="en-US" i="1" dirty="0">
-                <a:latin typeface="Consolas" panose="020B0609020204030204" pitchFamily="49" charset="0"/>
-              </a:rPr>
-              <a:t># </a:t>
-            </a:r>
-            <a:r>
-              <a:rPr lang="en-US" b="1" i="1" dirty="0">
-                <a:solidFill>
-                  <a:srgbClr val="7030A0"/>
-                </a:solidFill>
-                <a:latin typeface="Consolas" panose="020B0609020204030204" pitchFamily="49" charset="0"/>
-              </a:rPr>
-              <a:t>yields a tuple</a:t>
-            </a:r>
-            <a:r>
-              <a:rPr lang="pl-PL" i="1" dirty="0">
-                <a:latin typeface="Consolas" panose="020B0609020204030204" pitchFamily="49" charset="0"/>
-              </a:rPr>
-              <a:t> </a:t>
-            </a:r>
-            <a:endParaRPr lang="en-US" i="1" dirty="0">
-              <a:latin typeface="Consolas" panose="020B0609020204030204" pitchFamily="49" charset="0"/>
-            </a:endParaRPr>
-          </a:p>
-          <a:p>
-            <a:pPr marL="0" indent="0">
-              <a:buNone/>
-            </a:pPr>
-            <a:r>
-              <a:rPr lang="en-US" dirty="0">
-                <a:latin typeface="Consolas" panose="020B0609020204030204" pitchFamily="49" charset="0"/>
-              </a:rPr>
-              <a:t>end</a:t>
-            </a:r>
-          </a:p>
-          <a:p>
-            <a:pPr marL="0" indent="0">
-              <a:buNone/>
-            </a:pPr>
-            <a:endParaRPr lang="en-US" dirty="0">
-              <a:latin typeface="Consolas" panose="020B0609020204030204" pitchFamily="49" charset="0"/>
-            </a:endParaRPr>
-          </a:p>
-          <a:p>
-            <a:pPr marL="0" indent="0">
-              <a:buNone/>
-            </a:pPr>
-            <a:r>
-              <a:rPr lang="en-US" dirty="0">
-                <a:latin typeface="Consolas" panose="020B0609020204030204" pitchFamily="49" charset="0"/>
-              </a:rPr>
-              <a:t>g(x::Int, y::Bool) = x * y 	</a:t>
-            </a:r>
-            <a:r>
-              <a:rPr lang="en-US" i="1" dirty="0">
-                <a:latin typeface="Consolas" panose="020B0609020204030204" pitchFamily="49" charset="0"/>
-              </a:rPr>
-              <a:t># multiple dispatch</a:t>
-            </a:r>
-          </a:p>
-          <a:p>
-            <a:pPr marL="0" indent="0">
-              <a:buNone/>
-            </a:pPr>
-            <a:r>
-              <a:rPr lang="en-US" dirty="0">
-                <a:latin typeface="Consolas" panose="020B0609020204030204" pitchFamily="49" charset="0"/>
-              </a:rPr>
-              <a:t>g(2, true) 				</a:t>
-            </a:r>
-            <a:r>
-              <a:rPr lang="en-US" i="1" dirty="0">
-                <a:latin typeface="Consolas" panose="020B0609020204030204" pitchFamily="49" charset="0"/>
-              </a:rPr>
-              <a:t># 2</a:t>
-            </a:r>
-            <a:r>
-              <a:rPr lang="en-US" i="1" baseline="30000" dirty="0">
-                <a:latin typeface="Consolas" panose="020B0609020204030204" pitchFamily="49" charset="0"/>
-              </a:rPr>
-              <a:t>nd</a:t>
-            </a:r>
-            <a:r>
-              <a:rPr lang="en-US" i="1" dirty="0">
-                <a:latin typeface="Consolas" panose="020B0609020204030204" pitchFamily="49" charset="0"/>
-              </a:rPr>
-              <a:t> definition will be called</a:t>
-            </a:r>
-          </a:p>
-          <a:p>
-            <a:pPr marL="0" indent="0">
-              <a:buNone/>
-            </a:pPr>
-            <a:r>
-              <a:rPr lang="en-US" dirty="0">
-                <a:latin typeface="Consolas" panose="020B0609020204030204" pitchFamily="49" charset="0"/>
-              </a:rPr>
-              <a:t>methods(g) 				</a:t>
-            </a:r>
-            <a:r>
-              <a:rPr lang="en-US" i="1" dirty="0">
-                <a:latin typeface="Consolas" panose="020B0609020204030204" pitchFamily="49" charset="0"/>
-              </a:rPr>
-              <a:t># </a:t>
-            </a:r>
-            <a:r>
-              <a:rPr lang="pl-PL" i="1" dirty="0">
-                <a:latin typeface="Consolas" panose="020B0609020204030204" pitchFamily="49" charset="0"/>
-              </a:rPr>
-              <a:t>list</a:t>
-            </a:r>
-            <a:r>
-              <a:rPr lang="en-US" i="1" dirty="0">
-                <a:latin typeface="Consolas" panose="020B0609020204030204" pitchFamily="49" charset="0"/>
-              </a:rPr>
-              <a:t> of methods for g</a:t>
-            </a:r>
-            <a:endParaRPr lang="en-US" dirty="0">
+              <a:rPr lang="en-US" sz="2000" dirty="0" err="1">
+                <a:latin typeface="Consolas" panose="020B0609020204030204" pitchFamily="49" charset="0"/>
+              </a:rPr>
+              <a:t>occursin</a:t>
+            </a:r>
+            <a:r>
+              <a:rPr lang="en-US" sz="2000" dirty="0">
+                <a:latin typeface="Consolas" panose="020B0609020204030204" pitchFamily="49" charset="0"/>
+              </a:rPr>
+              <a:t>(</a:t>
+            </a:r>
+            <a:r>
+              <a:rPr lang="en-US" sz="2000" dirty="0" err="1">
+                <a:latin typeface="Consolas" panose="020B0609020204030204" pitchFamily="49" charset="0"/>
+              </a:rPr>
+              <a:t>r"A|B</a:t>
+            </a:r>
+            <a:r>
+              <a:rPr lang="en-US" sz="2000" dirty="0">
+                <a:latin typeface="Consolas" panose="020B0609020204030204" pitchFamily="49" charset="0"/>
+              </a:rPr>
+              <a:t>", "ABCD")  # occurrence with </a:t>
+            </a:r>
+            <a:r>
+              <a:rPr lang="en-US" sz="2000" dirty="0" err="1">
+                <a:latin typeface="Consolas" panose="020B0609020204030204" pitchFamily="49" charset="0"/>
+              </a:rPr>
+              <a:t>RegExp</a:t>
+            </a:r>
+            <a:endParaRPr lang="en-US" sz="2000" dirty="0">
               <a:latin typeface="Consolas" panose="020B0609020204030204" pitchFamily="49" charset="0"/>
             </a:endParaRPr>
           </a:p>
@@ -9580,7 +10082,7 @@
     </p:spTree>
     <p:extLst>
       <p:ext uri="{BB962C8B-B14F-4D97-AF65-F5344CB8AC3E}">
-        <p14:creationId xmlns:p14="http://schemas.microsoft.com/office/powerpoint/2010/main" val="1467953778"/>
+        <p14:creationId xmlns:p14="http://schemas.microsoft.com/office/powerpoint/2010/main" val="1110345037"/>
       </p:ext>
     </p:extLst>
   </p:cSld>
@@ -9623,12 +10125,8 @@
           <a:lstStyle/>
           <a:p>
             <a:r>
-              <a:rPr lang="pl-PL" dirty="0"/>
-              <a:t>Operator</a:t>
-            </a:r>
-            <a:r>
               <a:rPr lang="en-US" dirty="0"/>
-              <a:t>s</a:t>
+              <a:t>Functions</a:t>
             </a:r>
           </a:p>
         </p:txBody>
@@ -9645,13 +10143,13 @@
         </p:nvSpPr>
         <p:spPr>
           <a:xfrm>
-            <a:off x="838200" y="1825624"/>
-            <a:ext cx="11155680" cy="5032376"/>
+            <a:off x="411480" y="1690688"/>
+            <a:ext cx="11597640" cy="4694872"/>
           </a:xfrm>
         </p:spPr>
         <p:txBody>
           <a:bodyPr>
-            <a:normAutofit fontScale="85000" lnSpcReduction="20000"/>
+            <a:normAutofit fontScale="92500" lnSpcReduction="20000"/>
           </a:bodyPr>
           <a:lstStyle/>
           <a:p>
@@ -9662,62 +10160,25 @@
               <a:rPr lang="en-US" dirty="0">
                 <a:latin typeface="Consolas" panose="020B0609020204030204" pitchFamily="49" charset="0"/>
               </a:rPr>
-              <a:t>true || false 	</a:t>
-            </a:r>
+              <a:t>f(x, y = 10) = x + y </a:t>
+            </a:r>
+          </a:p>
+          <a:p>
+            <a:pPr marL="0" indent="0">
+              <a:buNone/>
+            </a:pPr>
             <a:r>
               <a:rPr lang="en-US" i="1" dirty="0">
                 <a:latin typeface="Consolas" panose="020B0609020204030204" pitchFamily="49" charset="0"/>
               </a:rPr>
-              <a:t># binary or operator (</a:t>
-            </a:r>
-            <a:r>
-              <a:rPr lang="en-US" i="1" dirty="0" err="1">
-                <a:latin typeface="Consolas" panose="020B0609020204030204" pitchFamily="49" charset="0"/>
-              </a:rPr>
-              <a:t>singeltons</a:t>
-            </a:r>
-            <a:r>
-              <a:rPr lang="en-US" i="1" dirty="0">
-                <a:latin typeface="Consolas" panose="020B0609020204030204" pitchFamily="49" charset="0"/>
-              </a:rPr>
-              <a:t> only)</a:t>
+              <a:t>			# default value for y is 10</a:t>
             </a:r>
           </a:p>
           <a:p>
             <a:pPr marL="0" indent="0">
               <a:buNone/>
             </a:pPr>
-            <a:r>
-              <a:rPr lang="en-US" dirty="0">
-                <a:latin typeface="Consolas" panose="020B0609020204030204" pitchFamily="49" charset="0"/>
-              </a:rPr>
-              <a:t>1 &lt; 2 &lt; 3 	</a:t>
-            </a:r>
-            <a:r>
-              <a:rPr lang="pl-PL" dirty="0">
-                <a:latin typeface="Consolas" panose="020B0609020204030204" pitchFamily="49" charset="0"/>
-              </a:rPr>
-              <a:t>	</a:t>
-            </a:r>
-            <a:r>
-              <a:rPr lang="en-US" i="1" dirty="0">
-                <a:latin typeface="Consolas" panose="020B0609020204030204" pitchFamily="49" charset="0"/>
-              </a:rPr>
-              <a:t># condition</a:t>
-            </a:r>
-            <a:r>
-              <a:rPr lang="pl-PL" i="1" dirty="0">
-                <a:latin typeface="Consolas" panose="020B0609020204030204" pitchFamily="49" charset="0"/>
-              </a:rPr>
-              <a:t> </a:t>
-            </a:r>
-            <a:r>
-              <a:rPr lang="en-US" i="1" dirty="0">
-                <a:latin typeface="Consolas" panose="020B0609020204030204" pitchFamily="49" charset="0"/>
-              </a:rPr>
-              <a:t>chaining</a:t>
-            </a:r>
-            <a:endParaRPr lang="pl-PL" i="1" dirty="0">
+            <a:endParaRPr lang="en-US" i="1" dirty="0">
               <a:latin typeface="Consolas" panose="020B0609020204030204" pitchFamily="49" charset="0"/>
             </a:endParaRPr>
           </a:p>
@@ -9725,49 +10186,68 @@
             <a:pPr marL="0" indent="0">
               <a:buNone/>
             </a:pPr>
+            <a:endParaRPr lang="en-US" i="1" dirty="0">
+              <a:latin typeface="Consolas" panose="020B0609020204030204" pitchFamily="49" charset="0"/>
+            </a:endParaRPr>
+          </a:p>
+          <a:p>
+            <a:pPr marL="0" indent="0">
+              <a:buNone/>
+            </a:pPr>
             <a:r>
               <a:rPr lang="en-US" dirty="0">
                 <a:latin typeface="Consolas" panose="020B0609020204030204" pitchFamily="49" charset="0"/>
               </a:rPr>
-              <a:t>[1 2] .&lt; [2 1] 	</a:t>
+              <a:t>function g(x::Int, y::Int) 	</a:t>
             </a:r>
             <a:r>
               <a:rPr lang="en-US" i="1" dirty="0">
                 <a:latin typeface="Consolas" panose="020B0609020204030204" pitchFamily="49" charset="0"/>
               </a:rPr>
-              <a:t>#</a:t>
+              <a:t># </a:t>
+            </a:r>
+            <a:r>
+              <a:rPr lang="pl-PL" i="1" dirty="0">
+                <a:latin typeface="Consolas" panose="020B0609020204030204" pitchFamily="49" charset="0"/>
+              </a:rPr>
+              <a:t>ograniczenie typu</a:t>
+            </a:r>
+            <a:endParaRPr lang="en-US" i="1" dirty="0">
+              <a:latin typeface="Consolas" panose="020B0609020204030204" pitchFamily="49" charset="0"/>
+            </a:endParaRPr>
+          </a:p>
+          <a:p>
+            <a:pPr marL="0" indent="0">
+              <a:buNone/>
+            </a:pPr>
+            <a:r>
+              <a:rPr lang="en-US" dirty="0">
+                <a:latin typeface="Consolas" panose="020B0609020204030204" pitchFamily="49" charset="0"/>
+              </a:rPr>
+              <a:t>	return y, x </a:t>
             </a:r>
             <a:r>
               <a:rPr lang="en-US" i="1" dirty="0">
-                <a:solidFill>
-                  <a:srgbClr val="FF0000"/>
-                </a:solidFill>
-                <a:latin typeface="Consolas" panose="020B0609020204030204" pitchFamily="49" charset="0"/>
-              </a:rPr>
-              <a:t> </a:t>
-            </a:r>
-            <a:r>
-              <a:rPr lang="en-US" i="1" dirty="0">
+                <a:latin typeface="Consolas" panose="020B0609020204030204" pitchFamily="49" charset="0"/>
+              </a:rPr>
+              <a:t># </a:t>
+            </a:r>
+            <a:r>
+              <a:rPr lang="en-US" b="1" i="1" dirty="0">
                 <a:solidFill>
                   <a:srgbClr val="7030A0"/>
                 </a:solidFill>
                 <a:latin typeface="Consolas" panose="020B0609020204030204" pitchFamily="49" charset="0"/>
               </a:rPr>
-              <a:t>vectorization with a dot</a:t>
+              <a:t>yields a tuple</a:t>
             </a:r>
             <a:r>
               <a:rPr lang="pl-PL" i="1" dirty="0">
-                <a:solidFill>
-                  <a:srgbClr val="7030A0"/>
-                </a:solidFill>
-                <a:latin typeface="Consolas" panose="020B0609020204030204" pitchFamily="49" charset="0"/>
-              </a:rPr>
-              <a:t> "."</a:t>
+                <a:latin typeface="Consolas" panose="020B0609020204030204" pitchFamily="49" charset="0"/>
+              </a:rPr>
+              <a:t> </a:t>
             </a:r>
             <a:endParaRPr lang="en-US" i="1" dirty="0">
-              <a:solidFill>
-                <a:srgbClr val="7030A0"/>
-              </a:solidFill>
               <a:latin typeface="Consolas" panose="020B0609020204030204" pitchFamily="49" charset="0"/>
             </a:endParaRPr>
           </a:p>
@@ -9779,42 +10259,13 @@
               <a:rPr lang="en-US" dirty="0">
                 <a:latin typeface="Consolas" panose="020B0609020204030204" pitchFamily="49" charset="0"/>
               </a:rPr>
-              <a:t>a = 5</a:t>
+              <a:t>end</a:t>
             </a:r>
           </a:p>
           <a:p>
             <a:pPr marL="0" indent="0">
               <a:buNone/>
             </a:pPr>
-            <a:r>
-              <a:rPr lang="en-US" dirty="0">
-                <a:latin typeface="Consolas" panose="020B0609020204030204" pitchFamily="49" charset="0"/>
-              </a:rPr>
-              <a:t>2a + 2(a+1) #</a:t>
-            </a:r>
-            <a:r>
-              <a:rPr lang="en-US" i="1" dirty="0">
-                <a:latin typeface="Consolas" panose="020B0609020204030204" pitchFamily="49" charset="0"/>
-              </a:rPr>
-              <a:t> multiplication “*” can be </a:t>
-            </a:r>
-            <a:r>
-              <a:rPr lang="en-US" i="1" dirty="0" err="1">
-                <a:latin typeface="Consolas" panose="020B0609020204030204" pitchFamily="49" charset="0"/>
-              </a:rPr>
-              <a:t>ommited</a:t>
-            </a:r>
-            <a:r>
-              <a:rPr lang="pl-PL" i="1" dirty="0">
-                <a:latin typeface="Consolas" panose="020B0609020204030204" pitchFamily="49" charset="0"/>
-              </a:rPr>
-              <a:t> </a:t>
-            </a:r>
-            <a:br>
-              <a:rPr lang="en-US" i="1" dirty="0">
-                <a:latin typeface="Consolas" panose="020B0609020204030204" pitchFamily="49" charset="0"/>
-              </a:rPr>
-            </a:br>
             <a:endParaRPr lang="en-US" dirty="0">
               <a:latin typeface="Consolas" panose="020B0609020204030204" pitchFamily="49" charset="0"/>
             </a:endParaRPr>
@@ -9827,163 +10278,71 @@
               <a:rPr lang="en-US" dirty="0">
                 <a:latin typeface="Consolas" panose="020B0609020204030204" pitchFamily="49" charset="0"/>
               </a:rPr>
-              <a:t>x = [1 2 3]	</a:t>
-            </a:r>
-            <a:r>
-              <a:rPr lang="pl-PL" dirty="0">
-                <a:latin typeface="Consolas" panose="020B0609020204030204" pitchFamily="49" charset="0"/>
-              </a:rPr>
-              <a:t>  </a:t>
-            </a:r>
+              <a:t>g(x::Int, y::Bool) = x * y 	</a:t>
+            </a:r>
+            <a:r>
+              <a:rPr lang="en-US" i="1" dirty="0">
+                <a:latin typeface="Consolas" panose="020B0609020204030204" pitchFamily="49" charset="0"/>
+              </a:rPr>
+              <a:t># multiple dispatch</a:t>
+            </a:r>
+          </a:p>
+          <a:p>
+            <a:pPr marL="0" indent="0">
+              <a:buNone/>
+            </a:pPr>
             <a:r>
               <a:rPr lang="en-US" dirty="0">
                 <a:latin typeface="Consolas" panose="020B0609020204030204" pitchFamily="49" charset="0"/>
               </a:rPr>
-              <a:t>#matrix</a:t>
-            </a:r>
-            <a:r>
-              <a:rPr lang="pl-PL" dirty="0">
-                <a:latin typeface="Consolas" panose="020B0609020204030204" pitchFamily="49" charset="0"/>
-              </a:rPr>
-              <a:t> </a:t>
-            </a:r>
+              <a:t>g(2, true) 				</a:t>
+            </a:r>
+            <a:r>
+              <a:rPr lang="en-US" i="1" dirty="0">
+                <a:latin typeface="Consolas" panose="020B0609020204030204" pitchFamily="49" charset="0"/>
+              </a:rPr>
+              <a:t># 2</a:t>
+            </a:r>
+            <a:r>
+              <a:rPr lang="en-US" i="1" baseline="30000" dirty="0">
+                <a:latin typeface="Consolas" panose="020B0609020204030204" pitchFamily="49" charset="0"/>
+              </a:rPr>
+              <a:t>nd</a:t>
+            </a:r>
+            <a:r>
+              <a:rPr lang="en-US" i="1" dirty="0">
+                <a:latin typeface="Consolas" panose="020B0609020204030204" pitchFamily="49" charset="0"/>
+              </a:rPr>
+              <a:t> definition will be called</a:t>
+            </a:r>
+          </a:p>
+          <a:p>
+            <a:pPr marL="0" indent="0">
+              <a:buNone/>
+            </a:pPr>
             <a:r>
               <a:rPr lang="en-US" dirty="0">
                 <a:latin typeface="Consolas" panose="020B0609020204030204" pitchFamily="49" charset="0"/>
               </a:rPr>
-              <a:t>1×3 Array{Int64,2}    </a:t>
-            </a:r>
-          </a:p>
-          <a:p>
-            <a:pPr marL="0" indent="0">
-              <a:buNone/>
-            </a:pPr>
-            <a:r>
-              <a:rPr lang="en-US" dirty="0">
-                <a:latin typeface="Consolas" panose="020B0609020204030204" pitchFamily="49" charset="0"/>
-              </a:rPr>
-              <a:t>y = [1, 2, 3]     #vector of</a:t>
-            </a:r>
-            <a:r>
-              <a:rPr lang="pl-PL" dirty="0">
-                <a:latin typeface="Consolas" panose="020B0609020204030204" pitchFamily="49" charset="0"/>
-              </a:rPr>
-              <a:t> </a:t>
-            </a:r>
-            <a:r>
-              <a:rPr lang="en-US" dirty="0">
-                <a:latin typeface="Consolas" panose="020B0609020204030204" pitchFamily="49" charset="0"/>
-              </a:rPr>
-              <a:t>3-elements Array{Int64,1}</a:t>
-            </a:r>
-            <a:endParaRPr lang="pl-PL" dirty="0">
-              <a:latin typeface="Consolas" panose="020B0609020204030204" pitchFamily="49" charset="0"/>
-            </a:endParaRPr>
-          </a:p>
-          <a:p>
-            <a:pPr marL="0" indent="0">
-              <a:buNone/>
-            </a:pPr>
-            <a:r>
-              <a:rPr lang="pl-PL" dirty="0">
-                <a:solidFill>
-                  <a:srgbClr val="7030A0"/>
-                </a:solidFill>
+              <a:t>methods(g) 				</a:t>
+            </a:r>
+            <a:r>
+              <a:rPr lang="en-US" i="1" dirty="0">
                 <a:latin typeface="Consolas" panose="020B0609020204030204" pitchFamily="49" charset="0"/>
               </a:rPr>
               <a:t># </a:t>
             </a:r>
             <a:r>
-              <a:rPr lang="en-US" dirty="0">
-                <a:solidFill>
-                  <a:srgbClr val="7030A0"/>
-                </a:solidFill>
-                <a:latin typeface="Consolas" panose="020B0609020204030204" pitchFamily="49" charset="0"/>
-              </a:rPr>
-              <a:t>Vectors are vertical and algebra rules apply</a:t>
-            </a:r>
-            <a:r>
-              <a:rPr lang="pl-PL" dirty="0">
-                <a:solidFill>
-                  <a:srgbClr val="7030A0"/>
-                </a:solidFill>
-                <a:latin typeface="Consolas" panose="020B0609020204030204" pitchFamily="49" charset="0"/>
-              </a:rPr>
-              <a:t> </a:t>
-            </a:r>
-            <a:endParaRPr lang="en-US" dirty="0">
-              <a:solidFill>
-                <a:srgbClr val="7030A0"/>
-              </a:solidFill>
-              <a:latin typeface="Consolas" panose="020B0609020204030204" pitchFamily="49" charset="0"/>
-            </a:endParaRPr>
-          </a:p>
-          <a:p>
-            <a:pPr marL="0" indent="0">
-              <a:buNone/>
-            </a:pPr>
-            <a:r>
-              <a:rPr lang="en-US" dirty="0">
-                <a:latin typeface="Consolas" panose="020B0609020204030204" pitchFamily="49" charset="0"/>
-              </a:rPr>
-              <a:t>x + y </a:t>
+              <a:rPr lang="pl-PL" i="1" dirty="0">
+                <a:latin typeface="Consolas" panose="020B0609020204030204" pitchFamily="49" charset="0"/>
+              </a:rPr>
+              <a:t>list</a:t>
             </a:r>
             <a:r>
               <a:rPr lang="en-US" i="1" dirty="0">
                 <a:latin typeface="Consolas" panose="020B0609020204030204" pitchFamily="49" charset="0"/>
               </a:rPr>
-              <a:t># error</a:t>
-            </a:r>
-          </a:p>
-          <a:p>
-            <a:pPr marL="0" indent="0">
-              <a:buNone/>
-            </a:pPr>
-            <a:r>
-              <a:rPr lang="en-US" dirty="0">
-                <a:latin typeface="Consolas" panose="020B0609020204030204" pitchFamily="49" charset="0"/>
-              </a:rPr>
-              <a:t>x .+ y </a:t>
-            </a:r>
-            <a:r>
-              <a:rPr lang="en-US" i="1" dirty="0">
-                <a:latin typeface="Consolas" panose="020B0609020204030204" pitchFamily="49" charset="0"/>
-              </a:rPr>
-              <a:t># 3x3 matrix, dimension broadcasting</a:t>
-            </a:r>
-          </a:p>
-          <a:p>
-            <a:pPr marL="0" indent="0">
-              <a:buNone/>
-            </a:pPr>
-            <a:r>
-              <a:rPr lang="en-US" dirty="0">
-                <a:latin typeface="Consolas" panose="020B0609020204030204" pitchFamily="49" charset="0"/>
-              </a:rPr>
-              <a:t>x + y' </a:t>
-            </a:r>
-            <a:r>
-              <a:rPr lang="en-US" i="1" dirty="0">
-                <a:latin typeface="Consolas" panose="020B0609020204030204" pitchFamily="49" charset="0"/>
-              </a:rPr>
-              <a:t># 1x3 matrix</a:t>
-            </a:r>
-          </a:p>
-          <a:p>
-            <a:pPr marL="0" indent="0">
-              <a:buNone/>
-            </a:pPr>
-            <a:r>
-              <a:rPr lang="en-US" dirty="0">
-                <a:latin typeface="Consolas" panose="020B0609020204030204" pitchFamily="49" charset="0"/>
-              </a:rPr>
-              <a:t>x * y </a:t>
-            </a:r>
-            <a:r>
-              <a:rPr lang="en-US" i="1" dirty="0">
-                <a:latin typeface="Consolas" panose="020B0609020204030204" pitchFamily="49" charset="0"/>
-              </a:rPr>
-              <a:t># array multiplication, 1-element vector (not scalar)</a:t>
+              <a:t> of methods for g</a:t>
             </a:r>
             <a:endParaRPr lang="en-US" dirty="0">
               <a:latin typeface="Consolas" panose="020B0609020204030204" pitchFamily="49" charset="0"/>
@@ -9994,7 +10353,7 @@
     </p:spTree>
     <p:extLst>
       <p:ext uri="{BB962C8B-B14F-4D97-AF65-F5344CB8AC3E}">
-        <p14:creationId xmlns:p14="http://schemas.microsoft.com/office/powerpoint/2010/main" val="1419747330"/>
+        <p14:creationId xmlns:p14="http://schemas.microsoft.com/office/powerpoint/2010/main" val="1467953778"/>
       </p:ext>
     </p:extLst>
   </p:cSld>
@@ -10443,6 +10802,420 @@
           <a:lstStyle/>
           <a:p>
             <a:r>
+              <a:rPr lang="pl-PL" dirty="0"/>
+              <a:t>Operator</a:t>
+            </a:r>
+            <a:r>
+              <a:rPr lang="en-US" dirty="0"/>
+              <a:t>s</a:t>
+            </a:r>
+          </a:p>
+        </p:txBody>
+      </p:sp>
+      <p:sp>
+        <p:nvSpPr>
+          <p:cNvPr id="3" name="Symbol zastępczy zawartości 2"/>
+          <p:cNvSpPr>
+            <a:spLocks noGrp="1"/>
+          </p:cNvSpPr>
+          <p:nvPr>
+            <p:ph idx="1"/>
+          </p:nvPr>
+        </p:nvSpPr>
+        <p:spPr>
+          <a:xfrm>
+            <a:off x="838200" y="1825624"/>
+            <a:ext cx="11155680" cy="5032376"/>
+          </a:xfrm>
+        </p:spPr>
+        <p:txBody>
+          <a:bodyPr>
+            <a:normAutofit fontScale="85000" lnSpcReduction="20000"/>
+          </a:bodyPr>
+          <a:lstStyle/>
+          <a:p>
+            <a:pPr marL="0" indent="0">
+              <a:buNone/>
+            </a:pPr>
+            <a:r>
+              <a:rPr lang="en-US" dirty="0">
+                <a:latin typeface="Consolas" panose="020B0609020204030204" pitchFamily="49" charset="0"/>
+              </a:rPr>
+              <a:t>true || false 	</a:t>
+            </a:r>
+            <a:r>
+              <a:rPr lang="en-US" i="1" dirty="0">
+                <a:latin typeface="Consolas" panose="020B0609020204030204" pitchFamily="49" charset="0"/>
+              </a:rPr>
+              <a:t># binary or operator (</a:t>
+            </a:r>
+            <a:r>
+              <a:rPr lang="en-US" i="1" dirty="0" err="1">
+                <a:latin typeface="Consolas" panose="020B0609020204030204" pitchFamily="49" charset="0"/>
+              </a:rPr>
+              <a:t>singeltons</a:t>
+            </a:r>
+            <a:r>
+              <a:rPr lang="en-US" i="1" dirty="0">
+                <a:latin typeface="Consolas" panose="020B0609020204030204" pitchFamily="49" charset="0"/>
+              </a:rPr>
+              <a:t> only)</a:t>
+            </a:r>
+          </a:p>
+          <a:p>
+            <a:pPr marL="0" indent="0">
+              <a:buNone/>
+            </a:pPr>
+            <a:r>
+              <a:rPr lang="en-US" dirty="0">
+                <a:latin typeface="Consolas" panose="020B0609020204030204" pitchFamily="49" charset="0"/>
+              </a:rPr>
+              <a:t>1 &lt; 2 &lt; 3 	</a:t>
+            </a:r>
+            <a:r>
+              <a:rPr lang="pl-PL" dirty="0">
+                <a:latin typeface="Consolas" panose="020B0609020204030204" pitchFamily="49" charset="0"/>
+              </a:rPr>
+              <a:t>	</a:t>
+            </a:r>
+            <a:r>
+              <a:rPr lang="en-US" i="1" dirty="0">
+                <a:latin typeface="Consolas" panose="020B0609020204030204" pitchFamily="49" charset="0"/>
+              </a:rPr>
+              <a:t># condition</a:t>
+            </a:r>
+            <a:r>
+              <a:rPr lang="pl-PL" i="1" dirty="0">
+                <a:latin typeface="Consolas" panose="020B0609020204030204" pitchFamily="49" charset="0"/>
+              </a:rPr>
+              <a:t> </a:t>
+            </a:r>
+            <a:r>
+              <a:rPr lang="en-US" i="1" dirty="0">
+                <a:latin typeface="Consolas" panose="020B0609020204030204" pitchFamily="49" charset="0"/>
+              </a:rPr>
+              <a:t>chaining</a:t>
+            </a:r>
+            <a:endParaRPr lang="pl-PL" i="1" dirty="0">
+              <a:latin typeface="Consolas" panose="020B0609020204030204" pitchFamily="49" charset="0"/>
+            </a:endParaRPr>
+          </a:p>
+          <a:p>
+            <a:pPr marL="0" indent="0">
+              <a:buNone/>
+            </a:pPr>
+            <a:r>
+              <a:rPr lang="en-US" dirty="0">
+                <a:latin typeface="Consolas" panose="020B0609020204030204" pitchFamily="49" charset="0"/>
+              </a:rPr>
+              <a:t>[1 2] .&lt; [2 1] 	</a:t>
+            </a:r>
+            <a:r>
+              <a:rPr lang="en-US" i="1" dirty="0">
+                <a:latin typeface="Consolas" panose="020B0609020204030204" pitchFamily="49" charset="0"/>
+              </a:rPr>
+              <a:t>#</a:t>
+            </a:r>
+            <a:r>
+              <a:rPr lang="en-US" i="1" dirty="0">
+                <a:solidFill>
+                  <a:srgbClr val="FF0000"/>
+                </a:solidFill>
+                <a:latin typeface="Consolas" panose="020B0609020204030204" pitchFamily="49" charset="0"/>
+              </a:rPr>
+              <a:t> </a:t>
+            </a:r>
+            <a:r>
+              <a:rPr lang="en-US" i="1" dirty="0">
+                <a:solidFill>
+                  <a:srgbClr val="7030A0"/>
+                </a:solidFill>
+                <a:latin typeface="Consolas" panose="020B0609020204030204" pitchFamily="49" charset="0"/>
+              </a:rPr>
+              <a:t>vectorization with a dot</a:t>
+            </a:r>
+            <a:r>
+              <a:rPr lang="pl-PL" i="1" dirty="0">
+                <a:solidFill>
+                  <a:srgbClr val="7030A0"/>
+                </a:solidFill>
+                <a:latin typeface="Consolas" panose="020B0609020204030204" pitchFamily="49" charset="0"/>
+              </a:rPr>
+              <a:t> "."</a:t>
+            </a:r>
+            <a:endParaRPr lang="en-US" i="1" dirty="0">
+              <a:solidFill>
+                <a:srgbClr val="7030A0"/>
+              </a:solidFill>
+              <a:latin typeface="Consolas" panose="020B0609020204030204" pitchFamily="49" charset="0"/>
+            </a:endParaRPr>
+          </a:p>
+          <a:p>
+            <a:pPr marL="0" indent="0">
+              <a:buNone/>
+            </a:pPr>
+            <a:r>
+              <a:rPr lang="en-US" dirty="0">
+                <a:latin typeface="Consolas" panose="020B0609020204030204" pitchFamily="49" charset="0"/>
+              </a:rPr>
+              <a:t>a = 5</a:t>
+            </a:r>
+          </a:p>
+          <a:p>
+            <a:pPr marL="0" indent="0">
+              <a:buNone/>
+            </a:pPr>
+            <a:r>
+              <a:rPr lang="en-US" dirty="0">
+                <a:latin typeface="Consolas" panose="020B0609020204030204" pitchFamily="49" charset="0"/>
+              </a:rPr>
+              <a:t>2a + 2(a+1) #</a:t>
+            </a:r>
+            <a:r>
+              <a:rPr lang="en-US" i="1" dirty="0">
+                <a:latin typeface="Consolas" panose="020B0609020204030204" pitchFamily="49" charset="0"/>
+              </a:rPr>
+              <a:t> multiplication “*” can be </a:t>
+            </a:r>
+            <a:r>
+              <a:rPr lang="en-US" i="1" dirty="0" err="1">
+                <a:latin typeface="Consolas" panose="020B0609020204030204" pitchFamily="49" charset="0"/>
+              </a:rPr>
+              <a:t>ommited</a:t>
+            </a:r>
+            <a:r>
+              <a:rPr lang="pl-PL" i="1" dirty="0">
+                <a:latin typeface="Consolas" panose="020B0609020204030204" pitchFamily="49" charset="0"/>
+              </a:rPr>
+              <a:t> </a:t>
+            </a:r>
+            <a:br>
+              <a:rPr lang="en-US" i="1" dirty="0">
+                <a:latin typeface="Consolas" panose="020B0609020204030204" pitchFamily="49" charset="0"/>
+              </a:rPr>
+            </a:br>
+            <a:endParaRPr lang="en-US" dirty="0">
+              <a:latin typeface="Consolas" panose="020B0609020204030204" pitchFamily="49" charset="0"/>
+            </a:endParaRPr>
+          </a:p>
+          <a:p>
+            <a:pPr marL="0" indent="0">
+              <a:buNone/>
+            </a:pPr>
+            <a:r>
+              <a:rPr lang="en-US" dirty="0">
+                <a:latin typeface="Consolas" panose="020B0609020204030204" pitchFamily="49" charset="0"/>
+              </a:rPr>
+              <a:t>x = [1 2 3]	</a:t>
+            </a:r>
+            <a:r>
+              <a:rPr lang="pl-PL" dirty="0">
+                <a:latin typeface="Consolas" panose="020B0609020204030204" pitchFamily="49" charset="0"/>
+              </a:rPr>
+              <a:t>  </a:t>
+            </a:r>
+            <a:r>
+              <a:rPr lang="en-US" dirty="0">
+                <a:latin typeface="Consolas" panose="020B0609020204030204" pitchFamily="49" charset="0"/>
+              </a:rPr>
+              <a:t>#matrix</a:t>
+            </a:r>
+            <a:r>
+              <a:rPr lang="pl-PL" dirty="0">
+                <a:latin typeface="Consolas" panose="020B0609020204030204" pitchFamily="49" charset="0"/>
+              </a:rPr>
+              <a:t> </a:t>
+            </a:r>
+            <a:r>
+              <a:rPr lang="en-US" dirty="0">
+                <a:latin typeface="Consolas" panose="020B0609020204030204" pitchFamily="49" charset="0"/>
+              </a:rPr>
+              <a:t>1×3 Array{Int64,2}    </a:t>
+            </a:r>
+          </a:p>
+          <a:p>
+            <a:pPr marL="0" indent="0">
+              <a:buNone/>
+            </a:pPr>
+            <a:r>
+              <a:rPr lang="en-US" dirty="0">
+                <a:latin typeface="Consolas" panose="020B0609020204030204" pitchFamily="49" charset="0"/>
+              </a:rPr>
+              <a:t>y = [1, 2, 3]     #vector of</a:t>
+            </a:r>
+            <a:r>
+              <a:rPr lang="pl-PL" dirty="0">
+                <a:latin typeface="Consolas" panose="020B0609020204030204" pitchFamily="49" charset="0"/>
+              </a:rPr>
+              <a:t> </a:t>
+            </a:r>
+            <a:r>
+              <a:rPr lang="en-US" dirty="0">
+                <a:latin typeface="Consolas" panose="020B0609020204030204" pitchFamily="49" charset="0"/>
+              </a:rPr>
+              <a:t>3-elements Array{Int64,1}</a:t>
+            </a:r>
+            <a:endParaRPr lang="pl-PL" dirty="0">
+              <a:latin typeface="Consolas" panose="020B0609020204030204" pitchFamily="49" charset="0"/>
+            </a:endParaRPr>
+          </a:p>
+          <a:p>
+            <a:pPr marL="0" indent="0">
+              <a:buNone/>
+            </a:pPr>
+            <a:r>
+              <a:rPr lang="pl-PL" dirty="0">
+                <a:solidFill>
+                  <a:srgbClr val="7030A0"/>
+                </a:solidFill>
+                <a:latin typeface="Consolas" panose="020B0609020204030204" pitchFamily="49" charset="0"/>
+              </a:rPr>
+              <a:t># </a:t>
+            </a:r>
+            <a:r>
+              <a:rPr lang="en-US" dirty="0">
+                <a:solidFill>
+                  <a:srgbClr val="7030A0"/>
+                </a:solidFill>
+                <a:latin typeface="Consolas" panose="020B0609020204030204" pitchFamily="49" charset="0"/>
+              </a:rPr>
+              <a:t>Vectors are vertical and algebra rules apply</a:t>
+            </a:r>
+            <a:r>
+              <a:rPr lang="pl-PL" dirty="0">
+                <a:solidFill>
+                  <a:srgbClr val="7030A0"/>
+                </a:solidFill>
+                <a:latin typeface="Consolas" panose="020B0609020204030204" pitchFamily="49" charset="0"/>
+              </a:rPr>
+              <a:t> </a:t>
+            </a:r>
+            <a:endParaRPr lang="en-US" dirty="0">
+              <a:solidFill>
+                <a:srgbClr val="7030A0"/>
+              </a:solidFill>
+              <a:latin typeface="Consolas" panose="020B0609020204030204" pitchFamily="49" charset="0"/>
+            </a:endParaRPr>
+          </a:p>
+          <a:p>
+            <a:pPr marL="0" indent="0">
+              <a:buNone/>
+            </a:pPr>
+            <a:r>
+              <a:rPr lang="en-US" dirty="0">
+                <a:latin typeface="Consolas" panose="020B0609020204030204" pitchFamily="49" charset="0"/>
+              </a:rPr>
+              <a:t>x + y </a:t>
+            </a:r>
+            <a:r>
+              <a:rPr lang="en-US" i="1" dirty="0">
+                <a:latin typeface="Consolas" panose="020B0609020204030204" pitchFamily="49" charset="0"/>
+              </a:rPr>
+              <a:t># error</a:t>
+            </a:r>
+          </a:p>
+          <a:p>
+            <a:pPr marL="0" indent="0">
+              <a:buNone/>
+            </a:pPr>
+            <a:r>
+              <a:rPr lang="en-US" dirty="0">
+                <a:latin typeface="Consolas" panose="020B0609020204030204" pitchFamily="49" charset="0"/>
+              </a:rPr>
+              <a:t>x .+ y </a:t>
+            </a:r>
+            <a:r>
+              <a:rPr lang="en-US" i="1" dirty="0">
+                <a:latin typeface="Consolas" panose="020B0609020204030204" pitchFamily="49" charset="0"/>
+              </a:rPr>
+              <a:t># 3x3 matrix, dimension broadcasting</a:t>
+            </a:r>
+          </a:p>
+          <a:p>
+            <a:pPr marL="0" indent="0">
+              <a:buNone/>
+            </a:pPr>
+            <a:r>
+              <a:rPr lang="en-US" dirty="0">
+                <a:latin typeface="Consolas" panose="020B0609020204030204" pitchFamily="49" charset="0"/>
+              </a:rPr>
+              <a:t>x + y' </a:t>
+            </a:r>
+            <a:r>
+              <a:rPr lang="en-US" i="1" dirty="0">
+                <a:latin typeface="Consolas" panose="020B0609020204030204" pitchFamily="49" charset="0"/>
+              </a:rPr>
+              <a:t># 1x3 matrix</a:t>
+            </a:r>
+          </a:p>
+          <a:p>
+            <a:pPr marL="0" indent="0">
+              <a:buNone/>
+            </a:pPr>
+            <a:r>
+              <a:rPr lang="en-US" dirty="0">
+                <a:latin typeface="Consolas" panose="020B0609020204030204" pitchFamily="49" charset="0"/>
+              </a:rPr>
+              <a:t>x * y </a:t>
+            </a:r>
+            <a:r>
+              <a:rPr lang="en-US" i="1" dirty="0">
+                <a:latin typeface="Consolas" panose="020B0609020204030204" pitchFamily="49" charset="0"/>
+              </a:rPr>
+              <a:t># array multiplication, 1-element vector (not scalar)</a:t>
+            </a:r>
+            <a:endParaRPr lang="en-US" dirty="0">
+              <a:latin typeface="Consolas" panose="020B0609020204030204" pitchFamily="49" charset="0"/>
+            </a:endParaRPr>
+          </a:p>
+        </p:txBody>
+      </p:sp>
+    </p:spTree>
+    <p:extLst>
+      <p:ext uri="{BB962C8B-B14F-4D97-AF65-F5344CB8AC3E}">
+        <p14:creationId xmlns:p14="http://schemas.microsoft.com/office/powerpoint/2010/main" val="1419747330"/>
+      </p:ext>
+    </p:extLst>
+  </p:cSld>
+  <p:clrMapOvr>
+    <a:masterClrMapping/>
+  </p:clrMapOvr>
+</p:sld>
+</file>
+
+<file path=ppt/slides/slide31.xml><?xml version="1.0" encoding="utf-8"?>
+<p:sld xmlns:a="http://schemas.openxmlformats.org/drawingml/2006/main" xmlns:r="http://schemas.openxmlformats.org/officeDocument/2006/relationships" xmlns:p="http://schemas.openxmlformats.org/presentationml/2006/main">
+  <p:cSld>
+    <p:spTree>
+      <p:nvGrpSpPr>
+        <p:cNvPr id="1" name=""/>
+        <p:cNvGrpSpPr/>
+        <p:nvPr/>
+      </p:nvGrpSpPr>
+      <p:grpSpPr>
+        <a:xfrm>
+          <a:off x="0" y="0"/>
+          <a:ext cx="0" cy="0"/>
+          <a:chOff x="0" y="0"/>
+          <a:chExt cx="0" cy="0"/>
+        </a:xfrm>
+      </p:grpSpPr>
+      <p:sp>
+        <p:nvSpPr>
+          <p:cNvPr id="2" name="Tytuł 1"/>
+          <p:cNvSpPr>
+            <a:spLocks noGrp="1"/>
+          </p:cNvSpPr>
+          <p:nvPr>
+            <p:ph type="title"/>
+          </p:nvPr>
+        </p:nvSpPr>
+        <p:spPr/>
+        <p:txBody>
+          <a:bodyPr/>
+          <a:lstStyle/>
+          <a:p>
+            <a:r>
               <a:rPr lang="en-US" dirty="0"/>
               <a:t>Numerical example – pi approximation </a:t>
             </a:r>
@@ -10612,7 +11385,7 @@
 </p:sld>
 </file>
 
-<file path=ppt/slides/slide31.xml><?xml version="1.0" encoding="utf-8"?>
+<file path=ppt/slides/slide32.xml><?xml version="1.0" encoding="utf-8"?>
 <p:sld xmlns:a="http://schemas.openxmlformats.org/drawingml/2006/main" xmlns:r="http://schemas.openxmlformats.org/officeDocument/2006/relationships" xmlns:p="http://schemas.openxmlformats.org/presentationml/2006/main">
   <p:cSld>
     <p:spTree>
@@ -10969,7 +11742,7 @@
 </p:sld>
 </file>
 
-<file path=ppt/slides/slide32.xml><?xml version="1.0" encoding="utf-8"?>
+<file path=ppt/slides/slide33.xml><?xml version="1.0" encoding="utf-8"?>
 <p:sld xmlns:a="http://schemas.openxmlformats.org/drawingml/2006/main" xmlns:r="http://schemas.openxmlformats.org/officeDocument/2006/relationships" xmlns:p="http://schemas.openxmlformats.org/presentationml/2006/main">
   <p:cSld>
     <p:spTree>
@@ -11216,7 +11989,7 @@
 </p:sld>
 </file>
 
-<file path=ppt/slides/slide33.xml><?xml version="1.0" encoding="utf-8"?>
+<file path=ppt/slides/slide34.xml><?xml version="1.0" encoding="utf-8"?>
 <p:sld xmlns:a="http://schemas.openxmlformats.org/drawingml/2006/main" xmlns:r="http://schemas.openxmlformats.org/officeDocument/2006/relationships" xmlns:p="http://schemas.openxmlformats.org/presentationml/2006/main">
   <p:cSld>
     <p:spTree>
@@ -11692,204 +12465,6 @@
 </p:sld>
 </file>
 
-<file path=ppt/slides/slide34.xml><?xml version="1.0" encoding="utf-8"?>
-<p:sld xmlns:a="http://schemas.openxmlformats.org/drawingml/2006/main" xmlns:r="http://schemas.openxmlformats.org/officeDocument/2006/relationships" xmlns:p="http://schemas.openxmlformats.org/presentationml/2006/main">
-  <p:cSld>
-    <p:spTree>
-      <p:nvGrpSpPr>
-        <p:cNvPr id="1" name=""/>
-        <p:cNvGrpSpPr/>
-        <p:nvPr/>
-      </p:nvGrpSpPr>
-      <p:grpSpPr>
-        <a:xfrm>
-          <a:off x="0" y="0"/>
-          <a:ext cx="0" cy="0"/>
-          <a:chOff x="0" y="0"/>
-          <a:chExt cx="0" cy="0"/>
-        </a:xfrm>
-      </p:grpSpPr>
-      <p:sp>
-        <p:nvSpPr>
-          <p:cNvPr id="2" name="Tytuł 1"/>
-          <p:cNvSpPr>
-            <a:spLocks noGrp="1"/>
-          </p:cNvSpPr>
-          <p:nvPr>
-            <p:ph type="title"/>
-          </p:nvPr>
-        </p:nvSpPr>
-        <p:spPr/>
-        <p:txBody>
-          <a:bodyPr/>
-          <a:lstStyle/>
-          <a:p>
-            <a:r>
-              <a:rPr lang="en-US" dirty="0"/>
-              <a:t>Julia IO – writing files</a:t>
-            </a:r>
-          </a:p>
-        </p:txBody>
-      </p:sp>
-      <p:sp>
-        <p:nvSpPr>
-          <p:cNvPr id="4" name="Symbol zastępczy zawartości 3"/>
-          <p:cNvSpPr>
-            <a:spLocks noGrp="1"/>
-          </p:cNvSpPr>
-          <p:nvPr>
-            <p:ph idx="1"/>
-          </p:nvPr>
-        </p:nvSpPr>
-        <p:spPr/>
-        <p:txBody>
-          <a:bodyPr>
-            <a:normAutofit/>
-          </a:bodyPr>
-          <a:lstStyle/>
-          <a:p>
-            <a:r>
-              <a:rPr lang="en-US" dirty="0"/>
-              <a:t>In Julia the open command can be used to read and write to a particular file stream.     </a:t>
-            </a:r>
-          </a:p>
-          <a:p>
-            <a:pPr marL="457200" lvl="1" indent="0">
-              <a:buNone/>
-            </a:pPr>
-            <a:r>
-              <a:rPr lang="en-US" sz="2800" dirty="0" err="1">
-                <a:solidFill>
-                  <a:srgbClr val="00B050"/>
-                </a:solidFill>
-                <a:latin typeface="Consolas" panose="020B0609020204030204" pitchFamily="49" charset="0"/>
-              </a:rPr>
-              <a:t>julia</a:t>
-            </a:r>
-            <a:r>
-              <a:rPr lang="en-US" sz="2800" dirty="0">
-                <a:solidFill>
-                  <a:srgbClr val="00B050"/>
-                </a:solidFill>
-                <a:latin typeface="Consolas" panose="020B0609020204030204" pitchFamily="49" charset="0"/>
-              </a:rPr>
-              <a:t>&gt; </a:t>
-            </a:r>
-            <a:r>
-              <a:rPr lang="en-US" sz="2800" dirty="0">
-                <a:latin typeface="Consolas" panose="020B0609020204030204" pitchFamily="49" charset="0"/>
-              </a:rPr>
-              <a:t>f = open("</a:t>
-            </a:r>
-            <a:r>
-              <a:rPr lang="en-US" sz="2800" dirty="0" err="1">
-                <a:latin typeface="Consolas" panose="020B0609020204030204" pitchFamily="49" charset="0"/>
-              </a:rPr>
-              <a:t>some_name.txt","w</a:t>
-            </a:r>
-            <a:r>
-              <a:rPr lang="en-US" sz="2800" dirty="0">
-                <a:latin typeface="Consolas" panose="020B0609020204030204" pitchFamily="49" charset="0"/>
-              </a:rPr>
-              <a:t>")    </a:t>
-            </a:r>
-          </a:p>
-          <a:p>
-            <a:pPr marL="457200" lvl="1" indent="0">
-              <a:buNone/>
-            </a:pPr>
-            <a:r>
-              <a:rPr lang="en-US" sz="2800" dirty="0" err="1">
-                <a:latin typeface="Consolas" panose="020B0609020204030204" pitchFamily="49" charset="0"/>
-              </a:rPr>
-              <a:t>IOStream</a:t>
-            </a:r>
-            <a:r>
-              <a:rPr lang="en-US" sz="2800" dirty="0">
-                <a:latin typeface="Consolas" panose="020B0609020204030204" pitchFamily="49" charset="0"/>
-              </a:rPr>
-              <a:t>(&lt;file some_name.txt&gt;)</a:t>
-            </a:r>
-            <a:endParaRPr lang="en-US" dirty="0">
-              <a:latin typeface="Consolas" panose="020B0609020204030204" pitchFamily="49" charset="0"/>
-            </a:endParaRPr>
-          </a:p>
-          <a:p>
-            <a:r>
-              <a:rPr lang="en-US" dirty="0"/>
-              <a:t>The write command takes a stream handle as the first parameter accepts a wide range of additional parameters.   </a:t>
-            </a:r>
-          </a:p>
-          <a:p>
-            <a:pPr marL="457200" lvl="1" indent="0">
-              <a:buNone/>
-            </a:pPr>
-            <a:r>
-              <a:rPr lang="en-US" dirty="0">
-                <a:latin typeface="Consolas" panose="020B0609020204030204" pitchFamily="49" charset="0"/>
-              </a:rPr>
-              <a:t> </a:t>
-            </a:r>
-            <a:r>
-              <a:rPr lang="en-US" sz="2800" dirty="0">
-                <a:latin typeface="Consolas" panose="020B0609020204030204" pitchFamily="49" charset="0"/>
-              </a:rPr>
-              <a:t>write(f, "first line\</a:t>
-            </a:r>
-            <a:r>
-              <a:rPr lang="en-US" sz="2800" dirty="0" err="1">
-                <a:latin typeface="Consolas" panose="020B0609020204030204" pitchFamily="49" charset="0"/>
-              </a:rPr>
-              <a:t>nsecond</a:t>
-            </a:r>
-            <a:r>
-              <a:rPr lang="en-US" sz="2800" dirty="0">
-                <a:latin typeface="Consolas" panose="020B0609020204030204" pitchFamily="49" charset="0"/>
-              </a:rPr>
-              <a:t> line\n")</a:t>
-            </a:r>
-          </a:p>
-          <a:p>
-            <a:r>
-              <a:rPr lang="en-US" dirty="0"/>
-              <a:t>Close the stream</a:t>
-            </a:r>
-          </a:p>
-          <a:p>
-            <a:pPr marL="0" indent="0">
-              <a:buNone/>
-            </a:pPr>
-            <a:r>
-              <a:rPr lang="en-US" dirty="0">
-                <a:latin typeface="Consolas" panose="020B0609020204030204" pitchFamily="49" charset="0"/>
-              </a:rPr>
-              <a:t>   </a:t>
-            </a:r>
-            <a:r>
-              <a:rPr lang="en-US" sz="2800" dirty="0">
-                <a:latin typeface="Consolas" panose="020B0609020204030204" pitchFamily="49" charset="0"/>
-              </a:rPr>
-              <a:t>close(f)</a:t>
-            </a:r>
-            <a:endParaRPr lang="en-US" dirty="0">
-              <a:latin typeface="Consolas" panose="020B0609020204030204" pitchFamily="49" charset="0"/>
-            </a:endParaRPr>
-          </a:p>
-        </p:txBody>
-      </p:sp>
-    </p:spTree>
-    <p:extLst>
-      <p:ext uri="{BB962C8B-B14F-4D97-AF65-F5344CB8AC3E}">
-        <p14:creationId xmlns:p14="http://schemas.microsoft.com/office/powerpoint/2010/main" val="4042175257"/>
-      </p:ext>
-    </p:extLst>
-  </p:cSld>
-  <p:clrMapOvr>
-    <a:masterClrMapping/>
-  </p:clrMapOvr>
-</p:sld>
-</file>
-
 <file path=ppt/slides/slide35.xml><?xml version="1.0" encoding="utf-8"?>
 <p:sld xmlns:a="http://schemas.openxmlformats.org/drawingml/2006/main" xmlns:r="http://schemas.openxmlformats.org/officeDocument/2006/relationships" xmlns:p="http://schemas.openxmlformats.org/presentationml/2006/main">
   <p:cSld>
@@ -11924,6 +12499,204 @@
           <a:p>
             <a:r>
               <a:rPr lang="en-US" dirty="0"/>
+              <a:t>Julia IO – writing files</a:t>
+            </a:r>
+          </a:p>
+        </p:txBody>
+      </p:sp>
+      <p:sp>
+        <p:nvSpPr>
+          <p:cNvPr id="4" name="Symbol zastępczy zawartości 3"/>
+          <p:cNvSpPr>
+            <a:spLocks noGrp="1"/>
+          </p:cNvSpPr>
+          <p:nvPr>
+            <p:ph idx="1"/>
+          </p:nvPr>
+        </p:nvSpPr>
+        <p:spPr/>
+        <p:txBody>
+          <a:bodyPr>
+            <a:normAutofit/>
+          </a:bodyPr>
+          <a:lstStyle/>
+          <a:p>
+            <a:r>
+              <a:rPr lang="en-US" dirty="0"/>
+              <a:t>In Julia the open command can be used to read and write to a particular file stream.     </a:t>
+            </a:r>
+          </a:p>
+          <a:p>
+            <a:pPr marL="457200" lvl="1" indent="0">
+              <a:buNone/>
+            </a:pPr>
+            <a:r>
+              <a:rPr lang="en-US" sz="2800" dirty="0" err="1">
+                <a:solidFill>
+                  <a:srgbClr val="00B050"/>
+                </a:solidFill>
+                <a:latin typeface="Consolas" panose="020B0609020204030204" pitchFamily="49" charset="0"/>
+              </a:rPr>
+              <a:t>julia</a:t>
+            </a:r>
+            <a:r>
+              <a:rPr lang="en-US" sz="2800" dirty="0">
+                <a:solidFill>
+                  <a:srgbClr val="00B050"/>
+                </a:solidFill>
+                <a:latin typeface="Consolas" panose="020B0609020204030204" pitchFamily="49" charset="0"/>
+              </a:rPr>
+              <a:t>&gt; </a:t>
+            </a:r>
+            <a:r>
+              <a:rPr lang="en-US" sz="2800" dirty="0">
+                <a:latin typeface="Consolas" panose="020B0609020204030204" pitchFamily="49" charset="0"/>
+              </a:rPr>
+              <a:t>f = open("</a:t>
+            </a:r>
+            <a:r>
+              <a:rPr lang="en-US" sz="2800" dirty="0" err="1">
+                <a:latin typeface="Consolas" panose="020B0609020204030204" pitchFamily="49" charset="0"/>
+              </a:rPr>
+              <a:t>some_name.txt","w</a:t>
+            </a:r>
+            <a:r>
+              <a:rPr lang="en-US" sz="2800" dirty="0">
+                <a:latin typeface="Consolas" panose="020B0609020204030204" pitchFamily="49" charset="0"/>
+              </a:rPr>
+              <a:t>")    </a:t>
+            </a:r>
+          </a:p>
+          <a:p>
+            <a:pPr marL="457200" lvl="1" indent="0">
+              <a:buNone/>
+            </a:pPr>
+            <a:r>
+              <a:rPr lang="en-US" sz="2800" dirty="0" err="1">
+                <a:latin typeface="Consolas" panose="020B0609020204030204" pitchFamily="49" charset="0"/>
+              </a:rPr>
+              <a:t>IOStream</a:t>
+            </a:r>
+            <a:r>
+              <a:rPr lang="en-US" sz="2800" dirty="0">
+                <a:latin typeface="Consolas" panose="020B0609020204030204" pitchFamily="49" charset="0"/>
+              </a:rPr>
+              <a:t>(&lt;file some_name.txt&gt;)</a:t>
+            </a:r>
+            <a:endParaRPr lang="en-US" dirty="0">
+              <a:latin typeface="Consolas" panose="020B0609020204030204" pitchFamily="49" charset="0"/>
+            </a:endParaRPr>
+          </a:p>
+          <a:p>
+            <a:r>
+              <a:rPr lang="en-US" dirty="0"/>
+              <a:t>The write command takes a stream handle as the first parameter accepts a wide range of additional parameters.   </a:t>
+            </a:r>
+          </a:p>
+          <a:p>
+            <a:pPr marL="457200" lvl="1" indent="0">
+              <a:buNone/>
+            </a:pPr>
+            <a:r>
+              <a:rPr lang="en-US" dirty="0">
+                <a:latin typeface="Consolas" panose="020B0609020204030204" pitchFamily="49" charset="0"/>
+              </a:rPr>
+              <a:t> </a:t>
+            </a:r>
+            <a:r>
+              <a:rPr lang="en-US" sz="2800" dirty="0">
+                <a:latin typeface="Consolas" panose="020B0609020204030204" pitchFamily="49" charset="0"/>
+              </a:rPr>
+              <a:t>write(f, "first line\</a:t>
+            </a:r>
+            <a:r>
+              <a:rPr lang="en-US" sz="2800" dirty="0" err="1">
+                <a:latin typeface="Consolas" panose="020B0609020204030204" pitchFamily="49" charset="0"/>
+              </a:rPr>
+              <a:t>nsecond</a:t>
+            </a:r>
+            <a:r>
+              <a:rPr lang="en-US" sz="2800" dirty="0">
+                <a:latin typeface="Consolas" panose="020B0609020204030204" pitchFamily="49" charset="0"/>
+              </a:rPr>
+              <a:t> line\n")</a:t>
+            </a:r>
+          </a:p>
+          <a:p>
+            <a:r>
+              <a:rPr lang="en-US" dirty="0"/>
+              <a:t>Close the stream</a:t>
+            </a:r>
+          </a:p>
+          <a:p>
+            <a:pPr marL="0" indent="0">
+              <a:buNone/>
+            </a:pPr>
+            <a:r>
+              <a:rPr lang="en-US" dirty="0">
+                <a:latin typeface="Consolas" panose="020B0609020204030204" pitchFamily="49" charset="0"/>
+              </a:rPr>
+              <a:t>   </a:t>
+            </a:r>
+            <a:r>
+              <a:rPr lang="en-US" sz="2800" dirty="0">
+                <a:latin typeface="Consolas" panose="020B0609020204030204" pitchFamily="49" charset="0"/>
+              </a:rPr>
+              <a:t>close(f)</a:t>
+            </a:r>
+            <a:endParaRPr lang="en-US" dirty="0">
+              <a:latin typeface="Consolas" panose="020B0609020204030204" pitchFamily="49" charset="0"/>
+            </a:endParaRPr>
+          </a:p>
+        </p:txBody>
+      </p:sp>
+    </p:spTree>
+    <p:extLst>
+      <p:ext uri="{BB962C8B-B14F-4D97-AF65-F5344CB8AC3E}">
+        <p14:creationId xmlns:p14="http://schemas.microsoft.com/office/powerpoint/2010/main" val="4042175257"/>
+      </p:ext>
+    </p:extLst>
+  </p:cSld>
+  <p:clrMapOvr>
+    <a:masterClrMapping/>
+  </p:clrMapOvr>
+</p:sld>
+</file>
+
+<file path=ppt/slides/slide36.xml><?xml version="1.0" encoding="utf-8"?>
+<p:sld xmlns:a="http://schemas.openxmlformats.org/drawingml/2006/main" xmlns:r="http://schemas.openxmlformats.org/officeDocument/2006/relationships" xmlns:p="http://schemas.openxmlformats.org/presentationml/2006/main">
+  <p:cSld>
+    <p:spTree>
+      <p:nvGrpSpPr>
+        <p:cNvPr id="1" name=""/>
+        <p:cNvGrpSpPr/>
+        <p:nvPr/>
+      </p:nvGrpSpPr>
+      <p:grpSpPr>
+        <a:xfrm>
+          <a:off x="0" y="0"/>
+          <a:ext cx="0" cy="0"/>
+          <a:chOff x="0" y="0"/>
+          <a:chExt cx="0" cy="0"/>
+        </a:xfrm>
+      </p:grpSpPr>
+      <p:sp>
+        <p:nvSpPr>
+          <p:cNvPr id="2" name="Tytuł 1"/>
+          <p:cNvSpPr>
+            <a:spLocks noGrp="1"/>
+          </p:cNvSpPr>
+          <p:nvPr>
+            <p:ph type="title"/>
+          </p:nvPr>
+        </p:nvSpPr>
+        <p:spPr/>
+        <p:txBody>
+          <a:bodyPr/>
+          <a:lstStyle/>
+          <a:p>
+            <a:r>
+              <a:rPr lang="en-US" dirty="0"/>
               <a:t>Julia IO – reading files</a:t>
             </a:r>
           </a:p>
@@ -12174,7 +12947,7 @@
 </p:sld>
 </file>
 
-<file path=ppt/slides/slide36.xml><?xml version="1.0" encoding="utf-8"?>
+<file path=ppt/slides/slide37.xml><?xml version="1.0" encoding="utf-8"?>
 <p:sld xmlns:a="http://schemas.openxmlformats.org/drawingml/2006/main" xmlns:r="http://schemas.openxmlformats.org/officeDocument/2006/relationships" xmlns:p="http://schemas.openxmlformats.org/presentationml/2006/main">
   <p:cSld>
     <p:spTree>
@@ -12251,7 +13024,7 @@
 </p:sld>
 </file>
 
-<file path=ppt/slides/slide37.xml><?xml version="1.0" encoding="utf-8"?>
+<file path=ppt/slides/slide38.xml><?xml version="1.0" encoding="utf-8"?>
 <p:sld xmlns:a="http://schemas.openxmlformats.org/drawingml/2006/main" xmlns:r="http://schemas.openxmlformats.org/officeDocument/2006/relationships" xmlns:p="http://schemas.openxmlformats.org/presentationml/2006/main">
   <p:cSld>
     <p:spTree>
